--- a/tokistorage-client-deck.pptx
+++ b/tokistorage-client-deck.pptx
@@ -14,6 +14,7 @@
     <p:sldId id="262" r:id="rId13"/>
     <p:sldId id="263" r:id="rId14"/>
     <p:sldId id="264" r:id="rId15"/>
+    <p:sldId id="265" r:id="rId16"/>
   </p:sldIdLst>
   <p:sldSz cx="9144000" cy="5143500" type="screen4x3"/>
   <p:notesSz cx="6858000" cy="9144000"/>
@@ -3182,9 +3183,33 @@
           </a:p>
         </p:txBody>
       </p:sp>
-      <p:sp>
-        <p:nvSpPr>
-          <p:cNvPr id="4" name="TextBox 3"/>
+      <p:pic>
+        <p:nvPicPr>
+          <p:cNvPr id="4" name="Picture 3" descr="tokistorage-icon-circle.png"/>
+          <p:cNvPicPr>
+            <a:picLocks noChangeAspect="1"/>
+          </p:cNvPicPr>
+          <p:nvPr/>
+        </p:nvPicPr>
+        <p:blipFill>
+          <a:blip r:embed="rId2"/>
+          <a:stretch>
+            <a:fillRect/>
+          </a:stretch>
+        </p:blipFill>
+        <p:spPr>
+          <a:xfrm>
+            <a:off x="7680960" y="365760"/>
+            <a:ext cx="914400" cy="914400"/>
+          </a:xfrm>
+          <a:prstGeom prst="rect">
+            <a:avLst/>
+          </a:prstGeom>
+        </p:spPr>
+      </p:pic>
+      <p:sp>
+        <p:nvSpPr>
+          <p:cNvPr id="5" name="TextBox 4"/>
           <p:cNvSpPr txBox="1"/>
           <p:nvPr/>
         </p:nvSpPr>
@@ -3227,7 +3252,7 @@
       </p:sp>
       <p:sp>
         <p:nvSpPr>
-          <p:cNvPr id="5" name="TextBox 4"/>
+          <p:cNvPr id="6" name="TextBox 5"/>
           <p:cNvSpPr txBox="1"/>
           <p:nvPr/>
         </p:nvSpPr>
@@ -3271,7 +3296,7 @@
       </p:sp>
       <p:sp>
         <p:nvSpPr>
-          <p:cNvPr id="6" name="TextBox 5"/>
+          <p:cNvPr id="7" name="TextBox 6"/>
           <p:cNvSpPr txBox="1"/>
           <p:nvPr/>
         </p:nvSpPr>
@@ -3315,7 +3340,7 @@
       </p:sp>
       <p:sp>
         <p:nvSpPr>
-          <p:cNvPr id="7" name="Rectangle 6"/>
+          <p:cNvPr id="8" name="Rectangle 7"/>
           <p:cNvSpPr/>
           <p:nvPr/>
         </p:nvSpPr>
@@ -3358,7 +3383,7 @@
       </p:sp>
       <p:sp>
         <p:nvSpPr>
-          <p:cNvPr id="8" name="TextBox 7"/>
+          <p:cNvPr id="9" name="TextBox 8"/>
           <p:cNvSpPr txBox="1"/>
           <p:nvPr/>
         </p:nvSpPr>
@@ -3401,7 +3426,7 @@
       </p:sp>
       <p:sp>
         <p:nvSpPr>
-          <p:cNvPr id="9" name="TextBox 8"/>
+          <p:cNvPr id="10" name="TextBox 9"/>
           <p:cNvSpPr txBox="1"/>
           <p:nvPr/>
         </p:nvSpPr>
@@ -3444,7 +3469,7 @@
       </p:sp>
       <p:sp>
         <p:nvSpPr>
-          <p:cNvPr id="10" name="TextBox 9"/>
+          <p:cNvPr id="11" name="TextBox 10"/>
           <p:cNvSpPr txBox="1"/>
           <p:nvPr/>
         </p:nvSpPr>
@@ -3481,6 +3506,413 @@
                 <a:latin typeface="IPAPGothic"/>
               </a:rPr>
               <a:t>Confidential</a:t>
+            </a:r>
+          </a:p>
+        </p:txBody>
+      </p:sp>
+    </p:spTree>
+  </p:cSld>
+  <p:clrMapOvr>
+    <a:masterClrMapping/>
+  </p:clrMapOvr>
+</p:sld>
+</file>
+
+<file path=ppt/slides/slide10.xml><?xml version="1.0" encoding="utf-8"?>
+<p:sld xmlns:a="http://schemas.openxmlformats.org/drawingml/2006/main" xmlns:p="http://schemas.openxmlformats.org/presentationml/2006/main" xmlns:r="http://schemas.openxmlformats.org/officeDocument/2006/relationships">
+  <p:cSld>
+    <p:spTree>
+      <p:nvGrpSpPr>
+        <p:cNvPr id="1" name=""/>
+        <p:cNvGrpSpPr/>
+        <p:nvPr/>
+      </p:nvGrpSpPr>
+      <p:grpSpPr/>
+      <p:sp>
+        <p:nvSpPr>
+          <p:cNvPr id="2" name="Rectangle 1"/>
+          <p:cNvSpPr/>
+          <p:nvPr/>
+        </p:nvSpPr>
+        <p:spPr>
+          <a:xfrm>
+            <a:off x="0" y="0"/>
+            <a:ext cx="9144000" cy="5143500"/>
+          </a:xfrm>
+          <a:prstGeom prst="rect">
+            <a:avLst/>
+          </a:prstGeom>
+          <a:solidFill>
+            <a:srgbClr val="F8FAFC"/>
+          </a:solidFill>
+          <a:ln>
+            <a:noFill/>
+          </a:ln>
+        </p:spPr>
+        <p:style>
+          <a:lnRef idx="1">
+            <a:schemeClr val="accent1"/>
+          </a:lnRef>
+          <a:fillRef idx="3">
+            <a:schemeClr val="accent1"/>
+          </a:fillRef>
+          <a:effectRef idx="2">
+            <a:schemeClr val="accent1"/>
+          </a:effectRef>
+          <a:fontRef idx="minor">
+            <a:schemeClr val="lt1"/>
+          </a:fontRef>
+        </p:style>
+        <p:txBody>
+          <a:bodyPr rtlCol="0" anchor="ctr"/>
+          <a:lstStyle/>
+          <a:p>
+            <a:pPr algn="ctr"/>
+          </a:p>
+        </p:txBody>
+      </p:sp>
+      <p:sp>
+        <p:nvSpPr>
+          <p:cNvPr id="3" name="TextBox 2"/>
+          <p:cNvSpPr txBox="1"/>
+          <p:nvPr/>
+        </p:nvSpPr>
+        <p:spPr>
+          <a:xfrm>
+            <a:off x="914400" y="914400"/>
+            <a:ext cx="7315200" cy="411480"/>
+          </a:xfrm>
+          <a:prstGeom prst="rect">
+            <a:avLst/>
+          </a:prstGeom>
+          <a:noFill/>
+        </p:spPr>
+        <p:txBody>
+          <a:bodyPr wrap="square"/>
+          <a:lstStyle/>
+          <a:p>
+            <a:pPr algn="l">
+              <a:lnSpc>
+                <a:spcPct val="135000"/>
+              </a:lnSpc>
+              <a:spcBef>
+                <a:spcPts val="0"/>
+              </a:spcBef>
+              <a:spcAft>
+                <a:spcPts val="0"/>
+              </a:spcAft>
+            </a:pPr>
+            <a:r>
+              <a:rPr sz="1400" b="1">
+                <a:solidFill>
+                  <a:srgbClr val="94A3B8"/>
+                </a:solidFill>
+                <a:latin typeface="IPAPGothic"/>
+              </a:rPr>
+              <a:t>Confidential / Disclaimer</a:t>
+            </a:r>
+          </a:p>
+        </p:txBody>
+      </p:sp>
+      <p:sp>
+        <p:nvSpPr>
+          <p:cNvPr id="4" name="Rectangle 3"/>
+          <p:cNvSpPr/>
+          <p:nvPr/>
+        </p:nvSpPr>
+        <p:spPr>
+          <a:xfrm>
+            <a:off x="914400" y="1371600"/>
+            <a:ext cx="7315200" cy="6350"/>
+          </a:xfrm>
+          <a:prstGeom prst="rect">
+            <a:avLst/>
+          </a:prstGeom>
+          <a:solidFill>
+            <a:srgbClr val="E2E8F0"/>
+          </a:solidFill>
+          <a:ln>
+            <a:noFill/>
+          </a:ln>
+        </p:spPr>
+        <p:style>
+          <a:lnRef idx="1">
+            <a:schemeClr val="accent1"/>
+          </a:lnRef>
+          <a:fillRef idx="3">
+            <a:schemeClr val="accent1"/>
+          </a:fillRef>
+          <a:effectRef idx="2">
+            <a:schemeClr val="accent1"/>
+          </a:effectRef>
+          <a:fontRef idx="minor">
+            <a:schemeClr val="lt1"/>
+          </a:fontRef>
+        </p:style>
+        <p:txBody>
+          <a:bodyPr rtlCol="0" anchor="ctr"/>
+          <a:lstStyle/>
+          <a:p>
+            <a:pPr algn="ctr"/>
+          </a:p>
+        </p:txBody>
+      </p:sp>
+      <p:sp>
+        <p:nvSpPr>
+          <p:cNvPr id="5" name="TextBox 4"/>
+          <p:cNvSpPr txBox="1"/>
+          <p:nvPr/>
+        </p:nvSpPr>
+        <p:spPr>
+          <a:xfrm>
+            <a:off x="914400" y="1554480"/>
+            <a:ext cx="7315200" cy="2560320"/>
+          </a:xfrm>
+          <a:prstGeom prst="rect">
+            <a:avLst/>
+          </a:prstGeom>
+          <a:noFill/>
+        </p:spPr>
+        <p:txBody>
+          <a:bodyPr wrap="square"/>
+          <a:lstStyle/>
+          <a:p>
+            <a:pPr algn="l">
+              <a:lnSpc>
+                <a:spcPct val="135000"/>
+              </a:lnSpc>
+              <a:spcBef>
+                <a:spcPts val="0"/>
+              </a:spcBef>
+              <a:spcAft>
+                <a:spcPts val="0"/>
+              </a:spcAft>
+            </a:pPr>
+            <a:r>
+              <a:rPr sz="900" b="0">
+                <a:solidFill>
+                  <a:srgbClr val="475569"/>
+                </a:solidFill>
+                <a:latin typeface="IPAPGothic"/>
+              </a:rPr>
+              <a:t>本資料は、TokiStorage（佐藤卓也）がサービスご検討のために作成した資料です。
+本資料に含まれる情報は、現時点における見解および計画に基づくものであり、その正確性、完全性、または将来の結果を保証するものではありません。
+本資料は情報提供を目的としており、法的助言、投資助言、その他いかなる専門的助言を構成するものでもありません。</a:t>
+            </a:r>
+          </a:p>
+        </p:txBody>
+      </p:sp>
+      <p:sp>
+        <p:nvSpPr>
+          <p:cNvPr id="6" name="TextBox 5"/>
+          <p:cNvSpPr txBox="1"/>
+          <p:nvPr/>
+        </p:nvSpPr>
+        <p:spPr>
+          <a:xfrm>
+            <a:off x="914400" y="4046220"/>
+            <a:ext cx="7315200" cy="274320"/>
+          </a:xfrm>
+          <a:prstGeom prst="rect">
+            <a:avLst/>
+          </a:prstGeom>
+          <a:noFill/>
+        </p:spPr>
+        <p:txBody>
+          <a:bodyPr wrap="square"/>
+          <a:lstStyle/>
+          <a:p>
+            <a:pPr algn="l">
+              <a:lnSpc>
+                <a:spcPct val="135000"/>
+              </a:lnSpc>
+              <a:spcBef>
+                <a:spcPts val="0"/>
+              </a:spcBef>
+              <a:spcAft>
+                <a:spcPts val="0"/>
+              </a:spcAft>
+            </a:pPr>
+            <a:r>
+              <a:rPr sz="800" b="0">
+                <a:solidFill>
+                  <a:srgbClr val="94A3B8"/>
+                </a:solidFill>
+                <a:latin typeface="IPAPGothic"/>
+              </a:rPr>
+              <a:t>© 2026 TokiStorage / 佐藤卓也. All rights reserved.</a:t>
+            </a:r>
+          </a:p>
+        </p:txBody>
+      </p:sp>
+      <p:sp>
+        <p:nvSpPr>
+          <p:cNvPr id="7" name="Rectangle 6"/>
+          <p:cNvSpPr/>
+          <p:nvPr/>
+        </p:nvSpPr>
+        <p:spPr>
+          <a:xfrm>
+            <a:off x="0" y="4796028"/>
+            <a:ext cx="9144000" cy="6350"/>
+          </a:xfrm>
+          <a:prstGeom prst="rect">
+            <a:avLst/>
+          </a:prstGeom>
+          <a:solidFill>
+            <a:srgbClr val="E2E8F0"/>
+          </a:solidFill>
+          <a:ln>
+            <a:noFill/>
+          </a:ln>
+        </p:spPr>
+        <p:style>
+          <a:lnRef idx="1">
+            <a:schemeClr val="accent1"/>
+          </a:lnRef>
+          <a:fillRef idx="3">
+            <a:schemeClr val="accent1"/>
+          </a:fillRef>
+          <a:effectRef idx="2">
+            <a:schemeClr val="accent1"/>
+          </a:effectRef>
+          <a:fontRef idx="minor">
+            <a:schemeClr val="lt1"/>
+          </a:fontRef>
+        </p:style>
+        <p:txBody>
+          <a:bodyPr rtlCol="0" anchor="ctr"/>
+          <a:lstStyle/>
+          <a:p>
+            <a:pPr algn="ctr"/>
+          </a:p>
+        </p:txBody>
+      </p:sp>
+      <p:sp>
+        <p:nvSpPr>
+          <p:cNvPr id="8" name="TextBox 7"/>
+          <p:cNvSpPr txBox="1"/>
+          <p:nvPr/>
+        </p:nvSpPr>
+        <p:spPr>
+          <a:xfrm>
+            <a:off x="457200" y="4821428"/>
+            <a:ext cx="3657600" cy="274320"/>
+          </a:xfrm>
+          <a:prstGeom prst="rect">
+            <a:avLst/>
+          </a:prstGeom>
+          <a:noFill/>
+        </p:spPr>
+        <p:txBody>
+          <a:bodyPr wrap="square"/>
+          <a:lstStyle/>
+          <a:p>
+            <a:pPr algn="l">
+              <a:lnSpc>
+                <a:spcPct val="135000"/>
+              </a:lnSpc>
+              <a:spcBef>
+                <a:spcPts val="0"/>
+              </a:spcBef>
+              <a:spcAft>
+                <a:spcPts val="0"/>
+              </a:spcAft>
+            </a:pPr>
+            <a:r>
+              <a:rPr sz="900" b="0">
+                <a:solidFill>
+                  <a:srgbClr val="94A3B8"/>
+                </a:solidFill>
+                <a:latin typeface="IPAPGothic"/>
+              </a:rPr>
+              <a:t>TokiStorage</a:t>
+            </a:r>
+          </a:p>
+        </p:txBody>
+      </p:sp>
+      <p:sp>
+        <p:nvSpPr>
+          <p:cNvPr id="9" name="TextBox 8"/>
+          <p:cNvSpPr txBox="1"/>
+          <p:nvPr/>
+        </p:nvSpPr>
+        <p:spPr>
+          <a:xfrm>
+            <a:off x="3657600" y="4821428"/>
+            <a:ext cx="1828800" cy="274320"/>
+          </a:xfrm>
+          <a:prstGeom prst="rect">
+            <a:avLst/>
+          </a:prstGeom>
+          <a:noFill/>
+        </p:spPr>
+        <p:txBody>
+          <a:bodyPr wrap="square"/>
+          <a:lstStyle/>
+          <a:p>
+            <a:pPr algn="ctr">
+              <a:lnSpc>
+                <a:spcPct val="135000"/>
+              </a:lnSpc>
+              <a:spcBef>
+                <a:spcPts val="0"/>
+              </a:spcBef>
+              <a:spcAft>
+                <a:spcPts val="0"/>
+              </a:spcAft>
+            </a:pPr>
+            <a:r>
+              <a:rPr sz="900" b="0">
+                <a:solidFill>
+                  <a:srgbClr val="94A3B8"/>
+                </a:solidFill>
+                <a:latin typeface="IPAPGothic"/>
+              </a:rPr>
+              <a:t>Confidential</a:t>
+            </a:r>
+          </a:p>
+        </p:txBody>
+      </p:sp>
+      <p:sp>
+        <p:nvSpPr>
+          <p:cNvPr id="10" name="TextBox 9"/>
+          <p:cNvSpPr txBox="1"/>
+          <p:nvPr/>
+        </p:nvSpPr>
+        <p:spPr>
+          <a:xfrm>
+            <a:off x="8229600" y="4821428"/>
+            <a:ext cx="457200" cy="274320"/>
+          </a:xfrm>
+          <a:prstGeom prst="rect">
+            <a:avLst/>
+          </a:prstGeom>
+          <a:noFill/>
+        </p:spPr>
+        <p:txBody>
+          <a:bodyPr wrap="square"/>
+          <a:lstStyle/>
+          <a:p>
+            <a:pPr algn="r">
+              <a:lnSpc>
+                <a:spcPct val="135000"/>
+              </a:lnSpc>
+              <a:spcBef>
+                <a:spcPts val="0"/>
+              </a:spcBef>
+              <a:spcAft>
+                <a:spcPts val="0"/>
+              </a:spcAft>
+            </a:pPr>
+            <a:r>
+              <a:rPr sz="900" b="1">
+                <a:solidFill>
+                  <a:srgbClr val="94A3B8"/>
+                </a:solidFill>
+                <a:latin typeface="IPAPGothic"/>
+              </a:rPr>
+              <a:t>10</a:t>
             </a:r>
           </a:p>
         </p:txBody>
@@ -5120,7 +5552,7 @@
                 </a:solidFill>
                 <a:latin typeface="IPAPGothic"/>
               </a:rPr>
-              <a:t>サーバー・電源・制度に依存しない、1000年保証の記録媒体。スマホカメラだけで読み取り可能。</a:t>
+              <a:t>サーバー・電源・制度に依存しない、1000年耐久（理論値）の記録媒体。スマホカメラだけで読み取り可能。</a:t>
             </a:r>
           </a:p>
         </p:txBody>
@@ -8595,7 +9027,7 @@
                 </a:solidFill>
                 <a:latin typeface="IPAPGothic"/>
               </a:rPr>
-              <a:t>石英ガラスの存在証明</a:t>
+              <a:t>三層分散保管による存在証明</a:t>
             </a:r>
           </a:p>
         </p:txBody>
@@ -8638,7 +9070,7 @@
                 </a:solidFill>
                 <a:latin typeface="IPAPGothic"/>
               </a:rPr>
-              <a:t>あなたの物語が刻まれた石英ガラス。サーバー・電源不要、1000年保証。スマートフォンのカメラで読み取り可能なQRコード付き。</a:t>
+              <a:t>物理層（石英ガラス/ラミネート）・国家層（国立国会図書館 法定納本）・民間層（GitHub）。3-2-1ルールに完全準拠。単一障害点ゼロ。</a:t>
             </a:r>
           </a:p>
         </p:txBody>
@@ -9348,7 +9780,7 @@
                 </a:solidFill>
                 <a:latin typeface="IPAPGothic"/>
               </a:rPr>
-              <a:t>千年の視座であなたの物語に向き合う——対話のパートナーについて</a:t>
+              <a:t>体験プラン5,000円から——あなたに合ったかたちで始められます</a:t>
             </a:r>
           </a:p>
         </p:txBody>
@@ -9391,137 +9823,27 @@
                 </a:solidFill>
                 <a:latin typeface="IPAPGothic"/>
               </a:rPr>
-              <a:t>YOUR PARTNER</a:t>
-            </a:r>
-          </a:p>
-        </p:txBody>
-      </p:sp>
-      <p:pic>
-        <p:nvPicPr>
-          <p:cNvPr id="5" name="Picture 4" descr="_client_deck_profile.png"/>
-          <p:cNvPicPr>
-            <a:picLocks noChangeAspect="1"/>
-          </p:cNvPicPr>
-          <p:nvPr/>
-        </p:nvPicPr>
-        <p:blipFill>
-          <a:blip r:embed="rId2"/>
-          <a:stretch>
-            <a:fillRect/>
-          </a:stretch>
-        </p:blipFill>
-        <p:spPr>
-          <a:xfrm>
-            <a:off x="457200" y="1024128"/>
-            <a:ext cx="914400" cy="914400"/>
-          </a:xfrm>
-          <a:prstGeom prst="rect">
-            <a:avLst/>
-          </a:prstGeom>
-        </p:spPr>
-      </p:pic>
-      <p:sp>
-        <p:nvSpPr>
-          <p:cNvPr id="6" name="TextBox 5"/>
-          <p:cNvSpPr txBox="1"/>
-          <p:nvPr/>
-        </p:nvSpPr>
-        <p:spPr>
-          <a:xfrm>
-            <a:off x="1508760" y="1078992"/>
-            <a:ext cx="6675120" cy="320040"/>
-          </a:xfrm>
-          <a:prstGeom prst="rect">
-            <a:avLst/>
-          </a:prstGeom>
-          <a:noFill/>
-        </p:spPr>
-        <p:txBody>
-          <a:bodyPr wrap="square"/>
-          <a:lstStyle/>
-          <a:p>
-            <a:pPr algn="l">
-              <a:lnSpc>
-                <a:spcPct val="135000"/>
-              </a:lnSpc>
-              <a:spcBef>
-                <a:spcPts val="0"/>
-              </a:spcBef>
-              <a:spcAft>
-                <a:spcPts val="0"/>
-              </a:spcAft>
-            </a:pPr>
-            <a:r>
-              <a:rPr sz="1300" b="1">
-                <a:solidFill>
-                  <a:srgbClr val="1E293B"/>
-                </a:solidFill>
-                <a:latin typeface="IPAPGothic"/>
-              </a:rPr>
-              <a:t>佐藤卓也 — TokiStorage 代表</a:t>
-            </a:r>
-          </a:p>
-        </p:txBody>
-      </p:sp>
-      <p:sp>
-        <p:nvSpPr>
-          <p:cNvPr id="7" name="TextBox 6"/>
-          <p:cNvSpPr txBox="1"/>
-          <p:nvPr/>
-        </p:nvSpPr>
-        <p:spPr>
-          <a:xfrm>
-            <a:off x="1508760" y="1444752"/>
-            <a:ext cx="6675120" cy="1097280"/>
-          </a:xfrm>
-          <a:prstGeom prst="rect">
-            <a:avLst/>
-          </a:prstGeom>
-          <a:noFill/>
-        </p:spPr>
-        <p:txBody>
-          <a:bodyPr wrap="square"/>
-          <a:lstStyle/>
-          <a:p>
-            <a:pPr algn="l">
-              <a:lnSpc>
-                <a:spcPct val="135000"/>
-              </a:lnSpc>
-              <a:spcBef>
-                <a:spcPts val="0"/>
-              </a:spcBef>
-              <a:spcAft>
-                <a:spcPts val="0"/>
-              </a:spcAft>
-            </a:pPr>
-            <a:r>
-              <a:rPr sz="1000" b="0">
-                <a:solidFill>
-                  <a:srgbClr val="475569"/>
-                </a:solidFill>
-                <a:latin typeface="IPAPGothic"/>
-              </a:rPr>
-              <a:t>大手コンサルティングファームでの経験を経て、半導体製造装置のエンジニアリング20年超。タイムレスタウン新浦安（250世帯）の自治会長として「ゆりかごから墓場まで」のコミュニティ運営を経験。SoulCarrier活動で「記憶が消える恐怖」を目の当たりにし、TokiStorageを着想。マウイ・山中湖でのオフグリッド実証を経て、制度に依存しない千年設計の技術を完成。70以上の思想エッセイを執筆し、9つの知的領域から存在証明の意味を探究し続けている。</a:t>
-            </a:r>
-          </a:p>
-        </p:txBody>
-      </p:sp>
-      <p:sp>
-        <p:nvSpPr>
-          <p:cNvPr id="8" name="Rectangle 7"/>
+              <a:t>INVESTMENT GUIDE</a:t>
+            </a:r>
+          </a:p>
+        </p:txBody>
+      </p:sp>
+      <p:sp>
+        <p:nvSpPr>
+          <p:cNvPr id="5" name="Rectangle 4"/>
           <p:cNvSpPr/>
           <p:nvPr/>
         </p:nvSpPr>
         <p:spPr>
           <a:xfrm>
-            <a:off x="457200" y="2587752"/>
-            <a:ext cx="1028700" cy="402336"/>
+            <a:off x="457200" y="1097280"/>
+            <a:ext cx="7863840" cy="804672"/>
           </a:xfrm>
           <a:prstGeom prst="rect">
             <a:avLst/>
           </a:prstGeom>
           <a:solidFill>
-            <a:srgbClr val="F1F5F9"/>
+            <a:srgbClr val="FFFFFF"/>
           </a:solidFill>
           <a:ln w="9525">
             <a:solidFill>
@@ -9553,43 +9875,172 @@
       </p:sp>
       <p:sp>
         <p:nvSpPr>
+          <p:cNvPr id="6" name="Rectangle 5"/>
+          <p:cNvSpPr/>
+          <p:nvPr/>
+        </p:nvSpPr>
+        <p:spPr>
+          <a:xfrm>
+            <a:off x="594360" y="1234440"/>
+            <a:ext cx="457200" cy="457200"/>
+          </a:xfrm>
+          <a:prstGeom prst="rect">
+            <a:avLst/>
+          </a:prstGeom>
+          <a:solidFill>
+            <a:srgbClr val="EFF6FF"/>
+          </a:solidFill>
+          <a:ln>
+            <a:noFill/>
+          </a:ln>
+        </p:spPr>
+        <p:style>
+          <a:lnRef idx="1">
+            <a:schemeClr val="accent1"/>
+          </a:lnRef>
+          <a:fillRef idx="3">
+            <a:schemeClr val="accent1"/>
+          </a:fillRef>
+          <a:effectRef idx="2">
+            <a:schemeClr val="accent1"/>
+          </a:effectRef>
+          <a:fontRef idx="minor">
+            <a:schemeClr val="lt1"/>
+          </a:fontRef>
+        </p:style>
+        <p:txBody>
+          <a:bodyPr rtlCol="0" anchor="ctr"/>
+          <a:lstStyle/>
+          <a:p>
+            <a:pPr algn="ctr"/>
+          </a:p>
+        </p:txBody>
+      </p:sp>
+      <p:sp>
+        <p:nvSpPr>
+          <p:cNvPr id="7" name="TextBox 6"/>
+          <p:cNvSpPr txBox="1"/>
+          <p:nvPr/>
+        </p:nvSpPr>
+        <p:spPr>
+          <a:xfrm>
+            <a:off x="594360" y="1234440"/>
+            <a:ext cx="457200" cy="457200"/>
+          </a:xfrm>
+          <a:prstGeom prst="rect">
+            <a:avLst/>
+          </a:prstGeom>
+          <a:noFill/>
+        </p:spPr>
+        <p:txBody>
+          <a:bodyPr wrap="square" anchor="ctr"/>
+          <a:lstStyle/>
+          <a:p>
+            <a:pPr algn="ctr">
+              <a:lnSpc>
+                <a:spcPct val="135000"/>
+              </a:lnSpc>
+              <a:spcBef>
+                <a:spcPts val="0"/>
+              </a:spcBef>
+              <a:spcAft>
+                <a:spcPts val="0"/>
+              </a:spcAft>
+            </a:pPr>
+            <a:r>
+              <a:rPr sz="1400" b="1">
+                <a:solidFill>
+                  <a:srgbClr val="2563EB"/>
+                </a:solidFill>
+                <a:latin typeface="IPAPGothic"/>
+              </a:rPr>
+              <a:t>T</a:t>
+            </a:r>
+          </a:p>
+        </p:txBody>
+      </p:sp>
+      <p:sp>
+        <p:nvSpPr>
+          <p:cNvPr id="8" name="TextBox 7"/>
+          <p:cNvSpPr txBox="1"/>
+          <p:nvPr/>
+        </p:nvSpPr>
+        <p:spPr>
+          <a:xfrm>
+            <a:off x="1188720" y="1207008"/>
+            <a:ext cx="6949440" cy="292608"/>
+          </a:xfrm>
+          <a:prstGeom prst="rect">
+            <a:avLst/>
+          </a:prstGeom>
+          <a:noFill/>
+        </p:spPr>
+        <p:txBody>
+          <a:bodyPr wrap="square"/>
+          <a:lstStyle/>
+          <a:p>
+            <a:pPr algn="l">
+              <a:lnSpc>
+                <a:spcPct val="135000"/>
+              </a:lnSpc>
+              <a:spcBef>
+                <a:spcPts val="0"/>
+              </a:spcBef>
+              <a:spcAft>
+                <a:spcPts val="0"/>
+              </a:spcAft>
+            </a:pPr>
+            <a:r>
+              <a:rPr sz="1100" b="1">
+                <a:solidFill>
+                  <a:srgbClr val="1E293B"/>
+                </a:solidFill>
+                <a:latin typeface="IPAPGothic"/>
+              </a:rPr>
+              <a:t>体験プラン — ¥5,000（税込）</a:t>
+            </a:r>
+          </a:p>
+        </p:txBody>
+      </p:sp>
+      <p:sp>
+        <p:nvSpPr>
           <p:cNvPr id="9" name="TextBox 8"/>
           <p:cNvSpPr txBox="1"/>
           <p:nvPr/>
         </p:nvSpPr>
         <p:spPr>
           <a:xfrm>
-            <a:off x="548640" y="2587752"/>
-            <a:ext cx="845820" cy="402336"/>
-          </a:xfrm>
-          <a:prstGeom prst="rect">
-            <a:avLst/>
-          </a:prstGeom>
-          <a:noFill/>
-        </p:spPr>
-        <p:txBody>
-          <a:bodyPr wrap="square" anchor="ctr"/>
-          <a:lstStyle/>
-          <a:p>
-            <a:pPr algn="ctr">
-              <a:lnSpc>
-                <a:spcPct val="135000"/>
-              </a:lnSpc>
-              <a:spcBef>
-                <a:spcPts val="0"/>
-              </a:spcBef>
-              <a:spcAft>
-                <a:spcPts val="0"/>
-              </a:spcAft>
-            </a:pPr>
-            <a:r>
-              <a:rPr sz="800" b="0">
+            <a:off x="1188720" y="1517904"/>
+            <a:ext cx="6949440" cy="274320"/>
+          </a:xfrm>
+          <a:prstGeom prst="rect">
+            <a:avLst/>
+          </a:prstGeom>
+          <a:noFill/>
+        </p:spPr>
+        <p:txBody>
+          <a:bodyPr wrap="square"/>
+          <a:lstStyle/>
+          <a:p>
+            <a:pPr algn="l">
+              <a:lnSpc>
+                <a:spcPct val="135000"/>
+              </a:lnSpc>
+              <a:spcBef>
+                <a:spcPts val="0"/>
+              </a:spcBef>
+              <a:spcAft>
+                <a:spcPts val="0"/>
+              </a:spcAft>
+            </a:pPr>
+            <a:r>
+              <a:rPr sz="1000" b="0">
                 <a:solidFill>
                   <a:srgbClr val="475569"/>
                 </a:solidFill>
                 <a:latin typeface="IPAPGothic"/>
               </a:rPr>
-              <a:t>元Big4ファーム</a:t>
+              <a:t>三層保管をA4ラミネートで体験。声のQRコード→ラミネート＋NDL納本＋GitHub格納。まずはここから。</a:t>
             </a:r>
           </a:p>
         </p:txBody>
@@ -9602,14 +10053,14 @@
         </p:nvSpPr>
         <p:spPr>
           <a:xfrm>
-            <a:off x="1595628" y="2587752"/>
-            <a:ext cx="1508760" cy="402336"/>
+            <a:off x="457200" y="1993392"/>
+            <a:ext cx="7863840" cy="804672"/>
           </a:xfrm>
           <a:prstGeom prst="rect">
             <a:avLst/>
           </a:prstGeom>
           <a:solidFill>
-            <a:srgbClr val="F1F5F9"/>
+            <a:srgbClr val="FFFFFF"/>
           </a:solidFill>
           <a:ln w="9525">
             <a:solidFill>
@@ -9641,14 +10092,57 @@
       </p:sp>
       <p:sp>
         <p:nvSpPr>
-          <p:cNvPr id="11" name="TextBox 10"/>
-          <p:cNvSpPr txBox="1"/>
-          <p:nvPr/>
-        </p:nvSpPr>
-        <p:spPr>
-          <a:xfrm>
-            <a:off x="1687068" y="2587752"/>
-            <a:ext cx="1325880" cy="402336"/>
+          <p:cNvPr id="11" name="Rectangle 10"/>
+          <p:cNvSpPr/>
+          <p:nvPr/>
+        </p:nvSpPr>
+        <p:spPr>
+          <a:xfrm>
+            <a:off x="594360" y="2130552"/>
+            <a:ext cx="457200" cy="457200"/>
+          </a:xfrm>
+          <a:prstGeom prst="rect">
+            <a:avLst/>
+          </a:prstGeom>
+          <a:solidFill>
+            <a:srgbClr val="EFF6FF"/>
+          </a:solidFill>
+          <a:ln>
+            <a:noFill/>
+          </a:ln>
+        </p:spPr>
+        <p:style>
+          <a:lnRef idx="1">
+            <a:schemeClr val="accent1"/>
+          </a:lnRef>
+          <a:fillRef idx="3">
+            <a:schemeClr val="accent1"/>
+          </a:fillRef>
+          <a:effectRef idx="2">
+            <a:schemeClr val="accent1"/>
+          </a:effectRef>
+          <a:fontRef idx="minor">
+            <a:schemeClr val="lt1"/>
+          </a:fontRef>
+        </p:style>
+        <p:txBody>
+          <a:bodyPr rtlCol="0" anchor="ctr"/>
+          <a:lstStyle/>
+          <a:p>
+            <a:pPr algn="ctr"/>
+          </a:p>
+        </p:txBody>
+      </p:sp>
+      <p:sp>
+        <p:nvSpPr>
+          <p:cNvPr id="12" name="TextBox 11"/>
+          <p:cNvSpPr txBox="1"/>
+          <p:nvPr/>
+        </p:nvSpPr>
+        <p:spPr>
+          <a:xfrm>
+            <a:off x="594360" y="2130552"/>
+            <a:ext cx="457200" cy="457200"/>
           </a:xfrm>
           <a:prstGeom prst="rect">
             <a:avLst/>
@@ -9671,33 +10165,119 @@
               </a:spcAft>
             </a:pPr>
             <a:r>
-              <a:rPr sz="800" b="0">
+              <a:rPr sz="1400" b="1">
+                <a:solidFill>
+                  <a:srgbClr val="2563EB"/>
+                </a:solidFill>
+                <a:latin typeface="IPAPGothic"/>
+              </a:rPr>
+              <a:t>Q</a:t>
+            </a:r>
+          </a:p>
+        </p:txBody>
+      </p:sp>
+      <p:sp>
+        <p:nvSpPr>
+          <p:cNvPr id="13" name="TextBox 12"/>
+          <p:cNvSpPr txBox="1"/>
+          <p:nvPr/>
+        </p:nvSpPr>
+        <p:spPr>
+          <a:xfrm>
+            <a:off x="1188720" y="2103120"/>
+            <a:ext cx="6949440" cy="292608"/>
+          </a:xfrm>
+          <a:prstGeom prst="rect">
+            <a:avLst/>
+          </a:prstGeom>
+          <a:noFill/>
+        </p:spPr>
+        <p:txBody>
+          <a:bodyPr wrap="square"/>
+          <a:lstStyle/>
+          <a:p>
+            <a:pPr algn="l">
+              <a:lnSpc>
+                <a:spcPct val="135000"/>
+              </a:lnSpc>
+              <a:spcBef>
+                <a:spcPts val="0"/>
+              </a:spcBef>
+              <a:spcAft>
+                <a:spcPts val="0"/>
+              </a:spcAft>
+            </a:pPr>
+            <a:r>
+              <a:rPr sz="1100" b="1">
+                <a:solidFill>
+                  <a:srgbClr val="1E293B"/>
+                </a:solidFill>
+                <a:latin typeface="IPAPGothic"/>
+              </a:rPr>
+              <a:t>個人プラン — ¥50,000（税込）</a:t>
+            </a:r>
+          </a:p>
+        </p:txBody>
+      </p:sp>
+      <p:sp>
+        <p:nvSpPr>
+          <p:cNvPr id="14" name="TextBox 13"/>
+          <p:cNvSpPr txBox="1"/>
+          <p:nvPr/>
+        </p:nvSpPr>
+        <p:spPr>
+          <a:xfrm>
+            <a:off x="1188720" y="2414016"/>
+            <a:ext cx="6949440" cy="274320"/>
+          </a:xfrm>
+          <a:prstGeom prst="rect">
+            <a:avLst/>
+          </a:prstGeom>
+          <a:noFill/>
+        </p:spPr>
+        <p:txBody>
+          <a:bodyPr wrap="square"/>
+          <a:lstStyle/>
+          <a:p>
+            <a:pPr algn="l">
+              <a:lnSpc>
+                <a:spcPct val="135000"/>
+              </a:lnSpc>
+              <a:spcBef>
+                <a:spcPts val="0"/>
+              </a:spcBef>
+              <a:spcAft>
+                <a:spcPts val="0"/>
+              </a:spcAft>
+            </a:pPr>
+            <a:r>
+              <a:rPr sz="1000" b="0">
                 <a:solidFill>
                   <a:srgbClr val="475569"/>
                 </a:solidFill>
                 <a:latin typeface="IPAPGothic"/>
               </a:rPr>
-              <a:t>半導体エンジニアリング 20年+</a:t>
-            </a:r>
-          </a:p>
-        </p:txBody>
-      </p:sp>
-      <p:sp>
-        <p:nvSpPr>
-          <p:cNvPr id="12" name="Rectangle 11"/>
+              <a:t>石英ガラスに刻印。年あたり50円の存在証明。1000年耐久（理論値）。</a:t>
+            </a:r>
+          </a:p>
+        </p:txBody>
+      </p:sp>
+      <p:sp>
+        <p:nvSpPr>
+          <p:cNvPr id="15" name="Rectangle 14"/>
           <p:cNvSpPr/>
           <p:nvPr/>
         </p:nvSpPr>
         <p:spPr>
           <a:xfrm>
-            <a:off x="3214116" y="2587752"/>
-            <a:ext cx="1165860" cy="402336"/>
+            <a:off x="457200" y="2889504"/>
+            <a:ext cx="7863840" cy="804672"/>
           </a:xfrm>
           <a:prstGeom prst="rect">
             <a:avLst/>
           </a:prstGeom>
           <a:solidFill>
-            <a:srgbClr val="F1F5F9"/>
+            <a:srgbClr val="FFFFFF"/>
           </a:solidFill>
           <a:ln w="9525">
             <a:solidFill>
@@ -9729,14 +10309,57 @@
       </p:sp>
       <p:sp>
         <p:nvSpPr>
-          <p:cNvPr id="13" name="TextBox 12"/>
-          <p:cNvSpPr txBox="1"/>
-          <p:nvPr/>
-        </p:nvSpPr>
-        <p:spPr>
-          <a:xfrm>
-            <a:off x="3305556" y="2587752"/>
-            <a:ext cx="982980" cy="402336"/>
+          <p:cNvPr id="16" name="Rectangle 15"/>
+          <p:cNvSpPr/>
+          <p:nvPr/>
+        </p:nvSpPr>
+        <p:spPr>
+          <a:xfrm>
+            <a:off x="594360" y="3026664"/>
+            <a:ext cx="457200" cy="457200"/>
+          </a:xfrm>
+          <a:prstGeom prst="rect">
+            <a:avLst/>
+          </a:prstGeom>
+          <a:solidFill>
+            <a:srgbClr val="FDF8E8"/>
+          </a:solidFill>
+          <a:ln>
+            <a:noFill/>
+          </a:ln>
+        </p:spPr>
+        <p:style>
+          <a:lnRef idx="1">
+            <a:schemeClr val="accent1"/>
+          </a:lnRef>
+          <a:fillRef idx="3">
+            <a:schemeClr val="accent1"/>
+          </a:fillRef>
+          <a:effectRef idx="2">
+            <a:schemeClr val="accent1"/>
+          </a:effectRef>
+          <a:fontRef idx="minor">
+            <a:schemeClr val="lt1"/>
+          </a:fontRef>
+        </p:style>
+        <p:txBody>
+          <a:bodyPr rtlCol="0" anchor="ctr"/>
+          <a:lstStyle/>
+          <a:p>
+            <a:pPr algn="ctr"/>
+          </a:p>
+        </p:txBody>
+      </p:sp>
+      <p:sp>
+        <p:nvSpPr>
+          <p:cNvPr id="17" name="TextBox 16"/>
+          <p:cNvSpPr txBox="1"/>
+          <p:nvPr/>
+        </p:nvSpPr>
+        <p:spPr>
+          <a:xfrm>
+            <a:off x="594360" y="3026664"/>
+            <a:ext cx="457200" cy="457200"/>
           </a:xfrm>
           <a:prstGeom prst="rect">
             <a:avLst/>
@@ -9759,33 +10382,119 @@
               </a:spcAft>
             </a:pPr>
             <a:r>
-              <a:rPr sz="800" b="0">
+              <a:rPr sz="1400" b="1">
+                <a:solidFill>
+                  <a:srgbClr val="2563EB"/>
+                </a:solidFill>
+                <a:latin typeface="IPAPGothic"/>
+              </a:rPr>
+              <a:t>F</a:t>
+            </a:r>
+          </a:p>
+        </p:txBody>
+      </p:sp>
+      <p:sp>
+        <p:nvSpPr>
+          <p:cNvPr id="18" name="TextBox 17"/>
+          <p:cNvSpPr txBox="1"/>
+          <p:nvPr/>
+        </p:nvSpPr>
+        <p:spPr>
+          <a:xfrm>
+            <a:off x="1188720" y="2999232"/>
+            <a:ext cx="6949440" cy="292608"/>
+          </a:xfrm>
+          <a:prstGeom prst="rect">
+            <a:avLst/>
+          </a:prstGeom>
+          <a:noFill/>
+        </p:spPr>
+        <p:txBody>
+          <a:bodyPr wrap="square"/>
+          <a:lstStyle/>
+          <a:p>
+            <a:pPr algn="l">
+              <a:lnSpc>
+                <a:spcPct val="135000"/>
+              </a:lnSpc>
+              <a:spcBef>
+                <a:spcPts val="0"/>
+              </a:spcBef>
+              <a:spcAft>
+                <a:spcPts val="0"/>
+              </a:spcAft>
+            </a:pPr>
+            <a:r>
+              <a:rPr sz="1100" b="1">
+                <a:solidFill>
+                  <a:srgbClr val="1E293B"/>
+                </a:solidFill>
+                <a:latin typeface="IPAPGothic"/>
+              </a:rPr>
+              <a:t>三世代プラン — ¥550,000（税込・推奨）</a:t>
+            </a:r>
+          </a:p>
+        </p:txBody>
+      </p:sp>
+      <p:sp>
+        <p:nvSpPr>
+          <p:cNvPr id="19" name="TextBox 18"/>
+          <p:cNvSpPr txBox="1"/>
+          <p:nvPr/>
+        </p:nvSpPr>
+        <p:spPr>
+          <a:xfrm>
+            <a:off x="1188720" y="3310128"/>
+            <a:ext cx="6949440" cy="274320"/>
+          </a:xfrm>
+          <a:prstGeom prst="rect">
+            <a:avLst/>
+          </a:prstGeom>
+          <a:noFill/>
+        </p:spPr>
+        <p:txBody>
+          <a:bodyPr wrap="square"/>
+          <a:lstStyle/>
+          <a:p>
+            <a:pPr algn="l">
+              <a:lnSpc>
+                <a:spcPct val="135000"/>
+              </a:lnSpc>
+              <a:spcBef>
+                <a:spcPts val="0"/>
+              </a:spcBef>
+              <a:spcAft>
+                <a:spcPts val="0"/>
+              </a:spcAft>
+            </a:pPr>
+            <a:r>
+              <a:rPr sz="1000" b="0">
                 <a:solidFill>
                   <a:srgbClr val="475569"/>
                 </a:solidFill>
                 <a:latin typeface="IPAPGothic"/>
               </a:rPr>
-              <a:t>自治会長（250世帯）</a:t>
-            </a:r>
-          </a:p>
-        </p:txBody>
-      </p:sp>
-      <p:sp>
-        <p:nvSpPr>
-          <p:cNvPr id="14" name="Rectangle 13"/>
+              <a:t>家族3名分＋佐渡島での現地刻印体験。お墓・仏壇の代替として。最も選ばれるプラン。</a:t>
+            </a:r>
+          </a:p>
+        </p:txBody>
+      </p:sp>
+      <p:sp>
+        <p:nvSpPr>
+          <p:cNvPr id="20" name="Rectangle 19"/>
           <p:cNvSpPr/>
           <p:nvPr/>
         </p:nvSpPr>
         <p:spPr>
           <a:xfrm>
-            <a:off x="4489704" y="2587752"/>
-            <a:ext cx="1303020" cy="402336"/>
+            <a:off x="457200" y="3785616"/>
+            <a:ext cx="7863840" cy="804672"/>
           </a:xfrm>
           <a:prstGeom prst="rect">
             <a:avLst/>
           </a:prstGeom>
           <a:solidFill>
-            <a:srgbClr val="F1F5F9"/>
+            <a:srgbClr val="FFFFFF"/>
           </a:solidFill>
           <a:ln w="9525">
             <a:solidFill>
@@ -9817,68 +10526,23 @@
       </p:sp>
       <p:sp>
         <p:nvSpPr>
-          <p:cNvPr id="15" name="TextBox 14"/>
-          <p:cNvSpPr txBox="1"/>
-          <p:nvPr/>
-        </p:nvSpPr>
-        <p:spPr>
-          <a:xfrm>
-            <a:off x="4581144" y="2587752"/>
-            <a:ext cx="1120140" cy="402336"/>
-          </a:xfrm>
-          <a:prstGeom prst="rect">
-            <a:avLst/>
-          </a:prstGeom>
-          <a:noFill/>
-        </p:spPr>
-        <p:txBody>
-          <a:bodyPr wrap="square" anchor="ctr"/>
-          <a:lstStyle/>
-          <a:p>
-            <a:pPr algn="ctr">
-              <a:lnSpc>
-                <a:spcPct val="135000"/>
-              </a:lnSpc>
-              <a:spcBef>
-                <a:spcPts val="0"/>
-              </a:spcBef>
-              <a:spcAft>
-                <a:spcPts val="0"/>
-              </a:spcAft>
-            </a:pPr>
-            <a:r>
-              <a:rPr sz="800" b="0">
-                <a:solidFill>
-                  <a:srgbClr val="475569"/>
-                </a:solidFill>
-                <a:latin typeface="IPAPGothic"/>
-              </a:rPr>
-              <a:t>SoulCarrier主宰</a:t>
-            </a:r>
-          </a:p>
-        </p:txBody>
-      </p:sp>
-      <p:sp>
-        <p:nvSpPr>
-          <p:cNvPr id="16" name="Rectangle 15"/>
+          <p:cNvPr id="21" name="Rectangle 20"/>
           <p:cNvSpPr/>
           <p:nvPr/>
         </p:nvSpPr>
         <p:spPr>
           <a:xfrm>
-            <a:off x="5902452" y="2587752"/>
-            <a:ext cx="1165860" cy="402336"/>
+            <a:off x="594360" y="3922776"/>
+            <a:ext cx="457200" cy="457200"/>
           </a:xfrm>
           <a:prstGeom prst="rect">
             <a:avLst/>
           </a:prstGeom>
           <a:solidFill>
-            <a:srgbClr val="F1F5F9"/>
+            <a:srgbClr val="F0FDF4"/>
           </a:solidFill>
-          <a:ln w="9525">
-            <a:solidFill>
-              <a:srgbClr val="E2E8F0"/>
-            </a:solidFill>
+          <a:ln>
+            <a:noFill/>
           </a:ln>
         </p:spPr>
         <p:style>
@@ -9905,14 +10569,14 @@
       </p:sp>
       <p:sp>
         <p:nvSpPr>
-          <p:cNvPr id="17" name="TextBox 16"/>
-          <p:cNvSpPr txBox="1"/>
-          <p:nvPr/>
-        </p:nvSpPr>
-        <p:spPr>
-          <a:xfrm>
-            <a:off x="5993892" y="2587752"/>
-            <a:ext cx="982980" cy="402336"/>
+          <p:cNvPr id="22" name="TextBox 21"/>
+          <p:cNvSpPr txBox="1"/>
+          <p:nvPr/>
+        </p:nvSpPr>
+        <p:spPr>
+          <a:xfrm>
+            <a:off x="594360" y="3922776"/>
+            <a:ext cx="457200" cy="457200"/>
           </a:xfrm>
           <a:prstGeom prst="rect">
             <a:avLst/>
@@ -9935,318 +10599,99 @@
               </a:spcAft>
             </a:pPr>
             <a:r>
-              <a:rPr sz="800" b="0">
+              <a:rPr sz="1400" b="1">
+                <a:solidFill>
+                  <a:srgbClr val="2563EB"/>
+                </a:solidFill>
+                <a:latin typeface="IPAPGothic"/>
+              </a:rPr>
+              <a:t>V</a:t>
+            </a:r>
+          </a:p>
+        </p:txBody>
+      </p:sp>
+      <p:sp>
+        <p:nvSpPr>
+          <p:cNvPr id="23" name="TextBox 22"/>
+          <p:cNvSpPr txBox="1"/>
+          <p:nvPr/>
+        </p:nvSpPr>
+        <p:spPr>
+          <a:xfrm>
+            <a:off x="1188720" y="3895344"/>
+            <a:ext cx="6949440" cy="292608"/>
+          </a:xfrm>
+          <a:prstGeom prst="rect">
+            <a:avLst/>
+          </a:prstGeom>
+          <a:noFill/>
+        </p:spPr>
+        <p:txBody>
+          <a:bodyPr wrap="square"/>
+          <a:lstStyle/>
+          <a:p>
+            <a:pPr algn="l">
+              <a:lnSpc>
+                <a:spcPct val="135000"/>
+              </a:lnSpc>
+              <a:spcBef>
+                <a:spcPts val="0"/>
+              </a:spcBef>
+              <a:spcAft>
+                <a:spcPts val="0"/>
+              </a:spcAft>
+            </a:pPr>
+            <a:r>
+              <a:rPr sz="1100" b="1">
+                <a:solidFill>
+                  <a:srgbClr val="1E293B"/>
+                </a:solidFill>
+                <a:latin typeface="IPAPGothic"/>
+              </a:rPr>
+              <a:t>ボイスメモリアル — ¥5,550,000（税込）</a:t>
+            </a:r>
+          </a:p>
+        </p:txBody>
+      </p:sp>
+      <p:sp>
+        <p:nvSpPr>
+          <p:cNvPr id="24" name="TextBox 23"/>
+          <p:cNvSpPr txBox="1"/>
+          <p:nvPr/>
+        </p:nvSpPr>
+        <p:spPr>
+          <a:xfrm>
+            <a:off x="1188720" y="4206240"/>
+            <a:ext cx="6949440" cy="274320"/>
+          </a:xfrm>
+          <a:prstGeom prst="rect">
+            <a:avLst/>
+          </a:prstGeom>
+          <a:noFill/>
+        </p:spPr>
+        <p:txBody>
+          <a:bodyPr wrap="square"/>
+          <a:lstStyle/>
+          <a:p>
+            <a:pPr algn="l">
+              <a:lnSpc>
+                <a:spcPct val="135000"/>
+              </a:lnSpc>
+              <a:spcBef>
+                <a:spcPts val="0"/>
+              </a:spcBef>
+              <a:spcAft>
+                <a:spcPts val="0"/>
+              </a:spcAft>
+            </a:pPr>
+            <a:r>
+              <a:rPr sz="1000" b="0">
                 <a:solidFill>
                   <a:srgbClr val="475569"/>
                 </a:solidFill>
                 <a:latin typeface="IPAPGothic"/>
               </a:rPr>
-              <a:t>70+思想エッセイ執筆</a:t>
-            </a:r>
-          </a:p>
-        </p:txBody>
-      </p:sp>
-      <p:sp>
-        <p:nvSpPr>
-          <p:cNvPr id="18" name="Rectangle 17"/>
-          <p:cNvSpPr/>
-          <p:nvPr/>
-        </p:nvSpPr>
-        <p:spPr>
-          <a:xfrm>
-            <a:off x="7178040" y="2587752"/>
-            <a:ext cx="1097280" cy="402336"/>
-          </a:xfrm>
-          <a:prstGeom prst="rect">
-            <a:avLst/>
-          </a:prstGeom>
-          <a:solidFill>
-            <a:srgbClr val="F1F5F9"/>
-          </a:solidFill>
-          <a:ln w="9525">
-            <a:solidFill>
-              <a:srgbClr val="E2E8F0"/>
-            </a:solidFill>
-          </a:ln>
-        </p:spPr>
-        <p:style>
-          <a:lnRef idx="1">
-            <a:schemeClr val="accent1"/>
-          </a:lnRef>
-          <a:fillRef idx="3">
-            <a:schemeClr val="accent1"/>
-          </a:fillRef>
-          <a:effectRef idx="2">
-            <a:schemeClr val="accent1"/>
-          </a:effectRef>
-          <a:fontRef idx="minor">
-            <a:schemeClr val="lt1"/>
-          </a:fontRef>
-        </p:style>
-        <p:txBody>
-          <a:bodyPr rtlCol="0" anchor="ctr"/>
-          <a:lstStyle/>
-          <a:p>
-            <a:pPr algn="ctr"/>
-          </a:p>
-        </p:txBody>
-      </p:sp>
-      <p:sp>
-        <p:nvSpPr>
-          <p:cNvPr id="19" name="TextBox 18"/>
-          <p:cNvSpPr txBox="1"/>
-          <p:nvPr/>
-        </p:nvSpPr>
-        <p:spPr>
-          <a:xfrm>
-            <a:off x="7269480" y="2587752"/>
-            <a:ext cx="914400" cy="402336"/>
-          </a:xfrm>
-          <a:prstGeom prst="rect">
-            <a:avLst/>
-          </a:prstGeom>
-          <a:noFill/>
-        </p:spPr>
-        <p:txBody>
-          <a:bodyPr wrap="square" anchor="ctr"/>
-          <a:lstStyle/>
-          <a:p>
-            <a:pPr algn="ctr">
-              <a:lnSpc>
-                <a:spcPct val="135000"/>
-              </a:lnSpc>
-              <a:spcBef>
-                <a:spcPts val="0"/>
-              </a:spcBef>
-              <a:spcAft>
-                <a:spcPts val="0"/>
-              </a:spcAft>
-            </a:pPr>
-            <a:r>
-              <a:rPr sz="800" b="0">
-                <a:solidFill>
-                  <a:srgbClr val="475569"/>
-                </a:solidFill>
-                <a:latin typeface="IPAPGothic"/>
-              </a:rPr>
-              <a:t>オフグリッド実証済み</a:t>
-            </a:r>
-          </a:p>
-        </p:txBody>
-      </p:sp>
-      <p:sp>
-        <p:nvSpPr>
-          <p:cNvPr id="20" name="Rectangle 19"/>
-          <p:cNvSpPr/>
-          <p:nvPr/>
-        </p:nvSpPr>
-        <p:spPr>
-          <a:xfrm>
-            <a:off x="457200" y="3063240"/>
-            <a:ext cx="1371600" cy="402336"/>
-          </a:xfrm>
-          <a:prstGeom prst="rect">
-            <a:avLst/>
-          </a:prstGeom>
-          <a:solidFill>
-            <a:srgbClr val="F1F5F9"/>
-          </a:solidFill>
-          <a:ln w="9525">
-            <a:solidFill>
-              <a:srgbClr val="E2E8F0"/>
-            </a:solidFill>
-          </a:ln>
-        </p:spPr>
-        <p:style>
-          <a:lnRef idx="1">
-            <a:schemeClr val="accent1"/>
-          </a:lnRef>
-          <a:fillRef idx="3">
-            <a:schemeClr val="accent1"/>
-          </a:fillRef>
-          <a:effectRef idx="2">
-            <a:schemeClr val="accent1"/>
-          </a:effectRef>
-          <a:fontRef idx="minor">
-            <a:schemeClr val="lt1"/>
-          </a:fontRef>
-        </p:style>
-        <p:txBody>
-          <a:bodyPr rtlCol="0" anchor="ctr"/>
-          <a:lstStyle/>
-          <a:p>
-            <a:pPr algn="ctr"/>
-          </a:p>
-        </p:txBody>
-      </p:sp>
-      <p:sp>
-        <p:nvSpPr>
-          <p:cNvPr id="21" name="TextBox 20"/>
-          <p:cNvSpPr txBox="1"/>
-          <p:nvPr/>
-        </p:nvSpPr>
-        <p:spPr>
-          <a:xfrm>
-            <a:off x="548640" y="3063240"/>
-            <a:ext cx="1188720" cy="402336"/>
-          </a:xfrm>
-          <a:prstGeom prst="rect">
-            <a:avLst/>
-          </a:prstGeom>
-          <a:noFill/>
-        </p:spPr>
-        <p:txBody>
-          <a:bodyPr wrap="square" anchor="ctr"/>
-          <a:lstStyle/>
-          <a:p>
-            <a:pPr algn="ctr">
-              <a:lnSpc>
-                <a:spcPct val="135000"/>
-              </a:lnSpc>
-              <a:spcBef>
-                <a:spcPts val="0"/>
-              </a:spcBef>
-              <a:spcAft>
-                <a:spcPts val="0"/>
-              </a:spcAft>
-            </a:pPr>
-            <a:r>
-              <a:rPr sz="800" b="0">
-                <a:solidFill>
-                  <a:srgbClr val="475569"/>
-                </a:solidFill>
-                <a:latin typeface="IPAPGothic"/>
-              </a:rPr>
-              <a:t>佐渡島移住予定（2026春）</a:t>
-            </a:r>
-          </a:p>
-        </p:txBody>
-      </p:sp>
-      <p:sp>
-        <p:nvSpPr>
-          <p:cNvPr id="22" name="Rectangle 21"/>
-          <p:cNvSpPr/>
-          <p:nvPr/>
-        </p:nvSpPr>
-        <p:spPr>
-          <a:xfrm>
-            <a:off x="457200" y="3575304"/>
-            <a:ext cx="7863840" cy="777240"/>
-          </a:xfrm>
-          <a:prstGeom prst="rect">
-            <a:avLst/>
-          </a:prstGeom>
-          <a:solidFill>
-            <a:srgbClr val="EFF6FF"/>
-          </a:solidFill>
-          <a:ln>
-            <a:noFill/>
-          </a:ln>
-        </p:spPr>
-        <p:style>
-          <a:lnRef idx="1">
-            <a:schemeClr val="accent1"/>
-          </a:lnRef>
-          <a:fillRef idx="3">
-            <a:schemeClr val="accent1"/>
-          </a:fillRef>
-          <a:effectRef idx="2">
-            <a:schemeClr val="accent1"/>
-          </a:effectRef>
-          <a:fontRef idx="minor">
-            <a:schemeClr val="lt1"/>
-          </a:fontRef>
-        </p:style>
-        <p:txBody>
-          <a:bodyPr rtlCol="0" anchor="ctr"/>
-          <a:lstStyle/>
-          <a:p>
-            <a:pPr algn="ctr"/>
-          </a:p>
-        </p:txBody>
-      </p:sp>
-      <p:sp>
-        <p:nvSpPr>
-          <p:cNvPr id="23" name="Rectangle 22"/>
-          <p:cNvSpPr/>
-          <p:nvPr/>
-        </p:nvSpPr>
-        <p:spPr>
-          <a:xfrm>
-            <a:off x="457200" y="3575304"/>
-            <a:ext cx="54864" cy="777240"/>
-          </a:xfrm>
-          <a:prstGeom prst="rect">
-            <a:avLst/>
-          </a:prstGeom>
-          <a:solidFill>
-            <a:srgbClr val="C9A962"/>
-          </a:solidFill>
-          <a:ln>
-            <a:noFill/>
-          </a:ln>
-        </p:spPr>
-        <p:style>
-          <a:lnRef idx="1">
-            <a:schemeClr val="accent1"/>
-          </a:lnRef>
-          <a:fillRef idx="3">
-            <a:schemeClr val="accent1"/>
-          </a:fillRef>
-          <a:effectRef idx="2">
-            <a:schemeClr val="accent1"/>
-          </a:effectRef>
-          <a:fontRef idx="minor">
-            <a:schemeClr val="lt1"/>
-          </a:fontRef>
-        </p:style>
-        <p:txBody>
-          <a:bodyPr rtlCol="0" anchor="ctr"/>
-          <a:lstStyle/>
-          <a:p>
-            <a:pPr algn="ctr"/>
-          </a:p>
-        </p:txBody>
-      </p:sp>
-      <p:sp>
-        <p:nvSpPr>
-          <p:cNvPr id="24" name="TextBox 23"/>
-          <p:cNvSpPr txBox="1"/>
-          <p:nvPr/>
-        </p:nvSpPr>
-        <p:spPr>
-          <a:xfrm>
-            <a:off x="685800" y="3648456"/>
-            <a:ext cx="7543800" cy="630936"/>
-          </a:xfrm>
-          <a:prstGeom prst="rect">
-            <a:avLst/>
-          </a:prstGeom>
-          <a:noFill/>
-        </p:spPr>
-        <p:txBody>
-          <a:bodyPr wrap="square"/>
-          <a:lstStyle/>
-          <a:p>
-            <a:pPr algn="l">
-              <a:lnSpc>
-                <a:spcPct val="135000"/>
-              </a:lnSpc>
-              <a:spcBef>
-                <a:spcPts val="0"/>
-              </a:spcBef>
-              <a:spcAft>
-                <a:spcPts val="0"/>
-              </a:spcAft>
-            </a:pPr>
-            <a:r>
-              <a:rPr sz="900" b="0">
-                <a:solidFill>
-                  <a:srgbClr val="1E293B"/>
-                </a:solidFill>
-                <a:latin typeface="IPAPGothic"/>
-              </a:rPr>
-              <a:t>愛犬パールのお墓とともに、家族でパールハーバーを訪れました。平和を願う声を音声QRとして刻んだプレートを持って。そこで気がつきました——時を超えた願いは、愛や平和への想いに変容する。一人でも多くの方と分かち合いたい。TokiStorageをきっかけに、時を超えた変容をご一緒できれば幸いです。</a:t>
+              <a:t>完全オーダーメイド。音声復元・専用デザイン・プレミアム体験のすべてを含む。</a:t>
             </a:r>
           </a:p>
         </p:txBody>
@@ -10450,7 +10895,7 @@
         <p:spPr>
           <a:xfrm>
             <a:off x="0" y="0"/>
-            <a:ext cx="9144000" cy="5143500"/>
+            <a:ext cx="9144000" cy="594360"/>
           </a:xfrm>
           <a:prstGeom prst="rect">
             <a:avLst/>
@@ -10492,8 +10937,51 @@
         </p:nvSpPr>
         <p:spPr>
           <a:xfrm>
-            <a:off x="457200" y="137160"/>
-            <a:ext cx="3657600" cy="411480"/>
+            <a:off x="457200" y="0"/>
+            <a:ext cx="8229600" cy="594360"/>
+          </a:xfrm>
+          <a:prstGeom prst="rect">
+            <a:avLst/>
+          </a:prstGeom>
+          <a:noFill/>
+        </p:spPr>
+        <p:txBody>
+          <a:bodyPr wrap="square" anchor="ctr"/>
+          <a:lstStyle/>
+          <a:p>
+            <a:pPr algn="l">
+              <a:lnSpc>
+                <a:spcPct val="135000"/>
+              </a:lnSpc>
+              <a:spcBef>
+                <a:spcPts val="0"/>
+              </a:spcBef>
+              <a:spcAft>
+                <a:spcPts val="0"/>
+              </a:spcAft>
+            </a:pPr>
+            <a:r>
+              <a:rPr sz="1200" b="1">
+                <a:solidFill>
+                  <a:srgbClr val="FFFFFF"/>
+                </a:solidFill>
+                <a:latin typeface="IPAPGothic"/>
+              </a:rPr>
+              <a:t>千年の視座であなたの物語に向き合う——対話のパートナーについて</a:t>
+            </a:r>
+          </a:p>
+        </p:txBody>
+      </p:sp>
+      <p:sp>
+        <p:nvSpPr>
+          <p:cNvPr id="4" name="TextBox 3"/>
+          <p:cNvSpPr txBox="1"/>
+          <p:nvPr/>
+        </p:nvSpPr>
+        <p:spPr>
+          <a:xfrm>
+            <a:off x="457200" y="731520"/>
+            <a:ext cx="2743200" cy="274320"/>
           </a:xfrm>
           <a:prstGeom prst="rect">
             <a:avLst/>
@@ -10516,27 +11004,94 @@
               </a:spcAft>
             </a:pPr>
             <a:r>
+              <a:rPr sz="1000" b="1">
+                <a:solidFill>
+                  <a:srgbClr val="2563EB"/>
+                </a:solidFill>
+                <a:latin typeface="IPAPGothic"/>
+              </a:rPr>
+              <a:t>YOUR PARTNER</a:t>
+            </a:r>
+          </a:p>
+        </p:txBody>
+      </p:sp>
+      <p:pic>
+        <p:nvPicPr>
+          <p:cNvPr id="5" name="Picture 4" descr="_client_deck_profile.png"/>
+          <p:cNvPicPr>
+            <a:picLocks noChangeAspect="1"/>
+          </p:cNvPicPr>
+          <p:nvPr/>
+        </p:nvPicPr>
+        <p:blipFill>
+          <a:blip r:embed="rId2"/>
+          <a:stretch>
+            <a:fillRect/>
+          </a:stretch>
+        </p:blipFill>
+        <p:spPr>
+          <a:xfrm>
+            <a:off x="457200" y="1024128"/>
+            <a:ext cx="914400" cy="914400"/>
+          </a:xfrm>
+          <a:prstGeom prst="rect">
+            <a:avLst/>
+          </a:prstGeom>
+        </p:spPr>
+      </p:pic>
+      <p:sp>
+        <p:nvSpPr>
+          <p:cNvPr id="6" name="TextBox 5"/>
+          <p:cNvSpPr txBox="1"/>
+          <p:nvPr/>
+        </p:nvSpPr>
+        <p:spPr>
+          <a:xfrm>
+            <a:off x="1508760" y="1078992"/>
+            <a:ext cx="6675120" cy="320040"/>
+          </a:xfrm>
+          <a:prstGeom prst="rect">
+            <a:avLst/>
+          </a:prstGeom>
+          <a:noFill/>
+        </p:spPr>
+        <p:txBody>
+          <a:bodyPr wrap="square"/>
+          <a:lstStyle/>
+          <a:p>
+            <a:pPr algn="l">
+              <a:lnSpc>
+                <a:spcPct val="135000"/>
+              </a:lnSpc>
+              <a:spcBef>
+                <a:spcPts val="0"/>
+              </a:spcBef>
+              <a:spcAft>
+                <a:spcPts val="0"/>
+              </a:spcAft>
+            </a:pPr>
+            <a:r>
               <a:rPr sz="1300" b="1">
                 <a:solidFill>
-                  <a:srgbClr val="FFFFFF"/>
-                </a:solidFill>
-                <a:latin typeface="IPAPGothic"/>
-              </a:rPr>
-              <a:t>Next Step</a:t>
-            </a:r>
-          </a:p>
-        </p:txBody>
-      </p:sp>
-      <p:sp>
-        <p:nvSpPr>
-          <p:cNvPr id="4" name="TextBox 3"/>
-          <p:cNvSpPr txBox="1"/>
-          <p:nvPr/>
-        </p:nvSpPr>
-        <p:spPr>
-          <a:xfrm>
-            <a:off x="457200" y="777240"/>
-            <a:ext cx="7315200" cy="457200"/>
+                  <a:srgbClr val="1E293B"/>
+                </a:solidFill>
+                <a:latin typeface="IPAPGothic"/>
+              </a:rPr>
+              <a:t>佐藤卓也 — TokiStorage 代表</a:t>
+            </a:r>
+          </a:p>
+        </p:txBody>
+      </p:sp>
+      <p:sp>
+        <p:nvSpPr>
+          <p:cNvPr id="7" name="TextBox 6"/>
+          <p:cNvSpPr txBox="1"/>
+          <p:nvPr/>
+        </p:nvSpPr>
+        <p:spPr>
+          <a:xfrm>
+            <a:off x="1508760" y="1444752"/>
+            <a:ext cx="6675120" cy="1097280"/>
           </a:xfrm>
           <a:prstGeom prst="rect">
             <a:avLst/>
@@ -10559,36 +11114,38 @@
               </a:spcAft>
             </a:pPr>
             <a:r>
-              <a:rPr sz="2000" b="1">
-                <a:solidFill>
-                  <a:srgbClr val="FFFFFF"/>
-                </a:solidFill>
-                <a:latin typeface="IPAPGothic"/>
-              </a:rPr>
-              <a:t>まずは、お話しましょう。</a:t>
-            </a:r>
-          </a:p>
-        </p:txBody>
-      </p:sp>
-      <p:sp>
-        <p:nvSpPr>
-          <p:cNvPr id="5" name="Oval 4"/>
+              <a:rPr sz="1000" b="0">
+                <a:solidFill>
+                  <a:srgbClr val="475569"/>
+                </a:solidFill>
+                <a:latin typeface="IPAPGothic"/>
+              </a:rPr>
+              <a:t>大手コンサルティングファームでの経験を経て、半導体製造装置のエンジニアリング20年超。タイムレスタウン新浦安（250世帯）の自治会長として「ゆりかごから墓場まで」のコミュニティ運営を経験。SoulCarrier活動で「記憶が消える恐怖」を目の当たりにし、TokiStorageを着想。マウイ・山中湖でのオフグリッド実証を経て、制度に依存しない千年設計の技術を完成。70以上の思想エッセイを執筆し、9つの知的領域から存在証明の意味を探究し続けている。</a:t>
+            </a:r>
+          </a:p>
+        </p:txBody>
+      </p:sp>
+      <p:sp>
+        <p:nvSpPr>
+          <p:cNvPr id="8" name="Rectangle 7"/>
           <p:cNvSpPr/>
           <p:nvPr/>
         </p:nvSpPr>
         <p:spPr>
           <a:xfrm>
-            <a:off x="731520" y="1572768"/>
-            <a:ext cx="384048" cy="384048"/>
-          </a:xfrm>
-          <a:prstGeom prst="ellipse">
+            <a:off x="457200" y="2587752"/>
+            <a:ext cx="1028700" cy="402336"/>
+          </a:xfrm>
+          <a:prstGeom prst="rect">
             <a:avLst/>
           </a:prstGeom>
           <a:solidFill>
-            <a:srgbClr val="2563EB"/>
+            <a:srgbClr val="F1F5F9"/>
           </a:solidFill>
-          <a:ln>
-            <a:noFill/>
+          <a:ln w="9525">
+            <a:solidFill>
+              <a:srgbClr val="E2E8F0"/>
+            </a:solidFill>
           </a:ln>
         </p:spPr>
         <p:style>
@@ -10615,14 +11172,14 @@
       </p:sp>
       <p:sp>
         <p:nvSpPr>
-          <p:cNvPr id="6" name="TextBox 5"/>
-          <p:cNvSpPr txBox="1"/>
-          <p:nvPr/>
-        </p:nvSpPr>
-        <p:spPr>
-          <a:xfrm>
-            <a:off x="731520" y="1572768"/>
-            <a:ext cx="384048" cy="384048"/>
+          <p:cNvPr id="9" name="TextBox 8"/>
+          <p:cNvSpPr txBox="1"/>
+          <p:nvPr/>
+        </p:nvSpPr>
+        <p:spPr>
+          <a:xfrm>
+            <a:off x="548640" y="2587752"/>
+            <a:ext cx="845820" cy="402336"/>
           </a:xfrm>
           <a:prstGeom prst="rect">
             <a:avLst/>
@@ -10645,122 +11202,38 @@
               </a:spcAft>
             </a:pPr>
             <a:r>
-              <a:rPr sz="1000" b="1">
-                <a:solidFill>
-                  <a:srgbClr val="FFFFFF"/>
-                </a:solidFill>
-                <a:latin typeface="IPAPGothic"/>
-              </a:rPr>
-              <a:t>01</a:t>
-            </a:r>
-          </a:p>
-        </p:txBody>
-      </p:sp>
-      <p:sp>
-        <p:nvSpPr>
-          <p:cNvPr id="7" name="TextBox 6"/>
-          <p:cNvSpPr txBox="1"/>
-          <p:nvPr/>
-        </p:nvSpPr>
-        <p:spPr>
-          <a:xfrm>
-            <a:off x="1280160" y="1517904"/>
-            <a:ext cx="6400800" cy="274320"/>
-          </a:xfrm>
-          <a:prstGeom prst="rect">
-            <a:avLst/>
-          </a:prstGeom>
-          <a:noFill/>
-        </p:spPr>
-        <p:txBody>
-          <a:bodyPr wrap="square"/>
-          <a:lstStyle/>
-          <a:p>
-            <a:pPr algn="l">
-              <a:lnSpc>
-                <a:spcPct val="135000"/>
-              </a:lnSpc>
-              <a:spcBef>
-                <a:spcPts val="0"/>
-              </a:spcBef>
-              <a:spcAft>
-                <a:spcPts val="0"/>
-              </a:spcAft>
-            </a:pPr>
-            <a:r>
-              <a:rPr sz="1200" b="1">
-                <a:solidFill>
-                  <a:srgbClr val="FFFFFF"/>
-                </a:solidFill>
-                <a:latin typeface="IPAPGothic"/>
-              </a:rPr>
-              <a:t>初回対話（90分・無料）</a:t>
-            </a:r>
-          </a:p>
-        </p:txBody>
-      </p:sp>
-      <p:sp>
-        <p:nvSpPr>
-          <p:cNvPr id="8" name="TextBox 7"/>
-          <p:cNvSpPr txBox="1"/>
-          <p:nvPr/>
-        </p:nvSpPr>
-        <p:spPr>
-          <a:xfrm>
-            <a:off x="1280160" y="1810512"/>
-            <a:ext cx="6400800" cy="274320"/>
-          </a:xfrm>
-          <a:prstGeom prst="rect">
-            <a:avLst/>
-          </a:prstGeom>
-          <a:noFill/>
-        </p:spPr>
-        <p:txBody>
-          <a:bodyPr wrap="square"/>
-          <a:lstStyle/>
-          <a:p>
-            <a:pPr algn="l">
-              <a:lnSpc>
-                <a:spcPct val="135000"/>
-              </a:lnSpc>
-              <a:spcBef>
-                <a:spcPts val="0"/>
-              </a:spcBef>
-              <a:spcAft>
-                <a:spcPts val="0"/>
-              </a:spcAft>
-            </a:pPr>
-            <a:r>
-              <a:rPr sz="1000" b="0">
-                <a:solidFill>
-                  <a:srgbClr val="BBBBCC"/>
-                </a:solidFill>
-                <a:latin typeface="IPAPGothic"/>
-              </a:rPr>
-              <a:t>「100年後に何を残したいか」を一緒に考える、最初の90分</a:t>
-            </a:r>
-          </a:p>
-        </p:txBody>
-      </p:sp>
-      <p:sp>
-        <p:nvSpPr>
-          <p:cNvPr id="9" name="Oval 8"/>
+              <a:rPr sz="800" b="0">
+                <a:solidFill>
+                  <a:srgbClr val="475569"/>
+                </a:solidFill>
+                <a:latin typeface="IPAPGothic"/>
+              </a:rPr>
+              <a:t>元Big4ファーム</a:t>
+            </a:r>
+          </a:p>
+        </p:txBody>
+      </p:sp>
+      <p:sp>
+        <p:nvSpPr>
+          <p:cNvPr id="10" name="Rectangle 9"/>
           <p:cNvSpPr/>
           <p:nvPr/>
         </p:nvSpPr>
         <p:spPr>
           <a:xfrm>
-            <a:off x="731520" y="2286000"/>
-            <a:ext cx="384048" cy="384048"/>
-          </a:xfrm>
-          <a:prstGeom prst="ellipse">
+            <a:off x="1595628" y="2587752"/>
+            <a:ext cx="1508760" cy="402336"/>
+          </a:xfrm>
+          <a:prstGeom prst="rect">
             <a:avLst/>
           </a:prstGeom>
           <a:solidFill>
-            <a:srgbClr val="2563EB"/>
+            <a:srgbClr val="F1F5F9"/>
           </a:solidFill>
-          <a:ln>
-            <a:noFill/>
+          <a:ln w="9525">
+            <a:solidFill>
+              <a:srgbClr val="E2E8F0"/>
+            </a:solidFill>
           </a:ln>
         </p:spPr>
         <p:style>
@@ -10787,14 +11260,14 @@
       </p:sp>
       <p:sp>
         <p:nvSpPr>
-          <p:cNvPr id="10" name="TextBox 9"/>
-          <p:cNvSpPr txBox="1"/>
-          <p:nvPr/>
-        </p:nvSpPr>
-        <p:spPr>
-          <a:xfrm>
-            <a:off x="731520" y="2286000"/>
-            <a:ext cx="384048" cy="384048"/>
+          <p:cNvPr id="11" name="TextBox 10"/>
+          <p:cNvSpPr txBox="1"/>
+          <p:nvPr/>
+        </p:nvSpPr>
+        <p:spPr>
+          <a:xfrm>
+            <a:off x="1687068" y="2587752"/>
+            <a:ext cx="1325880" cy="402336"/>
           </a:xfrm>
           <a:prstGeom prst="rect">
             <a:avLst/>
@@ -10817,122 +11290,38 @@
               </a:spcAft>
             </a:pPr>
             <a:r>
-              <a:rPr sz="1000" b="1">
-                <a:solidFill>
-                  <a:srgbClr val="FFFFFF"/>
-                </a:solidFill>
-                <a:latin typeface="IPAPGothic"/>
-              </a:rPr>
-              <a:t>02</a:t>
-            </a:r>
-          </a:p>
-        </p:txBody>
-      </p:sp>
-      <p:sp>
-        <p:nvSpPr>
-          <p:cNvPr id="11" name="TextBox 10"/>
-          <p:cNvSpPr txBox="1"/>
-          <p:nvPr/>
-        </p:nvSpPr>
-        <p:spPr>
-          <a:xfrm>
-            <a:off x="1280160" y="2231136"/>
-            <a:ext cx="6400800" cy="274320"/>
-          </a:xfrm>
-          <a:prstGeom prst="rect">
-            <a:avLst/>
-          </a:prstGeom>
-          <a:noFill/>
-        </p:spPr>
-        <p:txBody>
-          <a:bodyPr wrap="square"/>
-          <a:lstStyle/>
-          <a:p>
-            <a:pPr algn="l">
-              <a:lnSpc>
-                <a:spcPct val="135000"/>
-              </a:lnSpc>
-              <a:spcBef>
-                <a:spcPts val="0"/>
-              </a:spcBef>
-              <a:spcAft>
-                <a:spcPts val="0"/>
-              </a:spcAft>
-            </a:pPr>
-            <a:r>
-              <a:rPr sz="1200" b="1">
-                <a:solidFill>
-                  <a:srgbClr val="FFFFFF"/>
-                </a:solidFill>
-                <a:latin typeface="IPAPGothic"/>
-              </a:rPr>
-              <a:t>存在証明の設計ご提案</a:t>
-            </a:r>
-          </a:p>
-        </p:txBody>
-      </p:sp>
-      <p:sp>
-        <p:nvSpPr>
-          <p:cNvPr id="12" name="TextBox 11"/>
-          <p:cNvSpPr txBox="1"/>
-          <p:nvPr/>
-        </p:nvSpPr>
-        <p:spPr>
-          <a:xfrm>
-            <a:off x="1280160" y="2523744"/>
-            <a:ext cx="6400800" cy="274320"/>
-          </a:xfrm>
-          <a:prstGeom prst="rect">
-            <a:avLst/>
-          </a:prstGeom>
-          <a:noFill/>
-        </p:spPr>
-        <p:txBody>
-          <a:bodyPr wrap="square"/>
-          <a:lstStyle/>
-          <a:p>
-            <a:pPr algn="l">
-              <a:lnSpc>
-                <a:spcPct val="135000"/>
-              </a:lnSpc>
-              <a:spcBef>
-                <a:spcPts val="0"/>
-              </a:spcBef>
-              <a:spcAft>
-                <a:spcPts val="0"/>
-              </a:spcAft>
-            </a:pPr>
-            <a:r>
-              <a:rPr sz="1000" b="0">
-                <a:solidFill>
-                  <a:srgbClr val="BBBBCC"/>
-                </a:solidFill>
-                <a:latin typeface="IPAPGothic"/>
-              </a:rPr>
-              <a:t>対話をもとに、あなただけのプランをお作りします</a:t>
-            </a:r>
-          </a:p>
-        </p:txBody>
-      </p:sp>
-      <p:sp>
-        <p:nvSpPr>
-          <p:cNvPr id="13" name="Oval 12"/>
+              <a:rPr sz="800" b="0">
+                <a:solidFill>
+                  <a:srgbClr val="475569"/>
+                </a:solidFill>
+                <a:latin typeface="IPAPGothic"/>
+              </a:rPr>
+              <a:t>半導体エンジニアリング 20年+</a:t>
+            </a:r>
+          </a:p>
+        </p:txBody>
+      </p:sp>
+      <p:sp>
+        <p:nvSpPr>
+          <p:cNvPr id="12" name="Rectangle 11"/>
           <p:cNvSpPr/>
           <p:nvPr/>
         </p:nvSpPr>
         <p:spPr>
           <a:xfrm>
-            <a:off x="731520" y="2999232"/>
-            <a:ext cx="384048" cy="384048"/>
-          </a:xfrm>
-          <a:prstGeom prst="ellipse">
+            <a:off x="3214116" y="2587752"/>
+            <a:ext cx="1165860" cy="402336"/>
+          </a:xfrm>
+          <a:prstGeom prst="rect">
             <a:avLst/>
           </a:prstGeom>
           <a:solidFill>
-            <a:srgbClr val="2563EB"/>
+            <a:srgbClr val="F1F5F9"/>
           </a:solidFill>
-          <a:ln>
-            <a:noFill/>
+          <a:ln w="9525">
+            <a:solidFill>
+              <a:srgbClr val="E2E8F0"/>
+            </a:solidFill>
           </a:ln>
         </p:spPr>
         <p:style>
@@ -10959,14 +11348,14 @@
       </p:sp>
       <p:sp>
         <p:nvSpPr>
-          <p:cNvPr id="14" name="TextBox 13"/>
-          <p:cNvSpPr txBox="1"/>
-          <p:nvPr/>
-        </p:nvSpPr>
-        <p:spPr>
-          <a:xfrm>
-            <a:off x="731520" y="2999232"/>
-            <a:ext cx="384048" cy="384048"/>
+          <p:cNvPr id="13" name="TextBox 12"/>
+          <p:cNvSpPr txBox="1"/>
+          <p:nvPr/>
+        </p:nvSpPr>
+        <p:spPr>
+          <a:xfrm>
+            <a:off x="3305556" y="2587752"/>
+            <a:ext cx="982980" cy="402336"/>
           </a:xfrm>
           <a:prstGeom prst="rect">
             <a:avLst/>
@@ -10989,122 +11378,38 @@
               </a:spcAft>
             </a:pPr>
             <a:r>
-              <a:rPr sz="1000" b="1">
-                <a:solidFill>
-                  <a:srgbClr val="FFFFFF"/>
-                </a:solidFill>
-                <a:latin typeface="IPAPGothic"/>
-              </a:rPr>
-              <a:t>03</a:t>
-            </a:r>
-          </a:p>
-        </p:txBody>
-      </p:sp>
-      <p:sp>
-        <p:nvSpPr>
-          <p:cNvPr id="15" name="TextBox 14"/>
-          <p:cNvSpPr txBox="1"/>
-          <p:nvPr/>
-        </p:nvSpPr>
-        <p:spPr>
-          <a:xfrm>
-            <a:off x="1280160" y="2944368"/>
-            <a:ext cx="6400800" cy="274320"/>
-          </a:xfrm>
-          <a:prstGeom prst="rect">
-            <a:avLst/>
-          </a:prstGeom>
-          <a:noFill/>
-        </p:spPr>
-        <p:txBody>
-          <a:bodyPr wrap="square"/>
-          <a:lstStyle/>
-          <a:p>
-            <a:pPr algn="l">
-              <a:lnSpc>
-                <a:spcPct val="135000"/>
-              </a:lnSpc>
-              <a:spcBef>
-                <a:spcPts val="0"/>
-              </a:spcBef>
-              <a:spcAft>
-                <a:spcPts val="0"/>
-              </a:spcAft>
-            </a:pPr>
-            <a:r>
-              <a:rPr sz="1200" b="1">
-                <a:solidFill>
-                  <a:srgbClr val="FFFFFF"/>
-                </a:solidFill>
-                <a:latin typeface="IPAPGothic"/>
-              </a:rPr>
-              <a:t>制作・刻印</a:t>
-            </a:r>
-          </a:p>
-        </p:txBody>
-      </p:sp>
-      <p:sp>
-        <p:nvSpPr>
-          <p:cNvPr id="16" name="TextBox 15"/>
-          <p:cNvSpPr txBox="1"/>
-          <p:nvPr/>
-        </p:nvSpPr>
-        <p:spPr>
-          <a:xfrm>
-            <a:off x="1280160" y="3236976"/>
-            <a:ext cx="6400800" cy="274320"/>
-          </a:xfrm>
-          <a:prstGeom prst="rect">
-            <a:avLst/>
-          </a:prstGeom>
-          <a:noFill/>
-        </p:spPr>
-        <p:txBody>
-          <a:bodyPr wrap="square"/>
-          <a:lstStyle/>
-          <a:p>
-            <a:pPr algn="l">
-              <a:lnSpc>
-                <a:spcPct val="135000"/>
-              </a:lnSpc>
-              <a:spcBef>
-                <a:spcPts val="0"/>
-              </a:spcBef>
-              <a:spcAft>
-                <a:spcPts val="0"/>
-              </a:spcAft>
-            </a:pPr>
-            <a:r>
-              <a:rPr sz="1000" b="0">
-                <a:solidFill>
-                  <a:srgbClr val="BBBBCC"/>
-                </a:solidFill>
-                <a:latin typeface="IPAPGothic"/>
-              </a:rPr>
-              <a:t>存在証明を制作し、石英ガラスに永久に刻みます</a:t>
-            </a:r>
-          </a:p>
-        </p:txBody>
-      </p:sp>
-      <p:sp>
-        <p:nvSpPr>
-          <p:cNvPr id="17" name="Oval 16"/>
+              <a:rPr sz="800" b="0">
+                <a:solidFill>
+                  <a:srgbClr val="475569"/>
+                </a:solidFill>
+                <a:latin typeface="IPAPGothic"/>
+              </a:rPr>
+              <a:t>自治会長（250世帯）</a:t>
+            </a:r>
+          </a:p>
+        </p:txBody>
+      </p:sp>
+      <p:sp>
+        <p:nvSpPr>
+          <p:cNvPr id="14" name="Rectangle 13"/>
           <p:cNvSpPr/>
           <p:nvPr/>
         </p:nvSpPr>
         <p:spPr>
           <a:xfrm>
-            <a:off x="731520" y="3712464"/>
-            <a:ext cx="384048" cy="384048"/>
-          </a:xfrm>
-          <a:prstGeom prst="ellipse">
+            <a:off x="4489704" y="2587752"/>
+            <a:ext cx="1303020" cy="402336"/>
+          </a:xfrm>
+          <a:prstGeom prst="rect">
             <a:avLst/>
           </a:prstGeom>
           <a:solidFill>
-            <a:srgbClr val="2563EB"/>
+            <a:srgbClr val="F1F5F9"/>
           </a:solidFill>
-          <a:ln>
-            <a:noFill/>
+          <a:ln w="9525">
+            <a:solidFill>
+              <a:srgbClr val="E2E8F0"/>
+            </a:solidFill>
           </a:ln>
         </p:spPr>
         <p:style>
@@ -11131,14 +11436,14 @@
       </p:sp>
       <p:sp>
         <p:nvSpPr>
-          <p:cNvPr id="18" name="TextBox 17"/>
-          <p:cNvSpPr txBox="1"/>
-          <p:nvPr/>
-        </p:nvSpPr>
-        <p:spPr>
-          <a:xfrm>
-            <a:off x="731520" y="3712464"/>
-            <a:ext cx="384048" cy="384048"/>
+          <p:cNvPr id="15" name="TextBox 14"/>
+          <p:cNvSpPr txBox="1"/>
+          <p:nvPr/>
+        </p:nvSpPr>
+        <p:spPr>
+          <a:xfrm>
+            <a:off x="4581144" y="2587752"/>
+            <a:ext cx="1120140" cy="402336"/>
           </a:xfrm>
           <a:prstGeom prst="rect">
             <a:avLst/>
@@ -11161,165 +11466,38 @@
               </a:spcAft>
             </a:pPr>
             <a:r>
-              <a:rPr sz="1000" b="1">
-                <a:solidFill>
-                  <a:srgbClr val="FFFFFF"/>
-                </a:solidFill>
-                <a:latin typeface="IPAPGothic"/>
-              </a:rPr>
-              <a:t>04</a:t>
-            </a:r>
-          </a:p>
-        </p:txBody>
-      </p:sp>
-      <p:sp>
-        <p:nvSpPr>
-          <p:cNvPr id="19" name="TextBox 18"/>
-          <p:cNvSpPr txBox="1"/>
-          <p:nvPr/>
-        </p:nvSpPr>
-        <p:spPr>
-          <a:xfrm>
-            <a:off x="1280160" y="3657600"/>
-            <a:ext cx="6400800" cy="274320"/>
-          </a:xfrm>
-          <a:prstGeom prst="rect">
-            <a:avLst/>
-          </a:prstGeom>
-          <a:noFill/>
-        </p:spPr>
-        <p:txBody>
-          <a:bodyPr wrap="square"/>
-          <a:lstStyle/>
-          <a:p>
-            <a:pPr algn="l">
-              <a:lnSpc>
-                <a:spcPct val="135000"/>
-              </a:lnSpc>
-              <a:spcBef>
-                <a:spcPts val="0"/>
-              </a:spcBef>
-              <a:spcAft>
-                <a:spcPts val="0"/>
-              </a:spcAft>
-            </a:pPr>
-            <a:r>
-              <a:rPr sz="1200" b="1">
-                <a:solidFill>
-                  <a:srgbClr val="FFFFFF"/>
-                </a:solidFill>
-                <a:latin typeface="IPAPGothic"/>
-              </a:rPr>
-              <a:t>納品・キュレーション開始</a:t>
-            </a:r>
-          </a:p>
-        </p:txBody>
-      </p:sp>
-      <p:sp>
-        <p:nvSpPr>
-          <p:cNvPr id="20" name="TextBox 19"/>
-          <p:cNvSpPr txBox="1"/>
-          <p:nvPr/>
-        </p:nvSpPr>
-        <p:spPr>
-          <a:xfrm>
-            <a:off x="1280160" y="3950208"/>
-            <a:ext cx="6400800" cy="274320"/>
-          </a:xfrm>
-          <a:prstGeom prst="rect">
-            <a:avLst/>
-          </a:prstGeom>
-          <a:noFill/>
-        </p:spPr>
-        <p:txBody>
-          <a:bodyPr wrap="square"/>
-          <a:lstStyle/>
-          <a:p>
-            <a:pPr algn="l">
-              <a:lnSpc>
-                <a:spcPct val="135000"/>
-              </a:lnSpc>
-              <a:spcBef>
-                <a:spcPts val="0"/>
-              </a:spcBef>
-              <a:spcAft>
-                <a:spcPts val="0"/>
-              </a:spcAft>
-            </a:pPr>
-            <a:r>
-              <a:rPr sz="1000" b="0">
-                <a:solidFill>
-                  <a:srgbClr val="BBBBCC"/>
-                </a:solidFill>
-                <a:latin typeface="IPAPGothic"/>
-              </a:rPr>
-              <a:t>お届けし、継続的なアップデートをサポートします</a:t>
-            </a:r>
-          </a:p>
-        </p:txBody>
-      </p:sp>
-      <p:sp>
-        <p:nvSpPr>
-          <p:cNvPr id="21" name="TextBox 20"/>
-          <p:cNvSpPr txBox="1"/>
-          <p:nvPr/>
-        </p:nvSpPr>
-        <p:spPr>
-          <a:xfrm>
-            <a:off x="731520" y="4229100"/>
-            <a:ext cx="7315200" cy="274320"/>
-          </a:xfrm>
-          <a:prstGeom prst="rect">
-            <a:avLst/>
-          </a:prstGeom>
-          <a:noFill/>
-        </p:spPr>
-        <p:txBody>
-          <a:bodyPr wrap="square"/>
-          <a:lstStyle/>
-          <a:p>
-            <a:pPr algn="l">
-              <a:lnSpc>
-                <a:spcPct val="135000"/>
-              </a:lnSpc>
-              <a:spcBef>
-                <a:spcPts val="0"/>
-              </a:spcBef>
-              <a:spcAft>
-                <a:spcPts val="0"/>
-              </a:spcAft>
-            </a:pPr>
-            <a:r>
-              <a:rPr sz="1000" b="0">
-                <a:solidFill>
-                  <a:srgbClr val="94A3B8"/>
-                </a:solidFill>
-                <a:latin typeface="IPAPGothic"/>
-              </a:rPr>
-              <a:t>TokiStorage　佐藤卓也</a:t>
-            </a:r>
-          </a:p>
-        </p:txBody>
-      </p:sp>
-      <p:sp>
-        <p:nvSpPr>
-          <p:cNvPr id="22" name="Rectangle 21"/>
+              <a:rPr sz="800" b="0">
+                <a:solidFill>
+                  <a:srgbClr val="475569"/>
+                </a:solidFill>
+                <a:latin typeface="IPAPGothic"/>
+              </a:rPr>
+              <a:t>SoulCarrier主宰</a:t>
+            </a:r>
+          </a:p>
+        </p:txBody>
+      </p:sp>
+      <p:sp>
+        <p:nvSpPr>
+          <p:cNvPr id="16" name="Rectangle 15"/>
           <p:cNvSpPr/>
           <p:nvPr/>
         </p:nvSpPr>
         <p:spPr>
           <a:xfrm>
-            <a:off x="0" y="4613148"/>
-            <a:ext cx="9144000" cy="6350"/>
+            <a:off x="5902452" y="2587752"/>
+            <a:ext cx="1165860" cy="402336"/>
           </a:xfrm>
           <a:prstGeom prst="rect">
             <a:avLst/>
           </a:prstGeom>
           <a:solidFill>
-            <a:srgbClr val="334455"/>
+            <a:srgbClr val="F1F5F9"/>
           </a:solidFill>
-          <a:ln>
-            <a:noFill/>
+          <a:ln w="9525">
+            <a:solidFill>
+              <a:srgbClr val="E2E8F0"/>
+            </a:solidFill>
           </a:ln>
         </p:spPr>
         <p:style>
@@ -11346,14 +11524,495 @@
       </p:sp>
       <p:sp>
         <p:nvSpPr>
+          <p:cNvPr id="17" name="TextBox 16"/>
+          <p:cNvSpPr txBox="1"/>
+          <p:nvPr/>
+        </p:nvSpPr>
+        <p:spPr>
+          <a:xfrm>
+            <a:off x="5993892" y="2587752"/>
+            <a:ext cx="982980" cy="402336"/>
+          </a:xfrm>
+          <a:prstGeom prst="rect">
+            <a:avLst/>
+          </a:prstGeom>
+          <a:noFill/>
+        </p:spPr>
+        <p:txBody>
+          <a:bodyPr wrap="square" anchor="ctr"/>
+          <a:lstStyle/>
+          <a:p>
+            <a:pPr algn="ctr">
+              <a:lnSpc>
+                <a:spcPct val="135000"/>
+              </a:lnSpc>
+              <a:spcBef>
+                <a:spcPts val="0"/>
+              </a:spcBef>
+              <a:spcAft>
+                <a:spcPts val="0"/>
+              </a:spcAft>
+            </a:pPr>
+            <a:r>
+              <a:rPr sz="800" b="0">
+                <a:solidFill>
+                  <a:srgbClr val="475569"/>
+                </a:solidFill>
+                <a:latin typeface="IPAPGothic"/>
+              </a:rPr>
+              <a:t>70+思想エッセイ執筆</a:t>
+            </a:r>
+          </a:p>
+        </p:txBody>
+      </p:sp>
+      <p:sp>
+        <p:nvSpPr>
+          <p:cNvPr id="18" name="Rectangle 17"/>
+          <p:cNvSpPr/>
+          <p:nvPr/>
+        </p:nvSpPr>
+        <p:spPr>
+          <a:xfrm>
+            <a:off x="7178040" y="2587752"/>
+            <a:ext cx="1097280" cy="402336"/>
+          </a:xfrm>
+          <a:prstGeom prst="rect">
+            <a:avLst/>
+          </a:prstGeom>
+          <a:solidFill>
+            <a:srgbClr val="F1F5F9"/>
+          </a:solidFill>
+          <a:ln w="9525">
+            <a:solidFill>
+              <a:srgbClr val="E2E8F0"/>
+            </a:solidFill>
+          </a:ln>
+        </p:spPr>
+        <p:style>
+          <a:lnRef idx="1">
+            <a:schemeClr val="accent1"/>
+          </a:lnRef>
+          <a:fillRef idx="3">
+            <a:schemeClr val="accent1"/>
+          </a:fillRef>
+          <a:effectRef idx="2">
+            <a:schemeClr val="accent1"/>
+          </a:effectRef>
+          <a:fontRef idx="minor">
+            <a:schemeClr val="lt1"/>
+          </a:fontRef>
+        </p:style>
+        <p:txBody>
+          <a:bodyPr rtlCol="0" anchor="ctr"/>
+          <a:lstStyle/>
+          <a:p>
+            <a:pPr algn="ctr"/>
+          </a:p>
+        </p:txBody>
+      </p:sp>
+      <p:sp>
+        <p:nvSpPr>
+          <p:cNvPr id="19" name="TextBox 18"/>
+          <p:cNvSpPr txBox="1"/>
+          <p:nvPr/>
+        </p:nvSpPr>
+        <p:spPr>
+          <a:xfrm>
+            <a:off x="7269480" y="2587752"/>
+            <a:ext cx="914400" cy="402336"/>
+          </a:xfrm>
+          <a:prstGeom prst="rect">
+            <a:avLst/>
+          </a:prstGeom>
+          <a:noFill/>
+        </p:spPr>
+        <p:txBody>
+          <a:bodyPr wrap="square" anchor="ctr"/>
+          <a:lstStyle/>
+          <a:p>
+            <a:pPr algn="ctr">
+              <a:lnSpc>
+                <a:spcPct val="135000"/>
+              </a:lnSpc>
+              <a:spcBef>
+                <a:spcPts val="0"/>
+              </a:spcBef>
+              <a:spcAft>
+                <a:spcPts val="0"/>
+              </a:spcAft>
+            </a:pPr>
+            <a:r>
+              <a:rPr sz="800" b="0">
+                <a:solidFill>
+                  <a:srgbClr val="475569"/>
+                </a:solidFill>
+                <a:latin typeface="IPAPGothic"/>
+              </a:rPr>
+              <a:t>オフグリッド実証済み</a:t>
+            </a:r>
+          </a:p>
+        </p:txBody>
+      </p:sp>
+      <p:sp>
+        <p:nvSpPr>
+          <p:cNvPr id="20" name="Rectangle 19"/>
+          <p:cNvSpPr/>
+          <p:nvPr/>
+        </p:nvSpPr>
+        <p:spPr>
+          <a:xfrm>
+            <a:off x="457200" y="3063240"/>
+            <a:ext cx="1371600" cy="402336"/>
+          </a:xfrm>
+          <a:prstGeom prst="rect">
+            <a:avLst/>
+          </a:prstGeom>
+          <a:solidFill>
+            <a:srgbClr val="F1F5F9"/>
+          </a:solidFill>
+          <a:ln w="9525">
+            <a:solidFill>
+              <a:srgbClr val="E2E8F0"/>
+            </a:solidFill>
+          </a:ln>
+        </p:spPr>
+        <p:style>
+          <a:lnRef idx="1">
+            <a:schemeClr val="accent1"/>
+          </a:lnRef>
+          <a:fillRef idx="3">
+            <a:schemeClr val="accent1"/>
+          </a:fillRef>
+          <a:effectRef idx="2">
+            <a:schemeClr val="accent1"/>
+          </a:effectRef>
+          <a:fontRef idx="minor">
+            <a:schemeClr val="lt1"/>
+          </a:fontRef>
+        </p:style>
+        <p:txBody>
+          <a:bodyPr rtlCol="0" anchor="ctr"/>
+          <a:lstStyle/>
+          <a:p>
+            <a:pPr algn="ctr"/>
+          </a:p>
+        </p:txBody>
+      </p:sp>
+      <p:sp>
+        <p:nvSpPr>
+          <p:cNvPr id="21" name="TextBox 20"/>
+          <p:cNvSpPr txBox="1"/>
+          <p:nvPr/>
+        </p:nvSpPr>
+        <p:spPr>
+          <a:xfrm>
+            <a:off x="548640" y="3063240"/>
+            <a:ext cx="1188720" cy="402336"/>
+          </a:xfrm>
+          <a:prstGeom prst="rect">
+            <a:avLst/>
+          </a:prstGeom>
+          <a:noFill/>
+        </p:spPr>
+        <p:txBody>
+          <a:bodyPr wrap="square" anchor="ctr"/>
+          <a:lstStyle/>
+          <a:p>
+            <a:pPr algn="ctr">
+              <a:lnSpc>
+                <a:spcPct val="135000"/>
+              </a:lnSpc>
+              <a:spcBef>
+                <a:spcPts val="0"/>
+              </a:spcBef>
+              <a:spcAft>
+                <a:spcPts val="0"/>
+              </a:spcAft>
+            </a:pPr>
+            <a:r>
+              <a:rPr sz="800" b="0">
+                <a:solidFill>
+                  <a:srgbClr val="475569"/>
+                </a:solidFill>
+                <a:latin typeface="IPAPGothic"/>
+              </a:rPr>
+              <a:t>佐渡島移住予定（2026春）</a:t>
+            </a:r>
+          </a:p>
+        </p:txBody>
+      </p:sp>
+      <p:sp>
+        <p:nvSpPr>
+          <p:cNvPr id="22" name="Rectangle 21"/>
+          <p:cNvSpPr/>
+          <p:nvPr/>
+        </p:nvSpPr>
+        <p:spPr>
+          <a:xfrm>
+            <a:off x="1938528" y="3063240"/>
+            <a:ext cx="1577339" cy="402336"/>
+          </a:xfrm>
+          <a:prstGeom prst="rect">
+            <a:avLst/>
+          </a:prstGeom>
+          <a:solidFill>
+            <a:srgbClr val="F1F5F9"/>
+          </a:solidFill>
+          <a:ln w="9525">
+            <a:solidFill>
+              <a:srgbClr val="E2E8F0"/>
+            </a:solidFill>
+          </a:ln>
+        </p:spPr>
+        <p:style>
+          <a:lnRef idx="1">
+            <a:schemeClr val="accent1"/>
+          </a:lnRef>
+          <a:fillRef idx="3">
+            <a:schemeClr val="accent1"/>
+          </a:fillRef>
+          <a:effectRef idx="2">
+            <a:schemeClr val="accent1"/>
+          </a:effectRef>
+          <a:fontRef idx="minor">
+            <a:schemeClr val="lt1"/>
+          </a:fontRef>
+        </p:style>
+        <p:txBody>
+          <a:bodyPr rtlCol="0" anchor="ctr"/>
+          <a:lstStyle/>
+          <a:p>
+            <a:pPr algn="ctr"/>
+          </a:p>
+        </p:txBody>
+      </p:sp>
+      <p:sp>
+        <p:nvSpPr>
           <p:cNvPr id="23" name="TextBox 22"/>
           <p:cNvSpPr txBox="1"/>
           <p:nvPr/>
         </p:nvSpPr>
         <p:spPr>
           <a:xfrm>
-            <a:off x="457200" y="4640580"/>
-            <a:ext cx="3657600" cy="320040"/>
+            <a:off x="2029968" y="3063240"/>
+            <a:ext cx="1394459" cy="402336"/>
+          </a:xfrm>
+          <a:prstGeom prst="rect">
+            <a:avLst/>
+          </a:prstGeom>
+          <a:noFill/>
+        </p:spPr>
+        <p:txBody>
+          <a:bodyPr wrap="square" anchor="ctr"/>
+          <a:lstStyle/>
+          <a:p>
+            <a:pPr algn="ctr">
+              <a:lnSpc>
+                <a:spcPct val="135000"/>
+              </a:lnSpc>
+              <a:spcBef>
+                <a:spcPts val="0"/>
+              </a:spcBef>
+              <a:spcAft>
+                <a:spcPts val="0"/>
+              </a:spcAft>
+            </a:pPr>
+            <a:r>
+              <a:rPr sz="800" b="0">
+                <a:solidFill>
+                  <a:srgbClr val="475569"/>
+                </a:solidFill>
+                <a:latin typeface="IPAPGothic"/>
+              </a:rPr>
+              <a:t>伊勢神宮 式年遷宮奉納（2026）</a:t>
+            </a:r>
+          </a:p>
+        </p:txBody>
+      </p:sp>
+      <p:sp>
+        <p:nvSpPr>
+          <p:cNvPr id="24" name="Rectangle 23"/>
+          <p:cNvSpPr/>
+          <p:nvPr/>
+        </p:nvSpPr>
+        <p:spPr>
+          <a:xfrm>
+            <a:off x="3625595" y="3063240"/>
+            <a:ext cx="1783080" cy="402336"/>
+          </a:xfrm>
+          <a:prstGeom prst="rect">
+            <a:avLst/>
+          </a:prstGeom>
+          <a:solidFill>
+            <a:srgbClr val="F1F5F9"/>
+          </a:solidFill>
+          <a:ln w="9525">
+            <a:solidFill>
+              <a:srgbClr val="E2E8F0"/>
+            </a:solidFill>
+          </a:ln>
+        </p:spPr>
+        <p:style>
+          <a:lnRef idx="1">
+            <a:schemeClr val="accent1"/>
+          </a:lnRef>
+          <a:fillRef idx="3">
+            <a:schemeClr val="accent1"/>
+          </a:fillRef>
+          <a:effectRef idx="2">
+            <a:schemeClr val="accent1"/>
+          </a:effectRef>
+          <a:fontRef idx="minor">
+            <a:schemeClr val="lt1"/>
+          </a:fontRef>
+        </p:style>
+        <p:txBody>
+          <a:bodyPr rtlCol="0" anchor="ctr"/>
+          <a:lstStyle/>
+          <a:p>
+            <a:pPr algn="ctr"/>
+          </a:p>
+        </p:txBody>
+      </p:sp>
+      <p:sp>
+        <p:nvSpPr>
+          <p:cNvPr id="25" name="TextBox 24"/>
+          <p:cNvSpPr txBox="1"/>
+          <p:nvPr/>
+        </p:nvSpPr>
+        <p:spPr>
+          <a:xfrm>
+            <a:off x="3717035" y="3063240"/>
+            <a:ext cx="1600200" cy="402336"/>
+          </a:xfrm>
+          <a:prstGeom prst="rect">
+            <a:avLst/>
+          </a:prstGeom>
+          <a:noFill/>
+        </p:spPr>
+        <p:txBody>
+          <a:bodyPr wrap="square" anchor="ctr"/>
+          <a:lstStyle/>
+          <a:p>
+            <a:pPr algn="ctr">
+              <a:lnSpc>
+                <a:spcPct val="135000"/>
+              </a:lnSpc>
+              <a:spcBef>
+                <a:spcPts val="0"/>
+              </a:spcBef>
+              <a:spcAft>
+                <a:spcPts val="0"/>
+              </a:spcAft>
+            </a:pPr>
+            <a:r>
+              <a:rPr sz="800" b="0">
+                <a:solidFill>
+                  <a:srgbClr val="475569"/>
+                </a:solidFill>
+                <a:latin typeface="IPAPGothic"/>
+              </a:rPr>
+              <a:t>比叡山延暦寺 不滅の法灯奉納（2026）</a:t>
+            </a:r>
+          </a:p>
+        </p:txBody>
+      </p:sp>
+      <p:sp>
+        <p:nvSpPr>
+          <p:cNvPr id="26" name="Rectangle 25"/>
+          <p:cNvSpPr/>
+          <p:nvPr/>
+        </p:nvSpPr>
+        <p:spPr>
+          <a:xfrm>
+            <a:off x="457200" y="3575304"/>
+            <a:ext cx="7863840" cy="777240"/>
+          </a:xfrm>
+          <a:prstGeom prst="rect">
+            <a:avLst/>
+          </a:prstGeom>
+          <a:solidFill>
+            <a:srgbClr val="EFF6FF"/>
+          </a:solidFill>
+          <a:ln>
+            <a:noFill/>
+          </a:ln>
+        </p:spPr>
+        <p:style>
+          <a:lnRef idx="1">
+            <a:schemeClr val="accent1"/>
+          </a:lnRef>
+          <a:fillRef idx="3">
+            <a:schemeClr val="accent1"/>
+          </a:fillRef>
+          <a:effectRef idx="2">
+            <a:schemeClr val="accent1"/>
+          </a:effectRef>
+          <a:fontRef idx="minor">
+            <a:schemeClr val="lt1"/>
+          </a:fontRef>
+        </p:style>
+        <p:txBody>
+          <a:bodyPr rtlCol="0" anchor="ctr"/>
+          <a:lstStyle/>
+          <a:p>
+            <a:pPr algn="ctr"/>
+          </a:p>
+        </p:txBody>
+      </p:sp>
+      <p:sp>
+        <p:nvSpPr>
+          <p:cNvPr id="27" name="Rectangle 26"/>
+          <p:cNvSpPr/>
+          <p:nvPr/>
+        </p:nvSpPr>
+        <p:spPr>
+          <a:xfrm>
+            <a:off x="457200" y="3575304"/>
+            <a:ext cx="54864" cy="777240"/>
+          </a:xfrm>
+          <a:prstGeom prst="rect">
+            <a:avLst/>
+          </a:prstGeom>
+          <a:solidFill>
+            <a:srgbClr val="C9A962"/>
+          </a:solidFill>
+          <a:ln>
+            <a:noFill/>
+          </a:ln>
+        </p:spPr>
+        <p:style>
+          <a:lnRef idx="1">
+            <a:schemeClr val="accent1"/>
+          </a:lnRef>
+          <a:fillRef idx="3">
+            <a:schemeClr val="accent1"/>
+          </a:fillRef>
+          <a:effectRef idx="2">
+            <a:schemeClr val="accent1"/>
+          </a:effectRef>
+          <a:fontRef idx="minor">
+            <a:schemeClr val="lt1"/>
+          </a:fontRef>
+        </p:style>
+        <p:txBody>
+          <a:bodyPr rtlCol="0" anchor="ctr"/>
+          <a:lstStyle/>
+          <a:p>
+            <a:pPr algn="ctr"/>
+          </a:p>
+        </p:txBody>
+      </p:sp>
+      <p:sp>
+        <p:nvSpPr>
+          <p:cNvPr id="28" name="TextBox 27"/>
+          <p:cNvSpPr txBox="1"/>
+          <p:nvPr/>
+        </p:nvSpPr>
+        <p:spPr>
+          <a:xfrm>
+            <a:off x="685800" y="3648456"/>
+            <a:ext cx="7543800" cy="630936"/>
           </a:xfrm>
           <a:prstGeom prst="rect">
             <a:avLst/>
@@ -11378,25 +12037,111 @@
             <a:r>
               <a:rPr sz="900" b="0">
                 <a:solidFill>
+                  <a:srgbClr val="1E293B"/>
+                </a:solidFill>
+                <a:latin typeface="IPAPGothic"/>
+              </a:rPr>
+              <a:t>愛犬パールのお墓とともに、家族でパールハーバーを訪れました。平和を願う声を音声QRとして刻んだプレートを持って。そこで気がつきました——時を超えた願いは、愛や平和への想いに変容する。一人でも多くの方と分かち合いたい。TokiStorageをきっかけに、時を超えた変容をご一緒できれば幸いです。</a:t>
+            </a:r>
+          </a:p>
+        </p:txBody>
+      </p:sp>
+      <p:sp>
+        <p:nvSpPr>
+          <p:cNvPr id="29" name="Rectangle 28"/>
+          <p:cNvSpPr/>
+          <p:nvPr/>
+        </p:nvSpPr>
+        <p:spPr>
+          <a:xfrm>
+            <a:off x="0" y="4796028"/>
+            <a:ext cx="9144000" cy="6350"/>
+          </a:xfrm>
+          <a:prstGeom prst="rect">
+            <a:avLst/>
+          </a:prstGeom>
+          <a:solidFill>
+            <a:srgbClr val="E2E8F0"/>
+          </a:solidFill>
+          <a:ln>
+            <a:noFill/>
+          </a:ln>
+        </p:spPr>
+        <p:style>
+          <a:lnRef idx="1">
+            <a:schemeClr val="accent1"/>
+          </a:lnRef>
+          <a:fillRef idx="3">
+            <a:schemeClr val="accent1"/>
+          </a:fillRef>
+          <a:effectRef idx="2">
+            <a:schemeClr val="accent1"/>
+          </a:effectRef>
+          <a:fontRef idx="minor">
+            <a:schemeClr val="lt1"/>
+          </a:fontRef>
+        </p:style>
+        <p:txBody>
+          <a:bodyPr rtlCol="0" anchor="ctr"/>
+          <a:lstStyle/>
+          <a:p>
+            <a:pPr algn="ctr"/>
+          </a:p>
+        </p:txBody>
+      </p:sp>
+      <p:sp>
+        <p:nvSpPr>
+          <p:cNvPr id="30" name="TextBox 29"/>
+          <p:cNvSpPr txBox="1"/>
+          <p:nvPr/>
+        </p:nvSpPr>
+        <p:spPr>
+          <a:xfrm>
+            <a:off x="457200" y="4821428"/>
+            <a:ext cx="3657600" cy="274320"/>
+          </a:xfrm>
+          <a:prstGeom prst="rect">
+            <a:avLst/>
+          </a:prstGeom>
+          <a:noFill/>
+        </p:spPr>
+        <p:txBody>
+          <a:bodyPr wrap="square"/>
+          <a:lstStyle/>
+          <a:p>
+            <a:pPr algn="l">
+              <a:lnSpc>
+                <a:spcPct val="135000"/>
+              </a:lnSpc>
+              <a:spcBef>
+                <a:spcPts val="0"/>
+              </a:spcBef>
+              <a:spcAft>
+                <a:spcPts val="0"/>
+              </a:spcAft>
+            </a:pPr>
+            <a:r>
+              <a:rPr sz="900" b="0">
+                <a:solidFill>
                   <a:srgbClr val="94A3B8"/>
                 </a:solidFill>
                 <a:latin typeface="IPAPGothic"/>
               </a:rPr>
-              <a:t>TokiStorage</a:t>
-            </a:r>
-          </a:p>
-        </p:txBody>
-      </p:sp>
-      <p:sp>
-        <p:nvSpPr>
-          <p:cNvPr id="24" name="TextBox 23"/>
-          <p:cNvSpPr txBox="1"/>
-          <p:nvPr/>
-        </p:nvSpPr>
-        <p:spPr>
-          <a:xfrm>
-            <a:off x="3657600" y="4640580"/>
-            <a:ext cx="1828800" cy="320040"/>
+              <a:t>Timeless Consulting</a:t>
+            </a:r>
+          </a:p>
+        </p:txBody>
+      </p:sp>
+      <p:sp>
+        <p:nvSpPr>
+          <p:cNvPr id="31" name="TextBox 30"/>
+          <p:cNvSpPr txBox="1"/>
+          <p:nvPr/>
+        </p:nvSpPr>
+        <p:spPr>
+          <a:xfrm>
+            <a:off x="3657600" y="4821428"/>
+            <a:ext cx="1828800" cy="274320"/>
           </a:xfrm>
           <a:prstGeom prst="rect">
             <a:avLst/>
@@ -11432,14 +12177,14 @@
       </p:sp>
       <p:sp>
         <p:nvSpPr>
-          <p:cNvPr id="25" name="TextBox 24"/>
-          <p:cNvSpPr txBox="1"/>
-          <p:nvPr/>
-        </p:nvSpPr>
-        <p:spPr>
-          <a:xfrm>
-            <a:off x="8229600" y="4640580"/>
-            <a:ext cx="457200" cy="320040"/>
+          <p:cNvPr id="32" name="TextBox 31"/>
+          <p:cNvSpPr txBox="1"/>
+          <p:nvPr/>
+        </p:nvSpPr>
+        <p:spPr>
+          <a:xfrm>
+            <a:off x="8229600" y="4821428"/>
+            <a:ext cx="457200" cy="274320"/>
           </a:xfrm>
           <a:prstGeom prst="rect">
             <a:avLst/>
@@ -11506,7 +12251,7 @@
             <a:avLst/>
           </a:prstGeom>
           <a:solidFill>
-            <a:srgbClr val="F8FAFC"/>
+            <a:srgbClr val="1E293B"/>
           </a:solidFill>
           <a:ln>
             <a:noFill/>
@@ -11542,8 +12287,8 @@
         </p:nvSpPr>
         <p:spPr>
           <a:xfrm>
-            <a:off x="914400" y="914400"/>
-            <a:ext cx="7315200" cy="411480"/>
+            <a:off x="457200" y="137160"/>
+            <a:ext cx="3657600" cy="411480"/>
           </a:xfrm>
           <a:prstGeom prst="rect">
             <a:avLst/>
@@ -11566,33 +12311,76 @@
               </a:spcAft>
             </a:pPr>
             <a:r>
-              <a:rPr sz="1400" b="1">
-                <a:solidFill>
-                  <a:srgbClr val="94A3B8"/>
-                </a:solidFill>
-                <a:latin typeface="IPAPGothic"/>
-              </a:rPr>
-              <a:t>Confidential / Disclaimer</a:t>
-            </a:r>
-          </a:p>
-        </p:txBody>
-      </p:sp>
-      <p:sp>
-        <p:nvSpPr>
-          <p:cNvPr id="4" name="Rectangle 3"/>
+              <a:rPr sz="1300" b="1">
+                <a:solidFill>
+                  <a:srgbClr val="FFFFFF"/>
+                </a:solidFill>
+                <a:latin typeface="IPAPGothic"/>
+              </a:rPr>
+              <a:t>Next Step</a:t>
+            </a:r>
+          </a:p>
+        </p:txBody>
+      </p:sp>
+      <p:sp>
+        <p:nvSpPr>
+          <p:cNvPr id="4" name="TextBox 3"/>
+          <p:cNvSpPr txBox="1"/>
+          <p:nvPr/>
+        </p:nvSpPr>
+        <p:spPr>
+          <a:xfrm>
+            <a:off x="457200" y="777240"/>
+            <a:ext cx="7315200" cy="457200"/>
+          </a:xfrm>
+          <a:prstGeom prst="rect">
+            <a:avLst/>
+          </a:prstGeom>
+          <a:noFill/>
+        </p:spPr>
+        <p:txBody>
+          <a:bodyPr wrap="square"/>
+          <a:lstStyle/>
+          <a:p>
+            <a:pPr algn="l">
+              <a:lnSpc>
+                <a:spcPct val="135000"/>
+              </a:lnSpc>
+              <a:spcBef>
+                <a:spcPts val="0"/>
+              </a:spcBef>
+              <a:spcAft>
+                <a:spcPts val="0"/>
+              </a:spcAft>
+            </a:pPr>
+            <a:r>
+              <a:rPr sz="2000" b="1">
+                <a:solidFill>
+                  <a:srgbClr val="FFFFFF"/>
+                </a:solidFill>
+                <a:latin typeface="IPAPGothic"/>
+              </a:rPr>
+              <a:t>まずは、お話しましょう。</a:t>
+            </a:r>
+          </a:p>
+        </p:txBody>
+      </p:sp>
+      <p:sp>
+        <p:nvSpPr>
+          <p:cNvPr id="5" name="Oval 4"/>
           <p:cNvSpPr/>
           <p:nvPr/>
         </p:nvSpPr>
         <p:spPr>
           <a:xfrm>
-            <a:off x="914400" y="1371600"/>
-            <a:ext cx="7315200" cy="6350"/>
-          </a:xfrm>
-          <a:prstGeom prst="rect">
+            <a:off x="731520" y="1572768"/>
+            <a:ext cx="384048" cy="384048"/>
+          </a:xfrm>
+          <a:prstGeom prst="ellipse">
             <a:avLst/>
           </a:prstGeom>
           <a:solidFill>
-            <a:srgbClr val="E2E8F0"/>
+            <a:srgbClr val="2563EB"/>
           </a:solidFill>
           <a:ln>
             <a:noFill/>
@@ -11622,14 +12410,57 @@
       </p:sp>
       <p:sp>
         <p:nvSpPr>
-          <p:cNvPr id="5" name="TextBox 4"/>
-          <p:cNvSpPr txBox="1"/>
-          <p:nvPr/>
-        </p:nvSpPr>
-        <p:spPr>
-          <a:xfrm>
-            <a:off x="914400" y="1554480"/>
-            <a:ext cx="7315200" cy="2560320"/>
+          <p:cNvPr id="6" name="TextBox 5"/>
+          <p:cNvSpPr txBox="1"/>
+          <p:nvPr/>
+        </p:nvSpPr>
+        <p:spPr>
+          <a:xfrm>
+            <a:off x="731520" y="1572768"/>
+            <a:ext cx="384048" cy="384048"/>
+          </a:xfrm>
+          <a:prstGeom prst="rect">
+            <a:avLst/>
+          </a:prstGeom>
+          <a:noFill/>
+        </p:spPr>
+        <p:txBody>
+          <a:bodyPr wrap="square" anchor="ctr"/>
+          <a:lstStyle/>
+          <a:p>
+            <a:pPr algn="ctr">
+              <a:lnSpc>
+                <a:spcPct val="135000"/>
+              </a:lnSpc>
+              <a:spcBef>
+                <a:spcPts val="0"/>
+              </a:spcBef>
+              <a:spcAft>
+                <a:spcPts val="0"/>
+              </a:spcAft>
+            </a:pPr>
+            <a:r>
+              <a:rPr sz="1000" b="1">
+                <a:solidFill>
+                  <a:srgbClr val="FFFFFF"/>
+                </a:solidFill>
+                <a:latin typeface="IPAPGothic"/>
+              </a:rPr>
+              <a:t>01</a:t>
+            </a:r>
+          </a:p>
+        </p:txBody>
+      </p:sp>
+      <p:sp>
+        <p:nvSpPr>
+          <p:cNvPr id="7" name="TextBox 6"/>
+          <p:cNvSpPr txBox="1"/>
+          <p:nvPr/>
+        </p:nvSpPr>
+        <p:spPr>
+          <a:xfrm>
+            <a:off x="1280160" y="1517904"/>
+            <a:ext cx="6400800" cy="274320"/>
           </a:xfrm>
           <a:prstGeom prst="rect">
             <a:avLst/>
@@ -11652,29 +12483,27 @@
               </a:spcAft>
             </a:pPr>
             <a:r>
-              <a:rPr sz="900" b="0">
-                <a:solidFill>
-                  <a:srgbClr val="475569"/>
-                </a:solidFill>
-                <a:latin typeface="IPAPGothic"/>
-              </a:rPr>
-              <a:t>本資料は、TokiStorage（佐藤卓也）がサービスご検討のために作成した資料です。
-本資料に含まれる情報は、現時点における見解および計画に基づくものであり、その正確性、完全性、または将来の結果を保証するものではありません。
-本資料は情報提供を目的としており、法的助言、投資助言、その他いかなる専門的助言を構成するものでもありません。</a:t>
-            </a:r>
-          </a:p>
-        </p:txBody>
-      </p:sp>
-      <p:sp>
-        <p:nvSpPr>
-          <p:cNvPr id="6" name="TextBox 5"/>
-          <p:cNvSpPr txBox="1"/>
-          <p:nvPr/>
-        </p:nvSpPr>
-        <p:spPr>
-          <a:xfrm>
-            <a:off x="914400" y="4046220"/>
-            <a:ext cx="7315200" cy="274320"/>
+              <a:rPr sz="1200" b="1">
+                <a:solidFill>
+                  <a:srgbClr val="FFFFFF"/>
+                </a:solidFill>
+                <a:latin typeface="IPAPGothic"/>
+              </a:rPr>
+              <a:t>初回対話（90分・無料）</a:t>
+            </a:r>
+          </a:p>
+        </p:txBody>
+      </p:sp>
+      <p:sp>
+        <p:nvSpPr>
+          <p:cNvPr id="8" name="TextBox 7"/>
+          <p:cNvSpPr txBox="1"/>
+          <p:nvPr/>
+        </p:nvSpPr>
+        <p:spPr>
+          <a:xfrm>
+            <a:off x="1280160" y="1810512"/>
+            <a:ext cx="6400800" cy="274320"/>
           </a:xfrm>
           <a:prstGeom prst="rect">
             <a:avLst/>
@@ -11697,33 +12526,33 @@
               </a:spcAft>
             </a:pPr>
             <a:r>
-              <a:rPr sz="800" b="0">
-                <a:solidFill>
-                  <a:srgbClr val="94A3B8"/>
-                </a:solidFill>
-                <a:latin typeface="IPAPGothic"/>
-              </a:rPr>
-              <a:t>© 2026 TokiStorage / 佐藤卓也. All rights reserved.</a:t>
-            </a:r>
-          </a:p>
-        </p:txBody>
-      </p:sp>
-      <p:sp>
-        <p:nvSpPr>
-          <p:cNvPr id="7" name="Rectangle 6"/>
+              <a:rPr sz="1000" b="0">
+                <a:solidFill>
+                  <a:srgbClr val="BBBBCC"/>
+                </a:solidFill>
+                <a:latin typeface="IPAPGothic"/>
+              </a:rPr>
+              <a:t>「100年後に何を残したいか」を一緒に考える、最初の90分</a:t>
+            </a:r>
+          </a:p>
+        </p:txBody>
+      </p:sp>
+      <p:sp>
+        <p:nvSpPr>
+          <p:cNvPr id="9" name="Oval 8"/>
           <p:cNvSpPr/>
           <p:nvPr/>
         </p:nvSpPr>
         <p:spPr>
           <a:xfrm>
-            <a:off x="0" y="4796028"/>
-            <a:ext cx="9144000" cy="6350"/>
-          </a:xfrm>
-          <a:prstGeom prst="rect">
+            <a:off x="731520" y="2286000"/>
+            <a:ext cx="384048" cy="384048"/>
+          </a:xfrm>
+          <a:prstGeom prst="ellipse">
             <a:avLst/>
           </a:prstGeom>
           <a:solidFill>
-            <a:srgbClr val="E2E8F0"/>
+            <a:srgbClr val="2563EB"/>
           </a:solidFill>
           <a:ln>
             <a:noFill/>
@@ -11753,14 +12582,57 @@
       </p:sp>
       <p:sp>
         <p:nvSpPr>
-          <p:cNvPr id="8" name="TextBox 7"/>
-          <p:cNvSpPr txBox="1"/>
-          <p:nvPr/>
-        </p:nvSpPr>
-        <p:spPr>
-          <a:xfrm>
-            <a:off x="457200" y="4821428"/>
-            <a:ext cx="3657600" cy="274320"/>
+          <p:cNvPr id="10" name="TextBox 9"/>
+          <p:cNvSpPr txBox="1"/>
+          <p:nvPr/>
+        </p:nvSpPr>
+        <p:spPr>
+          <a:xfrm>
+            <a:off x="731520" y="2286000"/>
+            <a:ext cx="384048" cy="384048"/>
+          </a:xfrm>
+          <a:prstGeom prst="rect">
+            <a:avLst/>
+          </a:prstGeom>
+          <a:noFill/>
+        </p:spPr>
+        <p:txBody>
+          <a:bodyPr wrap="square" anchor="ctr"/>
+          <a:lstStyle/>
+          <a:p>
+            <a:pPr algn="ctr">
+              <a:lnSpc>
+                <a:spcPct val="135000"/>
+              </a:lnSpc>
+              <a:spcBef>
+                <a:spcPts val="0"/>
+              </a:spcBef>
+              <a:spcAft>
+                <a:spcPts val="0"/>
+              </a:spcAft>
+            </a:pPr>
+            <a:r>
+              <a:rPr sz="1000" b="1">
+                <a:solidFill>
+                  <a:srgbClr val="FFFFFF"/>
+                </a:solidFill>
+                <a:latin typeface="IPAPGothic"/>
+              </a:rPr>
+              <a:t>02</a:t>
+            </a:r>
+          </a:p>
+        </p:txBody>
+      </p:sp>
+      <p:sp>
+        <p:nvSpPr>
+          <p:cNvPr id="11" name="TextBox 10"/>
+          <p:cNvSpPr txBox="1"/>
+          <p:nvPr/>
+        </p:nvSpPr>
+        <p:spPr>
+          <a:xfrm>
+            <a:off x="1280160" y="2231136"/>
+            <a:ext cx="6400800" cy="274320"/>
           </a:xfrm>
           <a:prstGeom prst="rect">
             <a:avLst/>
@@ -11783,6 +12655,522 @@
               </a:spcAft>
             </a:pPr>
             <a:r>
+              <a:rPr sz="1200" b="1">
+                <a:solidFill>
+                  <a:srgbClr val="FFFFFF"/>
+                </a:solidFill>
+                <a:latin typeface="IPAPGothic"/>
+              </a:rPr>
+              <a:t>存在証明の設計ご提案</a:t>
+            </a:r>
+          </a:p>
+        </p:txBody>
+      </p:sp>
+      <p:sp>
+        <p:nvSpPr>
+          <p:cNvPr id="12" name="TextBox 11"/>
+          <p:cNvSpPr txBox="1"/>
+          <p:nvPr/>
+        </p:nvSpPr>
+        <p:spPr>
+          <a:xfrm>
+            <a:off x="1280160" y="2523744"/>
+            <a:ext cx="6400800" cy="274320"/>
+          </a:xfrm>
+          <a:prstGeom prst="rect">
+            <a:avLst/>
+          </a:prstGeom>
+          <a:noFill/>
+        </p:spPr>
+        <p:txBody>
+          <a:bodyPr wrap="square"/>
+          <a:lstStyle/>
+          <a:p>
+            <a:pPr algn="l">
+              <a:lnSpc>
+                <a:spcPct val="135000"/>
+              </a:lnSpc>
+              <a:spcBef>
+                <a:spcPts val="0"/>
+              </a:spcBef>
+              <a:spcAft>
+                <a:spcPts val="0"/>
+              </a:spcAft>
+            </a:pPr>
+            <a:r>
+              <a:rPr sz="1000" b="0">
+                <a:solidFill>
+                  <a:srgbClr val="BBBBCC"/>
+                </a:solidFill>
+                <a:latin typeface="IPAPGothic"/>
+              </a:rPr>
+              <a:t>対話をもとに、あなただけのプランをお作りします</a:t>
+            </a:r>
+          </a:p>
+        </p:txBody>
+      </p:sp>
+      <p:sp>
+        <p:nvSpPr>
+          <p:cNvPr id="13" name="Oval 12"/>
+          <p:cNvSpPr/>
+          <p:nvPr/>
+        </p:nvSpPr>
+        <p:spPr>
+          <a:xfrm>
+            <a:off x="731520" y="2999232"/>
+            <a:ext cx="384048" cy="384048"/>
+          </a:xfrm>
+          <a:prstGeom prst="ellipse">
+            <a:avLst/>
+          </a:prstGeom>
+          <a:solidFill>
+            <a:srgbClr val="2563EB"/>
+          </a:solidFill>
+          <a:ln>
+            <a:noFill/>
+          </a:ln>
+        </p:spPr>
+        <p:style>
+          <a:lnRef idx="1">
+            <a:schemeClr val="accent1"/>
+          </a:lnRef>
+          <a:fillRef idx="3">
+            <a:schemeClr val="accent1"/>
+          </a:fillRef>
+          <a:effectRef idx="2">
+            <a:schemeClr val="accent1"/>
+          </a:effectRef>
+          <a:fontRef idx="minor">
+            <a:schemeClr val="lt1"/>
+          </a:fontRef>
+        </p:style>
+        <p:txBody>
+          <a:bodyPr rtlCol="0" anchor="ctr"/>
+          <a:lstStyle/>
+          <a:p>
+            <a:pPr algn="ctr"/>
+          </a:p>
+        </p:txBody>
+      </p:sp>
+      <p:sp>
+        <p:nvSpPr>
+          <p:cNvPr id="14" name="TextBox 13"/>
+          <p:cNvSpPr txBox="1"/>
+          <p:nvPr/>
+        </p:nvSpPr>
+        <p:spPr>
+          <a:xfrm>
+            <a:off x="731520" y="2999232"/>
+            <a:ext cx="384048" cy="384048"/>
+          </a:xfrm>
+          <a:prstGeom prst="rect">
+            <a:avLst/>
+          </a:prstGeom>
+          <a:noFill/>
+        </p:spPr>
+        <p:txBody>
+          <a:bodyPr wrap="square" anchor="ctr"/>
+          <a:lstStyle/>
+          <a:p>
+            <a:pPr algn="ctr">
+              <a:lnSpc>
+                <a:spcPct val="135000"/>
+              </a:lnSpc>
+              <a:spcBef>
+                <a:spcPts val="0"/>
+              </a:spcBef>
+              <a:spcAft>
+                <a:spcPts val="0"/>
+              </a:spcAft>
+            </a:pPr>
+            <a:r>
+              <a:rPr sz="1000" b="1">
+                <a:solidFill>
+                  <a:srgbClr val="FFFFFF"/>
+                </a:solidFill>
+                <a:latin typeface="IPAPGothic"/>
+              </a:rPr>
+              <a:t>03</a:t>
+            </a:r>
+          </a:p>
+        </p:txBody>
+      </p:sp>
+      <p:sp>
+        <p:nvSpPr>
+          <p:cNvPr id="15" name="TextBox 14"/>
+          <p:cNvSpPr txBox="1"/>
+          <p:nvPr/>
+        </p:nvSpPr>
+        <p:spPr>
+          <a:xfrm>
+            <a:off x="1280160" y="2944368"/>
+            <a:ext cx="6400800" cy="274320"/>
+          </a:xfrm>
+          <a:prstGeom prst="rect">
+            <a:avLst/>
+          </a:prstGeom>
+          <a:noFill/>
+        </p:spPr>
+        <p:txBody>
+          <a:bodyPr wrap="square"/>
+          <a:lstStyle/>
+          <a:p>
+            <a:pPr algn="l">
+              <a:lnSpc>
+                <a:spcPct val="135000"/>
+              </a:lnSpc>
+              <a:spcBef>
+                <a:spcPts val="0"/>
+              </a:spcBef>
+              <a:spcAft>
+                <a:spcPts val="0"/>
+              </a:spcAft>
+            </a:pPr>
+            <a:r>
+              <a:rPr sz="1200" b="1">
+                <a:solidFill>
+                  <a:srgbClr val="FFFFFF"/>
+                </a:solidFill>
+                <a:latin typeface="IPAPGothic"/>
+              </a:rPr>
+              <a:t>制作・刻印</a:t>
+            </a:r>
+          </a:p>
+        </p:txBody>
+      </p:sp>
+      <p:sp>
+        <p:nvSpPr>
+          <p:cNvPr id="16" name="TextBox 15"/>
+          <p:cNvSpPr txBox="1"/>
+          <p:nvPr/>
+        </p:nvSpPr>
+        <p:spPr>
+          <a:xfrm>
+            <a:off x="1280160" y="3236976"/>
+            <a:ext cx="6400800" cy="274320"/>
+          </a:xfrm>
+          <a:prstGeom prst="rect">
+            <a:avLst/>
+          </a:prstGeom>
+          <a:noFill/>
+        </p:spPr>
+        <p:txBody>
+          <a:bodyPr wrap="square"/>
+          <a:lstStyle/>
+          <a:p>
+            <a:pPr algn="l">
+              <a:lnSpc>
+                <a:spcPct val="135000"/>
+              </a:lnSpc>
+              <a:spcBef>
+                <a:spcPts val="0"/>
+              </a:spcBef>
+              <a:spcAft>
+                <a:spcPts val="0"/>
+              </a:spcAft>
+            </a:pPr>
+            <a:r>
+              <a:rPr sz="1000" b="0">
+                <a:solidFill>
+                  <a:srgbClr val="BBBBCC"/>
+                </a:solidFill>
+                <a:latin typeface="IPAPGothic"/>
+              </a:rPr>
+              <a:t>存在証明を制作し、石英ガラスに永久に刻みます</a:t>
+            </a:r>
+          </a:p>
+        </p:txBody>
+      </p:sp>
+      <p:sp>
+        <p:nvSpPr>
+          <p:cNvPr id="17" name="Oval 16"/>
+          <p:cNvSpPr/>
+          <p:nvPr/>
+        </p:nvSpPr>
+        <p:spPr>
+          <a:xfrm>
+            <a:off x="731520" y="3712464"/>
+            <a:ext cx="384048" cy="384048"/>
+          </a:xfrm>
+          <a:prstGeom prst="ellipse">
+            <a:avLst/>
+          </a:prstGeom>
+          <a:solidFill>
+            <a:srgbClr val="2563EB"/>
+          </a:solidFill>
+          <a:ln>
+            <a:noFill/>
+          </a:ln>
+        </p:spPr>
+        <p:style>
+          <a:lnRef idx="1">
+            <a:schemeClr val="accent1"/>
+          </a:lnRef>
+          <a:fillRef idx="3">
+            <a:schemeClr val="accent1"/>
+          </a:fillRef>
+          <a:effectRef idx="2">
+            <a:schemeClr val="accent1"/>
+          </a:effectRef>
+          <a:fontRef idx="minor">
+            <a:schemeClr val="lt1"/>
+          </a:fontRef>
+        </p:style>
+        <p:txBody>
+          <a:bodyPr rtlCol="0" anchor="ctr"/>
+          <a:lstStyle/>
+          <a:p>
+            <a:pPr algn="ctr"/>
+          </a:p>
+        </p:txBody>
+      </p:sp>
+      <p:sp>
+        <p:nvSpPr>
+          <p:cNvPr id="18" name="TextBox 17"/>
+          <p:cNvSpPr txBox="1"/>
+          <p:nvPr/>
+        </p:nvSpPr>
+        <p:spPr>
+          <a:xfrm>
+            <a:off x="731520" y="3712464"/>
+            <a:ext cx="384048" cy="384048"/>
+          </a:xfrm>
+          <a:prstGeom prst="rect">
+            <a:avLst/>
+          </a:prstGeom>
+          <a:noFill/>
+        </p:spPr>
+        <p:txBody>
+          <a:bodyPr wrap="square" anchor="ctr"/>
+          <a:lstStyle/>
+          <a:p>
+            <a:pPr algn="ctr">
+              <a:lnSpc>
+                <a:spcPct val="135000"/>
+              </a:lnSpc>
+              <a:spcBef>
+                <a:spcPts val="0"/>
+              </a:spcBef>
+              <a:spcAft>
+                <a:spcPts val="0"/>
+              </a:spcAft>
+            </a:pPr>
+            <a:r>
+              <a:rPr sz="1000" b="1">
+                <a:solidFill>
+                  <a:srgbClr val="FFFFFF"/>
+                </a:solidFill>
+                <a:latin typeface="IPAPGothic"/>
+              </a:rPr>
+              <a:t>04</a:t>
+            </a:r>
+          </a:p>
+        </p:txBody>
+      </p:sp>
+      <p:sp>
+        <p:nvSpPr>
+          <p:cNvPr id="19" name="TextBox 18"/>
+          <p:cNvSpPr txBox="1"/>
+          <p:nvPr/>
+        </p:nvSpPr>
+        <p:spPr>
+          <a:xfrm>
+            <a:off x="1280160" y="3657600"/>
+            <a:ext cx="6400800" cy="274320"/>
+          </a:xfrm>
+          <a:prstGeom prst="rect">
+            <a:avLst/>
+          </a:prstGeom>
+          <a:noFill/>
+        </p:spPr>
+        <p:txBody>
+          <a:bodyPr wrap="square"/>
+          <a:lstStyle/>
+          <a:p>
+            <a:pPr algn="l">
+              <a:lnSpc>
+                <a:spcPct val="135000"/>
+              </a:lnSpc>
+              <a:spcBef>
+                <a:spcPts val="0"/>
+              </a:spcBef>
+              <a:spcAft>
+                <a:spcPts val="0"/>
+              </a:spcAft>
+            </a:pPr>
+            <a:r>
+              <a:rPr sz="1200" b="1">
+                <a:solidFill>
+                  <a:srgbClr val="FFFFFF"/>
+                </a:solidFill>
+                <a:latin typeface="IPAPGothic"/>
+              </a:rPr>
+              <a:t>納品・キュレーション開始</a:t>
+            </a:r>
+          </a:p>
+        </p:txBody>
+      </p:sp>
+      <p:sp>
+        <p:nvSpPr>
+          <p:cNvPr id="20" name="TextBox 19"/>
+          <p:cNvSpPr txBox="1"/>
+          <p:nvPr/>
+        </p:nvSpPr>
+        <p:spPr>
+          <a:xfrm>
+            <a:off x="1280160" y="3950208"/>
+            <a:ext cx="6400800" cy="274320"/>
+          </a:xfrm>
+          <a:prstGeom prst="rect">
+            <a:avLst/>
+          </a:prstGeom>
+          <a:noFill/>
+        </p:spPr>
+        <p:txBody>
+          <a:bodyPr wrap="square"/>
+          <a:lstStyle/>
+          <a:p>
+            <a:pPr algn="l">
+              <a:lnSpc>
+                <a:spcPct val="135000"/>
+              </a:lnSpc>
+              <a:spcBef>
+                <a:spcPts val="0"/>
+              </a:spcBef>
+              <a:spcAft>
+                <a:spcPts val="0"/>
+              </a:spcAft>
+            </a:pPr>
+            <a:r>
+              <a:rPr sz="1000" b="0">
+                <a:solidFill>
+                  <a:srgbClr val="BBBBCC"/>
+                </a:solidFill>
+                <a:latin typeface="IPAPGothic"/>
+              </a:rPr>
+              <a:t>お届けし、継続的なアップデートをサポートします</a:t>
+            </a:r>
+          </a:p>
+        </p:txBody>
+      </p:sp>
+      <p:sp>
+        <p:nvSpPr>
+          <p:cNvPr id="21" name="TextBox 20"/>
+          <p:cNvSpPr txBox="1"/>
+          <p:nvPr/>
+        </p:nvSpPr>
+        <p:spPr>
+          <a:xfrm>
+            <a:off x="731520" y="4229100"/>
+            <a:ext cx="7315200" cy="274320"/>
+          </a:xfrm>
+          <a:prstGeom prst="rect">
+            <a:avLst/>
+          </a:prstGeom>
+          <a:noFill/>
+        </p:spPr>
+        <p:txBody>
+          <a:bodyPr wrap="square"/>
+          <a:lstStyle/>
+          <a:p>
+            <a:pPr algn="l">
+              <a:lnSpc>
+                <a:spcPct val="135000"/>
+              </a:lnSpc>
+              <a:spcBef>
+                <a:spcPts val="0"/>
+              </a:spcBef>
+              <a:spcAft>
+                <a:spcPts val="0"/>
+              </a:spcAft>
+            </a:pPr>
+            <a:r>
+              <a:rPr sz="1000" b="0">
+                <a:solidFill>
+                  <a:srgbClr val="94A3B8"/>
+                </a:solidFill>
+                <a:latin typeface="IPAPGothic"/>
+              </a:rPr>
+              <a:t>TokiStorage　佐藤卓也</a:t>
+            </a:r>
+          </a:p>
+        </p:txBody>
+      </p:sp>
+      <p:sp>
+        <p:nvSpPr>
+          <p:cNvPr id="22" name="Rectangle 21"/>
+          <p:cNvSpPr/>
+          <p:nvPr/>
+        </p:nvSpPr>
+        <p:spPr>
+          <a:xfrm>
+            <a:off x="0" y="4613148"/>
+            <a:ext cx="9144000" cy="6350"/>
+          </a:xfrm>
+          <a:prstGeom prst="rect">
+            <a:avLst/>
+          </a:prstGeom>
+          <a:solidFill>
+            <a:srgbClr val="334455"/>
+          </a:solidFill>
+          <a:ln>
+            <a:noFill/>
+          </a:ln>
+        </p:spPr>
+        <p:style>
+          <a:lnRef idx="1">
+            <a:schemeClr val="accent1"/>
+          </a:lnRef>
+          <a:fillRef idx="3">
+            <a:schemeClr val="accent1"/>
+          </a:fillRef>
+          <a:effectRef idx="2">
+            <a:schemeClr val="accent1"/>
+          </a:effectRef>
+          <a:fontRef idx="minor">
+            <a:schemeClr val="lt1"/>
+          </a:fontRef>
+        </p:style>
+        <p:txBody>
+          <a:bodyPr rtlCol="0" anchor="ctr"/>
+          <a:lstStyle/>
+          <a:p>
+            <a:pPr algn="ctr"/>
+          </a:p>
+        </p:txBody>
+      </p:sp>
+      <p:sp>
+        <p:nvSpPr>
+          <p:cNvPr id="23" name="TextBox 22"/>
+          <p:cNvSpPr txBox="1"/>
+          <p:nvPr/>
+        </p:nvSpPr>
+        <p:spPr>
+          <a:xfrm>
+            <a:off x="457200" y="4640580"/>
+            <a:ext cx="3657600" cy="320040"/>
+          </a:xfrm>
+          <a:prstGeom prst="rect">
+            <a:avLst/>
+          </a:prstGeom>
+          <a:noFill/>
+        </p:spPr>
+        <p:txBody>
+          <a:bodyPr wrap="square"/>
+          <a:lstStyle/>
+          <a:p>
+            <a:pPr algn="l">
+              <a:lnSpc>
+                <a:spcPct val="135000"/>
+              </a:lnSpc>
+              <a:spcBef>
+                <a:spcPts val="0"/>
+              </a:spcBef>
+              <a:spcAft>
+                <a:spcPts val="0"/>
+              </a:spcAft>
+            </a:pPr>
+            <a:r>
               <a:rPr sz="900" b="0">
                 <a:solidFill>
                   <a:srgbClr val="94A3B8"/>
@@ -11796,14 +13184,14 @@
       </p:sp>
       <p:sp>
         <p:nvSpPr>
-          <p:cNvPr id="9" name="TextBox 8"/>
-          <p:cNvSpPr txBox="1"/>
-          <p:nvPr/>
-        </p:nvSpPr>
-        <p:spPr>
-          <a:xfrm>
-            <a:off x="3657600" y="4821428"/>
-            <a:ext cx="1828800" cy="274320"/>
+          <p:cNvPr id="24" name="TextBox 23"/>
+          <p:cNvSpPr txBox="1"/>
+          <p:nvPr/>
+        </p:nvSpPr>
+        <p:spPr>
+          <a:xfrm>
+            <a:off x="3657600" y="4640580"/>
+            <a:ext cx="1828800" cy="320040"/>
           </a:xfrm>
           <a:prstGeom prst="rect">
             <a:avLst/>
@@ -11839,14 +13227,14 @@
       </p:sp>
       <p:sp>
         <p:nvSpPr>
-          <p:cNvPr id="10" name="TextBox 9"/>
-          <p:cNvSpPr txBox="1"/>
-          <p:nvPr/>
-        </p:nvSpPr>
-        <p:spPr>
-          <a:xfrm>
-            <a:off x="8229600" y="4821428"/>
-            <a:ext cx="457200" cy="274320"/>
+          <p:cNvPr id="25" name="TextBox 24"/>
+          <p:cNvSpPr txBox="1"/>
+          <p:nvPr/>
+        </p:nvSpPr>
+        <p:spPr>
+          <a:xfrm>
+            <a:off x="8229600" y="4640580"/>
+            <a:ext cx="457200" cy="320040"/>
           </a:xfrm>
           <a:prstGeom prst="rect">
             <a:avLst/>

--- a/tokistorage-client-deck.pptx
+++ b/tokistorage-client-deck.pptx
@@ -3185,7 +3185,7 @@
       </p:sp>
       <p:pic>
         <p:nvPicPr>
-          <p:cNvPr id="4" name="Picture 3" descr="tokistorage-icon-circle.png"/>
+          <p:cNvPr id="4" name="Picture 3" descr="tokistorage-icon-white-bg.png"/>
           <p:cNvPicPr>
             <a:picLocks noChangeAspect="1"/>
           </p:cNvPicPr>

--- a/tokistorage-client-deck.pptx
+++ b/tokistorage-client-deck.pptx
@@ -3288,8 +3288,8 @@
                 </a:solidFill>
                 <a:latin typeface="IPAPGothic"/>
               </a:rPr>
-              <a:t>100年後に、
-何を残しますか。</a:t>
+              <a:t>未来の自分は、
+今のあなたに何を言いますか。</a:t>
             </a:r>
           </a:p>
         </p:txBody>
@@ -3333,7 +3333,8 @@
                 <a:latin typeface="IPAPGothic"/>
               </a:rPr>
               <a:t>AIがあらゆる問いに答える時代。
-しかしこの問いだけは、あなた自身にしか答えられない。</a:t>
+しかしこの問いだけは、あなた自身にしか答えられない。
+その言葉を三層に永続化することで、ブレない軸が生まれます。</a:t>
             </a:r>
           </a:p>
         </p:txBody>
@@ -4016,7 +4017,7 @@
                 </a:solidFill>
                 <a:latin typeface="IPAPGothic"/>
               </a:rPr>
-              <a:t>AIは「最適解」を出す。しかし「何を残すか」は決められない。意味の選択は、あなたにしかできない。</a:t>
+              <a:t>AIが答えられない、ただひとつの問い──未来の自分の声</a:t>
             </a:r>
           </a:p>
         </p:txBody>
@@ -4190,7 +4191,7 @@
                 </a:solidFill>
                 <a:latin typeface="IPAPGothic"/>
               </a:rPr>
-              <a:t>AIは答えを出す。しかし「問い」は立てられない。</a:t>
+              <a:t>AIは「最適解」を出す。しかし「あなたの軸」は決められない。</a:t>
             </a:r>
           </a:p>
         </p:txBody>
@@ -4233,7 +4234,7 @@
                 </a:solidFill>
                 <a:latin typeface="IPAPGothic"/>
               </a:rPr>
-              <a:t>生成AIは調査・分析・戦略を瞬時に出力します。しかし「100年後に何を残すか」——この問いへの答えは、あなたの人生の文脈からしか生まれません。</a:t>
+              <a:t>生成AIは調査・分析・戦略を瞬時に出力します。しかし「未来の自分は今の自分に何を言うか」——この問いへの答えは、あなたの人生の文脈からしか生まれません。最適化ではなく、軸の選択です。</a:t>
             </a:r>
           </a:p>
         </p:txBody>
@@ -4364,7 +4365,7 @@
                 </a:solidFill>
                 <a:latin typeface="IPAPGothic"/>
               </a:rPr>
-              <a:t>富の継承は解決済み。意味の継承は手つかず。</a:t>
+              <a:t>目標は消えるから、ブレる。</a:t>
             </a:r>
           </a:p>
         </p:txBody>
@@ -4407,7 +4408,7 @@
                 </a:solidFill>
                 <a:latin typeface="IPAPGothic"/>
               </a:rPr>
-              <a:t>相続設計、事業承継、資産運用——「何を渡すか」の仕組みは整っています。しかし「なぜそれを残すのか」という物語は、制度では設計できません。</a:t>
+              <a:t>手帳に書いた抱負は年末に忘れている。デジタルのメモは通知の洪水に埋もれる。人が軸を保てないのは、意志が弱いからではない。言葉が消えるからです。消えない形で刻まれた言葉だけが、軸として機能し続けます。</a:t>
             </a:r>
           </a:p>
         </p:txBody>
@@ -4538,7 +4539,7 @@
                 </a:solidFill>
                 <a:latin typeface="IPAPGothic"/>
               </a:rPr>
-              <a:t>存在証明は、未来への贈り物である。</a:t>
+              <a:t>「未来の自分」は、脳にとって他人である。</a:t>
             </a:r>
           </a:p>
         </p:txBody>
@@ -4581,7 +4582,7 @@
                 </a:solidFill>
                 <a:latin typeface="IPAPGothic"/>
               </a:rPr>
-              <a:t>あなたが残すものは、未来の誰かへの贈り物になります。家族に、地域に、まだ生まれていない世代に。「自分が確かに存在した」という証が、未来の誰かの支えになる。</a:t>
+              <a:t>心理学者ハーシュフィールドのfMRI研究によれば、「未来の自分」は脳の活動パターンにおいて「他人」と同じように処理されます。しかし「千年残る」という重みが、未来の自分の臨場感を引き上げる。永続記録の不可逆性が、未来の自分を「他人」から「自分」に引き戻します。</a:t>
             </a:r>
           </a:p>
         </p:txBody>
@@ -4857,7 +4858,7 @@
                 </a:solidFill>
                 <a:latin typeface="IPAPGothic"/>
               </a:rPr>
-              <a:t>あなたが買うのは「プロダクト」ではない。千年の視座を持つ人間との対話である。</a:t>
+              <a:t>あなたが買うのは「プロダクト」ではありません。未来の自分と出会うための対話です。</a:t>
             </a:r>
           </a:p>
         </p:txBody>
@@ -5029,8 +5030,8 @@
                 </a:solidFill>
                 <a:latin typeface="IPAPGothic"/>
               </a:rPr>
-              <a:t>千年の視座を持つ人間との対話から、
-あなたの存在証明を設計します。</a:t>
+              <a:t>未来の自分の声を聴き、
+ブレない軸を永続化する。</a:t>
             </a:r>
           </a:p>
         </p:txBody>
@@ -5161,7 +5162,7 @@
                 </a:solidFill>
                 <a:latin typeface="IPAPGothic"/>
               </a:rPr>
-              <a:t>千年の問いとの対話</a:t>
+              <a:t>未来の自分との対話</a:t>
             </a:r>
           </a:p>
         </p:txBody>
@@ -5204,7 +5205,7 @@
                 </a:solidFill>
                 <a:latin typeface="IPAPGothic"/>
               </a:rPr>
-              <a:t>「100年後に何を残すか」——心理学・宗教・経済・AI・宇宙まで9領域の思想フレームワークで向き合います。</a:t>
+              <a:t>「未来の自分は、今の自分に何を言うか」——この問いに、9領域の思想フレームワークで向き合います。浮かんだ言葉は、あなただけのものです。</a:t>
             </a:r>
           </a:p>
         </p:txBody>
@@ -5335,7 +5336,7 @@
                 </a:solidFill>
                 <a:latin typeface="IPAPGothic"/>
               </a:rPr>
-              <a:t>存在証明のデザイン</a:t>
+              <a:t>軸の言語化</a:t>
             </a:r>
           </a:p>
         </p:txBody>
@@ -5378,7 +5379,7 @@
                 </a:solidFill>
                 <a:latin typeface="IPAPGothic"/>
               </a:rPr>
-              <a:t>あなたの物語・価値観・メッセージを構造化し、千年先まで届く「存在証明」として設計します。</a:t>
+              <a:t>対話から浮かんだ言葉を、あなたの人生の物語・価値観とともに構造化。「ブレない軸」として言語化し、千年先まで届く形に設計します。</a:t>
             </a:r>
           </a:p>
         </p:txBody>
@@ -5509,7 +5510,7 @@
                 </a:solidFill>
                 <a:latin typeface="IPAPGothic"/>
               </a:rPr>
-              <a:t>石英ガラスへの刻印</a:t>
+              <a:t>ブレない軸の永続化</a:t>
             </a:r>
           </a:p>
         </p:txBody>
@@ -5552,7 +5553,7 @@
                 </a:solidFill>
                 <a:latin typeface="IPAPGothic"/>
               </a:rPr>
-              <a:t>サーバー・電源・制度に依存しない、1000年耐久（理論値）の記録媒体。スマホカメラだけで読み取り可能。</a:t>
+              <a:t>言語化された軸を、消えない形で刻む。千年残るという重みが不可逆の約束になる。消える言葉では軸にならない。トキストレージだからこそ成立する、自己変容の装置。</a:t>
             </a:r>
           </a:p>
         </p:txBody>
@@ -5683,7 +5684,7 @@
                 </a:solidFill>
                 <a:latin typeface="IPAPGothic"/>
               </a:rPr>
-              <a:t>継続的なキュレーション</a:t>
+              <a:t>三層分散保管への格納</a:t>
             </a:r>
           </a:p>
         </p:txBody>
@@ -5726,7 +5727,7 @@
                 </a:solidFill>
                 <a:latin typeface="IPAPGothic"/>
               </a:rPr>
-              <a:t>人生は一度で語りきれません。節目ごとに存在証明をアップデートし、千年アーカイブを育てます。</a:t>
+              <a:t>あなたの軸と存在証明を三層に分散保管。物理層（石英ガラス）、国家層（国立国会図書館）、民間層（GitHub）──単一障害点のない構造で、千年先まで届けます。</a:t>
             </a:r>
           </a:p>
         </p:txBody>
@@ -6002,7 +6003,7 @@
                 </a:solidFill>
                 <a:latin typeface="IPAPGothic"/>
               </a:rPr>
-              <a:t>対話から始まり、千年に届く。4つのステップであなたの存在証明が形になる。</a:t>
+              <a:t>対話から始まり、三層の分散保管で千年に届く</a:t>
             </a:r>
           </a:p>
         </p:txBody>
@@ -6262,7 +6263,7 @@
                 </a:solidFill>
                 <a:latin typeface="IPAPGothic"/>
               </a:rPr>
-              <a:t>「100年後に何を残したいか」を軸に、あなたの人生の物語を聴かせていただきます。この対話自体が、深い内省の機会になります。</a:t>
+              <a:t>「未来の自分は、今の自分に何を言うか」を軸に、あなたの人生の物語を聴かせていただきます。この対話自体が、多くの方にとって深い内省の機会になります。</a:t>
             </a:r>
           </a:p>
         </p:txBody>
@@ -6436,7 +6437,7 @@
                 </a:solidFill>
                 <a:latin typeface="IPAPGothic"/>
               </a:rPr>
-              <a:t>存在証明の設計</a:t>
+              <a:t>ブレない軸の言語化</a:t>
             </a:r>
           </a:p>
         </p:txBody>
@@ -6479,7 +6480,7 @@
                 </a:solidFill>
                 <a:latin typeface="IPAPGothic"/>
               </a:rPr>
-              <a:t>対話をもとに、何を・誰に・どんな形で残すかを設計します。テキスト、写真、音声、映像——最適なメディアを提案。</a:t>
+              <a:t>未来の自分を想像し、その視座から今の自分への言葉を紡ぎます。存在証明の構造設計と同時に、あなたの「ブレない軸」を言葉にするプロセスです。</a:t>
             </a:r>
           </a:p>
         </p:txBody>
@@ -6653,7 +6654,7 @@
                 </a:solidFill>
                 <a:latin typeface="IPAPGothic"/>
               </a:rPr>
-              <a:t>コンテンツの制作・キュレーション</a:t>
+              <a:t>コンテンツの制作</a:t>
             </a:r>
           </a:p>
         </p:txBody>
@@ -6696,7 +6697,7 @@
                 </a:solidFill>
                 <a:latin typeface="IPAPGothic"/>
               </a:rPr>
-              <a:t>設計に基づいて存在証明を制作。必要に応じてプロフェッショナルな撮影・収録・編集をコーディネート。</a:t>
+              <a:t>設計に基づいて、あなたの存在証明を制作します。必要に応じて、プロフェッショナルな撮影・収録・編集をコーディネート。あなたの物語と軸を最高の形に仕上げます。</a:t>
             </a:r>
           </a:p>
         </p:txBody>
@@ -6870,7 +6871,7 @@
                 </a:solidFill>
                 <a:latin typeface="IPAPGothic"/>
               </a:rPr>
-              <a:t>石英ガラスへの刻印・納品</a:t>
+              <a:t>三層分散保管・納品</a:t>
             </a:r>
           </a:p>
         </p:txBody>
@@ -6913,7 +6914,7 @@
                 </a:solidFill>
                 <a:latin typeface="IPAPGothic"/>
               </a:rPr>
-              <a:t>完成した存在証明を石英ガラスに刻印し、QRコードとともにお届け。1000年先の誰かがあなたの物語に出会えます。</a:t>
+              <a:t>存在証明とブレない軸を三層に格納。石英ガラスへの刻印（物理層）、国立国会図書館への納本（国家層）、GitHubへの分散保管（民間層）。QRコードを読み取るたびに、未来の自分があなたに語りかけます。</a:t>
             </a:r>
           </a:p>
         </p:txBody>
@@ -7189,7 +7190,7 @@
                 </a:solidFill>
                 <a:latin typeface="IPAPGothic"/>
               </a:rPr>
-              <a:t>「残す」ことに意味を感じるすべての方へ——6つの領域で特に高い親和性がある</a:t>
+              <a:t>ブレない軸を必要としている、すべての方へ</a:t>
             </a:r>
           </a:p>
         </p:txBody>
@@ -7232,7 +7233,7 @@
                 </a:solidFill>
                 <a:latin typeface="IPAPGothic"/>
               </a:rPr>
-              <a:t>WHO THIS IS FOR</a:t>
+              <a:t>WHO THIS IS TOR</a:t>
             </a:r>
           </a:p>
         </p:txBody>
@@ -7449,7 +7450,7 @@
                 </a:solidFill>
                 <a:latin typeface="IPAPGothic"/>
               </a:rPr>
-              <a:t>会社を超えて残る、あなた自身の理念と物語を</a:t>
+              <a:t>事業の浮き沈みに揺れない、自分自身の理念を軸として永続化したい</a:t>
             </a:r>
           </a:p>
         </p:txBody>
@@ -7580,7 +7581,7 @@
                 </a:solidFill>
                 <a:latin typeface="IPAPGothic"/>
               </a:rPr>
-              <a:t>F</a:t>
+              <a:t>T</a:t>
             </a:r>
           </a:p>
         </p:txBody>
@@ -7623,7 +7624,7 @@
                 </a:solidFill>
                 <a:latin typeface="IPAPGothic"/>
               </a:rPr>
-              <a:t>家族の記録を残す方</a:t>
+              <a:t>人生の転機にいる方</a:t>
             </a:r>
           </a:p>
         </p:txBody>
@@ -7666,7 +7667,7 @@
                 </a:solidFill>
                 <a:latin typeface="IPAPGothic"/>
               </a:rPr>
-              <a:t>家族の歴史、想い出、伝えたい言葉を千年先へ</a:t>
+              <a:t>転職、独立、退職——次の一歩を踏み出す前に、ブレない軸を言語化したい</a:t>
             </a:r>
           </a:p>
         </p:txBody>
@@ -7840,7 +7841,7 @@
                 </a:solidFill>
                 <a:latin typeface="IPAPGothic"/>
               </a:rPr>
-              <a:t>宗教者・文化人</a:t>
+              <a:t>家族に軸を残したい方</a:t>
             </a:r>
           </a:p>
         </p:txBody>
@@ -7883,7 +7884,7 @@
                 </a:solidFill>
                 <a:latin typeface="IPAPGothic"/>
               </a:rPr>
-              <a:t>教え、作品、精神的遺産を制度に依存せず永続化</a:t>
+              <a:t>子や孫に伝えたいのは財産ではなく、生き方の軸。消えない形で届けたい</a:t>
             </a:r>
           </a:p>
         </p:txBody>
@@ -8057,7 +8058,7 @@
                 </a:solidFill>
                 <a:latin typeface="IPAPGothic"/>
               </a:rPr>
-              <a:t>アーティスト</a:t>
+              <a:t>アーティスト・クリエイター</a:t>
             </a:r>
           </a:p>
         </p:txBody>
@@ -8100,7 +8101,7 @@
                 </a:solidFill>
                 <a:latin typeface="IPAPGothic"/>
               </a:rPr>
-              <a:t>作品と創作の意図を、プラットフォームを超えて残す</a:t>
+              <a:t>創作の原点を見失わないために、自分の軸をプラットフォームに依存せず刻みたい</a:t>
             </a:r>
           </a:p>
         </p:txBody>
@@ -8274,7 +8275,7 @@
                 </a:solidFill>
                 <a:latin typeface="IPAPGothic"/>
               </a:rPr>
-              <a:t>地域・コミュニティ</a:t>
+              <a:t>宗教者・教育者</a:t>
             </a:r>
           </a:p>
         </p:txBody>
@@ -8317,7 +8318,7 @@
                 </a:solidFill>
                 <a:latin typeface="IPAPGothic"/>
               </a:rPr>
-              <a:t>まちの記憶、お祭り、方言、災害の教訓を未来に</a:t>
+              <a:t>教えの本質を、自分がいなくなっても消えない形で次の世代に手渡したい</a:t>
             </a:r>
           </a:p>
         </p:txBody>
@@ -8491,7 +8492,7 @@
                 </a:solidFill>
                 <a:latin typeface="IPAPGothic"/>
               </a:rPr>
-              <a:t>教育者・研究者</a:t>
+              <a:t>地域・コミュニティ</a:t>
             </a:r>
           </a:p>
         </p:txBody>
@@ -8534,7 +8535,7 @@
                 </a:solidFill>
                 <a:latin typeface="IPAPGothic"/>
               </a:rPr>
-              <a:t>知の系譜、発見の文脈、師弟の物語を永続的に記録</a:t>
+              <a:t>まちの精神、災害の教訓、創設の志──組織の軸を人の寿命から解放したい</a:t>
             </a:r>
           </a:p>
         </p:txBody>
@@ -8810,7 +8811,7 @@
                 </a:solidFill>
                 <a:latin typeface="IPAPGothic"/>
               </a:rPr>
-              <a:t>対話から生まれる、3つの具体的な成果物。千年先まで届く「かたち」をお届けします。</a:t>
+              <a:t>対話から生まれ、三層に分散保管される具体的な成果物</a:t>
             </a:r>
           </a:p>
         </p:txBody>
@@ -9244,7 +9245,7 @@
                 </a:solidFill>
                 <a:latin typeface="IPAPGothic"/>
               </a:rPr>
-              <a:t>デジタルコンパニオン</a:t>
+              <a:t>未来の自分からの言葉──ブレない軸の永続化</a:t>
             </a:r>
           </a:p>
         </p:txBody>
@@ -9287,7 +9288,7 @@
                 </a:solidFill>
                 <a:latin typeface="IPAPGothic"/>
               </a:rPr>
-              <a:t>QRコードを読み取ると表示されるデジタルページ。テキスト、写真、音声、映像を含む、存在証明のリッチな体験版。</a:t>
+              <a:t>「千年残る」という重みが、未来の自分の臨場感を引き上げる。その未来の自分から今のあなたへ投げかけられた言葉を、三層に永続化する。消えないからこそ、ブレない軸になる。</a:t>
             </a:r>
           </a:p>
         </p:txBody>
@@ -9504,7 +9505,7 @@
                 </a:solidFill>
                 <a:latin typeface="IPAPGothic"/>
               </a:rPr>
-              <a:t>あなたの存在証明を、70以上の思想エッセイの文脈に位置づけたレポート。「なぜ残すのか」の知的な裏付け。</a:t>
+              <a:t>あなたの存在証明を、70以上の思想エッセイの文脈に位置づけたレポート。「なぜ残すのか」の知的な裏付けを提供します。</a:t>
             </a:r>
           </a:p>
         </p:txBody>
@@ -9780,7 +9781,7 @@
                 </a:solidFill>
                 <a:latin typeface="IPAPGothic"/>
               </a:rPr>
-              <a:t>体験プラン5,000円から——あなたに合ったかたちで始められます</a:t>
+              <a:t>未来の自分からの言葉を、どこまで深く刻むか</a:t>
             </a:r>
           </a:p>
         </p:txBody>
@@ -10040,7 +10041,7 @@
                 </a:solidFill>
                 <a:latin typeface="IPAPGothic"/>
               </a:rPr>
-              <a:t>三層保管をA4ラミネートで体験。声のQRコード→ラミネート＋NDL納本＋GitHub格納。まずはここから。</a:t>
+              <a:t>「未来の自分は何を言うか」──その最初の一言を声で刻み、三層に格納する体験。A4ラミネート＋国立国会図書館納本＋GitHub。まだ軸が見えなくても、ここから始まります。</a:t>
             </a:r>
           </a:p>
         </p:txBody>
@@ -10257,7 +10258,7 @@
                 </a:solidFill>
                 <a:latin typeface="IPAPGothic"/>
               </a:rPr>
-              <a:t>石英ガラスに刻印。年あたり50円の存在証明。1000年耐久（理論値）。</a:t>
+              <a:t>対話から生まれたブレない軸を、石英ガラスに刻む。千年残る不可逆の約束が、日常の中で軸として機能し続ける。年あたり50円の自己変容装置。</a:t>
             </a:r>
           </a:p>
         </p:txBody>
@@ -10474,7 +10475,7 @@
                 </a:solidFill>
                 <a:latin typeface="IPAPGothic"/>
               </a:rPr>
-              <a:t>家族3名分＋佐渡島での現地刻印体験。お墓・仏壇の代替として。最も選ばれるプラン。</a:t>
+              <a:t>三世代先の子孫から今の自分に投げかける言葉を刻む。その言葉を受け取った瞬間、未来世代への責任が自覚になる。お墓や仏壇は風化するが、軸は消えない。世代を超えて対話が続く。</a:t>
             </a:r>
           </a:p>
         </p:txBody>
@@ -10691,7 +10692,7 @@
                 </a:solidFill>
                 <a:latin typeface="IPAPGothic"/>
               </a:rPr>
-              <a:t>完全オーダーメイド。音声復元・専用デザイン・プレミアム体験のすべてを含む。</a:t>
+              <a:t>声そのものを千年先に届ける。音声復元技術を含む完全オーダーメイド。未来の子孫がQRコードを読み取ったとき、あなたの肉声が語りかける。</a:t>
             </a:r>
           </a:p>
         </p:txBody>
@@ -12532,7 +12533,7 @@
                 </a:solidFill>
                 <a:latin typeface="IPAPGothic"/>
               </a:rPr>
-              <a:t>「100年後に何を残したいか」を一緒に考える、最初の90分</a:t>
+              <a:t>「未来の自分は今の自分に何を言うか」を一緒に探る、最初の90分</a:t>
             </a:r>
           </a:p>
         </p:txBody>
@@ -12661,7 +12662,7 @@
                 </a:solidFill>
                 <a:latin typeface="IPAPGothic"/>
               </a:rPr>
-              <a:t>存在証明の設計ご提案</a:t>
+              <a:t>ブレない軸の言語化</a:t>
             </a:r>
           </a:p>
         </p:txBody>
@@ -12704,7 +12705,7 @@
                 </a:solidFill>
                 <a:latin typeface="IPAPGothic"/>
               </a:rPr>
-              <a:t>対話をもとに、あなただけのプランをお作りします</a:t>
+              <a:t>未来の自分の視座から、今の自分への言葉を紡ぎます</a:t>
             </a:r>
           </a:p>
         </p:txBody>
@@ -12833,7 +12834,7 @@
                 </a:solidFill>
                 <a:latin typeface="IPAPGothic"/>
               </a:rPr>
-              <a:t>制作・刻印</a:t>
+              <a:t>制作・三層分散保管</a:t>
             </a:r>
           </a:p>
         </p:txBody>
@@ -12876,7 +12877,7 @@
                 </a:solidFill>
                 <a:latin typeface="IPAPGothic"/>
               </a:rPr>
-              <a:t>存在証明を制作し、石英ガラスに永久に刻みます</a:t>
+              <a:t>存在証明とブレない軸を、物理・国家・民間の三層に格納します</a:t>
             </a:r>
           </a:p>
         </p:txBody>
@@ -13005,7 +13006,7 @@
                 </a:solidFill>
                 <a:latin typeface="IPAPGothic"/>
               </a:rPr>
-              <a:t>納品・キュレーション開始</a:t>
+              <a:t>納品</a:t>
             </a:r>
           </a:p>
         </p:txBody>
@@ -13048,7 +13049,7 @@
                 </a:solidFill>
                 <a:latin typeface="IPAPGothic"/>
               </a:rPr>
-              <a:t>お届けし、継続的なアップデートをサポートします</a:t>
+              <a:t>QRコードを読み取るたびに、未来の自分が語りかけます</a:t>
             </a:r>
           </a:p>
         </p:txBody>

--- a/tokistorage-client-deck.pptx
+++ b/tokistorage-client-deck.pptx
@@ -3288,8 +3288,8 @@
                 </a:solidFill>
                 <a:latin typeface="IPAPGothic"/>
               </a:rPr>
-              <a:t>未来の自分は、
-今のあなたに何を言いますか。</a:t>
+              <a:t>100年後に、
+何を残しますか。</a:t>
             </a:r>
           </a:p>
         </p:txBody>
@@ -3333,8 +3333,7 @@
                 <a:latin typeface="IPAPGothic"/>
               </a:rPr>
               <a:t>AIがあらゆる問いに答える時代。
-しかしこの問いだけは、あなた自身にしか答えられない。
-その言葉を三層に永続化することで、ブレない軸が生まれます。</a:t>
+しかしこの問いだけは、あなた自身にしか答えられない。</a:t>
             </a:r>
           </a:p>
         </p:txBody>
@@ -4017,7 +4016,7 @@
                 </a:solidFill>
                 <a:latin typeface="IPAPGothic"/>
               </a:rPr>
-              <a:t>AIが答えられない、ただひとつの問い──未来の自分の声</a:t>
+              <a:t>AIは「最適解」を出す。しかし「何を残すか」は決められない。意味の選択は、あなたにしかできない。</a:t>
             </a:r>
           </a:p>
         </p:txBody>
@@ -4191,7 +4190,7 @@
                 </a:solidFill>
                 <a:latin typeface="IPAPGothic"/>
               </a:rPr>
-              <a:t>AIは「最適解」を出す。しかし「あなたの軸」は決められない。</a:t>
+              <a:t>AIは答えを出す。しかし「問い」は立てられない。</a:t>
             </a:r>
           </a:p>
         </p:txBody>
@@ -4234,7 +4233,7 @@
                 </a:solidFill>
                 <a:latin typeface="IPAPGothic"/>
               </a:rPr>
-              <a:t>生成AIは調査・分析・戦略を瞬時に出力します。しかし「未来の自分は今の自分に何を言うか」——この問いへの答えは、あなたの人生の文脈からしか生まれません。最適化ではなく、軸の選択です。</a:t>
+              <a:t>生成AIは調査・分析・戦略を瞬時に出力します。しかし「100年後に何を残すか」——この問いへの答えは、あなたの人生の文脈からしか生まれません。</a:t>
             </a:r>
           </a:p>
         </p:txBody>
@@ -4365,7 +4364,7 @@
                 </a:solidFill>
                 <a:latin typeface="IPAPGothic"/>
               </a:rPr>
-              <a:t>目標は消えるから、ブレる。</a:t>
+              <a:t>富の継承は解決済み。意味の継承は手つかず。</a:t>
             </a:r>
           </a:p>
         </p:txBody>
@@ -4408,7 +4407,7 @@
                 </a:solidFill>
                 <a:latin typeface="IPAPGothic"/>
               </a:rPr>
-              <a:t>手帳に書いた抱負は年末に忘れている。デジタルのメモは通知の洪水に埋もれる。人が軸を保てないのは、意志が弱いからではない。言葉が消えるからです。消えない形で刻まれた言葉だけが、軸として機能し続けます。</a:t>
+              <a:t>相続設計、事業承継、資産運用——「何を渡すか」の仕組みは整っています。しかし「なぜそれを残すのか」という物語は、制度では設計できません。</a:t>
             </a:r>
           </a:p>
         </p:txBody>
@@ -4539,7 +4538,7 @@
                 </a:solidFill>
                 <a:latin typeface="IPAPGothic"/>
               </a:rPr>
-              <a:t>「未来の自分」は、脳にとって他人である。</a:t>
+              <a:t>存在証明は、未来への贈り物である。</a:t>
             </a:r>
           </a:p>
         </p:txBody>
@@ -4582,7 +4581,7 @@
                 </a:solidFill>
                 <a:latin typeface="IPAPGothic"/>
               </a:rPr>
-              <a:t>心理学者ハーシュフィールドのfMRI研究によれば、「未来の自分」は脳の活動パターンにおいて「他人」と同じように処理されます。しかし「千年残る」という重みが、未来の自分の臨場感を引き上げる。永続記録の不可逆性が、未来の自分を「他人」から「自分」に引き戻します。</a:t>
+              <a:t>あなたが残すものは、未来の誰かへの贈り物になります。家族に、地域に、まだ生まれていない世代に。「自分が確かに存在した」という証が、未来の誰かの支えになる。</a:t>
             </a:r>
           </a:p>
         </p:txBody>
@@ -4858,7 +4857,7 @@
                 </a:solidFill>
                 <a:latin typeface="IPAPGothic"/>
               </a:rPr>
-              <a:t>あなたが買うのは「プロダクト」ではありません。未来の自分と出会うための対話です。</a:t>
+              <a:t>あなたが買うのは「プロダクト」ではない。千年の視座を持つ人間との対話である。</a:t>
             </a:r>
           </a:p>
         </p:txBody>
@@ -5030,8 +5029,8 @@
                 </a:solidFill>
                 <a:latin typeface="IPAPGothic"/>
               </a:rPr>
-              <a:t>未来の自分の声を聴き、
-ブレない軸を永続化する。</a:t>
+              <a:t>千年の視座を持つ人間との対話から、
+あなたの存在証明を設計します。</a:t>
             </a:r>
           </a:p>
         </p:txBody>
@@ -5162,7 +5161,7 @@
                 </a:solidFill>
                 <a:latin typeface="IPAPGothic"/>
               </a:rPr>
-              <a:t>未来の自分との対話</a:t>
+              <a:t>千年の問いとの対話</a:t>
             </a:r>
           </a:p>
         </p:txBody>
@@ -5205,7 +5204,7 @@
                 </a:solidFill>
                 <a:latin typeface="IPAPGothic"/>
               </a:rPr>
-              <a:t>「未来の自分は、今の自分に何を言うか」——この問いに、9領域の思想フレームワークで向き合います。浮かんだ言葉は、あなただけのものです。</a:t>
+              <a:t>「100年後に何を残すか」——心理学・宗教・経済・AI・宇宙まで9領域の思想フレームワークで向き合います。</a:t>
             </a:r>
           </a:p>
         </p:txBody>
@@ -5336,7 +5335,7 @@
                 </a:solidFill>
                 <a:latin typeface="IPAPGothic"/>
               </a:rPr>
-              <a:t>軸の言語化</a:t>
+              <a:t>存在証明のデザイン</a:t>
             </a:r>
           </a:p>
         </p:txBody>
@@ -5379,7 +5378,7 @@
                 </a:solidFill>
                 <a:latin typeface="IPAPGothic"/>
               </a:rPr>
-              <a:t>対話から浮かんだ言葉を、あなたの人生の物語・価値観とともに構造化。「ブレない軸」として言語化し、千年先まで届く形に設計します。</a:t>
+              <a:t>あなたの物語・価値観・メッセージを構造化し、千年先まで届く「存在証明」として設計します。</a:t>
             </a:r>
           </a:p>
         </p:txBody>
@@ -5510,7 +5509,7 @@
                 </a:solidFill>
                 <a:latin typeface="IPAPGothic"/>
               </a:rPr>
-              <a:t>ブレない軸の永続化</a:t>
+              <a:t>石英ガラスへの刻印</a:t>
             </a:r>
           </a:p>
         </p:txBody>
@@ -5553,7 +5552,7 @@
                 </a:solidFill>
                 <a:latin typeface="IPAPGothic"/>
               </a:rPr>
-              <a:t>言語化された軸を、消えない形で刻む。千年残るという重みが不可逆の約束になる。消える言葉では軸にならない。トキストレージだからこそ成立する、自己変容の装置。</a:t>
+              <a:t>サーバー・電源・制度に依存しない、1000年耐久（理論値）の記録媒体。スマホカメラだけで読み取り可能。</a:t>
             </a:r>
           </a:p>
         </p:txBody>
@@ -5684,7 +5683,7 @@
                 </a:solidFill>
                 <a:latin typeface="IPAPGothic"/>
               </a:rPr>
-              <a:t>三層分散保管への格納</a:t>
+              <a:t>継続的なキュレーション</a:t>
             </a:r>
           </a:p>
         </p:txBody>
@@ -5727,7 +5726,7 @@
                 </a:solidFill>
                 <a:latin typeface="IPAPGothic"/>
               </a:rPr>
-              <a:t>あなたの軸と存在証明を三層に分散保管。物理層（石英ガラス）、国家層（国立国会図書館）、民間層（GitHub）──単一障害点のない構造で、千年先まで届けます。</a:t>
+              <a:t>人生は一度で語りきれません。節目ごとに存在証明をアップデートし、千年アーカイブを育てます。</a:t>
             </a:r>
           </a:p>
         </p:txBody>
@@ -6003,7 +6002,7 @@
                 </a:solidFill>
                 <a:latin typeface="IPAPGothic"/>
               </a:rPr>
-              <a:t>対話から始まり、三層の分散保管で千年に届く</a:t>
+              <a:t>対話から始まり、千年に届く。4つのステップであなたの存在証明が形になる。</a:t>
             </a:r>
           </a:p>
         </p:txBody>
@@ -6263,7 +6262,7 @@
                 </a:solidFill>
                 <a:latin typeface="IPAPGothic"/>
               </a:rPr>
-              <a:t>「未来の自分は、今の自分に何を言うか」を軸に、あなたの人生の物語を聴かせていただきます。この対話自体が、多くの方にとって深い内省の機会になります。</a:t>
+              <a:t>「100年後に何を残したいか」を軸に、あなたの人生の物語を聴かせていただきます。この対話自体が、深い内省の機会になります。</a:t>
             </a:r>
           </a:p>
         </p:txBody>
@@ -6437,7 +6436,7 @@
                 </a:solidFill>
                 <a:latin typeface="IPAPGothic"/>
               </a:rPr>
-              <a:t>ブレない軸の言語化</a:t>
+              <a:t>存在証明の設計</a:t>
             </a:r>
           </a:p>
         </p:txBody>
@@ -6480,7 +6479,7 @@
                 </a:solidFill>
                 <a:latin typeface="IPAPGothic"/>
               </a:rPr>
-              <a:t>未来の自分を想像し、その視座から今の自分への言葉を紡ぎます。存在証明の構造設計と同時に、あなたの「ブレない軸」を言葉にするプロセスです。</a:t>
+              <a:t>対話をもとに、何を・誰に・どんな形で残すかを設計します。テキスト、写真、音声、映像——最適なメディアを提案。</a:t>
             </a:r>
           </a:p>
         </p:txBody>
@@ -6654,7 +6653,7 @@
                 </a:solidFill>
                 <a:latin typeface="IPAPGothic"/>
               </a:rPr>
-              <a:t>コンテンツの制作</a:t>
+              <a:t>コンテンツの制作・キュレーション</a:t>
             </a:r>
           </a:p>
         </p:txBody>
@@ -6697,7 +6696,7 @@
                 </a:solidFill>
                 <a:latin typeface="IPAPGothic"/>
               </a:rPr>
-              <a:t>設計に基づいて、あなたの存在証明を制作します。必要に応じて、プロフェッショナルな撮影・収録・編集をコーディネート。あなたの物語と軸を最高の形に仕上げます。</a:t>
+              <a:t>設計に基づいて存在証明を制作。必要に応じてプロフェッショナルな撮影・収録・編集をコーディネート。</a:t>
             </a:r>
           </a:p>
         </p:txBody>
@@ -6871,7 +6870,7 @@
                 </a:solidFill>
                 <a:latin typeface="IPAPGothic"/>
               </a:rPr>
-              <a:t>三層分散保管・納品</a:t>
+              <a:t>石英ガラスへの刻印・納品</a:t>
             </a:r>
           </a:p>
         </p:txBody>
@@ -6914,7 +6913,7 @@
                 </a:solidFill>
                 <a:latin typeface="IPAPGothic"/>
               </a:rPr>
-              <a:t>存在証明とブレない軸を三層に格納。石英ガラスへの刻印（物理層）、国立国会図書館への納本（国家層）、GitHubへの分散保管（民間層）。QRコードを読み取るたびに、未来の自分があなたに語りかけます。</a:t>
+              <a:t>完成した存在証明を石英ガラスに刻印し、QRコードとともにお届け。1000年先の誰かがあなたの物語に出会えます。</a:t>
             </a:r>
           </a:p>
         </p:txBody>
@@ -7190,7 +7189,7 @@
                 </a:solidFill>
                 <a:latin typeface="IPAPGothic"/>
               </a:rPr>
-              <a:t>ブレない軸を必要としている、すべての方へ</a:t>
+              <a:t>「残す」ことに意味を感じるすべての方へ——6つの領域で特に高い親和性がある</a:t>
             </a:r>
           </a:p>
         </p:txBody>
@@ -7233,7 +7232,7 @@
                 </a:solidFill>
                 <a:latin typeface="IPAPGothic"/>
               </a:rPr>
-              <a:t>WHO THIS IS TOR</a:t>
+              <a:t>WHO THIS IS FOR</a:t>
             </a:r>
           </a:p>
         </p:txBody>
@@ -7450,7 +7449,7 @@
                 </a:solidFill>
                 <a:latin typeface="IPAPGothic"/>
               </a:rPr>
-              <a:t>事業の浮き沈みに揺れない、自分自身の理念を軸として永続化したい</a:t>
+              <a:t>会社を超えて残る、あなた自身の理念と物語を</a:t>
             </a:r>
           </a:p>
         </p:txBody>
@@ -7581,7 +7580,7 @@
                 </a:solidFill>
                 <a:latin typeface="IPAPGothic"/>
               </a:rPr>
-              <a:t>T</a:t>
+              <a:t>F</a:t>
             </a:r>
           </a:p>
         </p:txBody>
@@ -7624,7 +7623,7 @@
                 </a:solidFill>
                 <a:latin typeface="IPAPGothic"/>
               </a:rPr>
-              <a:t>人生の転機にいる方</a:t>
+              <a:t>家族の記録を残す方</a:t>
             </a:r>
           </a:p>
         </p:txBody>
@@ -7667,7 +7666,7 @@
                 </a:solidFill>
                 <a:latin typeface="IPAPGothic"/>
               </a:rPr>
-              <a:t>転職、独立、退職——次の一歩を踏み出す前に、ブレない軸を言語化したい</a:t>
+              <a:t>家族の歴史、想い出、伝えたい言葉を千年先へ</a:t>
             </a:r>
           </a:p>
         </p:txBody>
@@ -7841,7 +7840,7 @@
                 </a:solidFill>
                 <a:latin typeface="IPAPGothic"/>
               </a:rPr>
-              <a:t>家族に軸を残したい方</a:t>
+              <a:t>宗教者・文化人</a:t>
             </a:r>
           </a:p>
         </p:txBody>
@@ -7884,7 +7883,7 @@
                 </a:solidFill>
                 <a:latin typeface="IPAPGothic"/>
               </a:rPr>
-              <a:t>子や孫に伝えたいのは財産ではなく、生き方の軸。消えない形で届けたい</a:t>
+              <a:t>教え、作品、精神的遺産を制度に依存せず永続化</a:t>
             </a:r>
           </a:p>
         </p:txBody>
@@ -8058,7 +8057,7 @@
                 </a:solidFill>
                 <a:latin typeface="IPAPGothic"/>
               </a:rPr>
-              <a:t>アーティスト・クリエイター</a:t>
+              <a:t>アーティスト</a:t>
             </a:r>
           </a:p>
         </p:txBody>
@@ -8101,7 +8100,7 @@
                 </a:solidFill>
                 <a:latin typeface="IPAPGothic"/>
               </a:rPr>
-              <a:t>創作の原点を見失わないために、自分の軸をプラットフォームに依存せず刻みたい</a:t>
+              <a:t>作品と創作の意図を、プラットフォームを超えて残す</a:t>
             </a:r>
           </a:p>
         </p:txBody>
@@ -8275,7 +8274,7 @@
                 </a:solidFill>
                 <a:latin typeface="IPAPGothic"/>
               </a:rPr>
-              <a:t>宗教者・教育者</a:t>
+              <a:t>地域・コミュニティ</a:t>
             </a:r>
           </a:p>
         </p:txBody>
@@ -8318,7 +8317,7 @@
                 </a:solidFill>
                 <a:latin typeface="IPAPGothic"/>
               </a:rPr>
-              <a:t>教えの本質を、自分がいなくなっても消えない形で次の世代に手渡したい</a:t>
+              <a:t>まちの記憶、お祭り、方言、災害の教訓を未来に</a:t>
             </a:r>
           </a:p>
         </p:txBody>
@@ -8492,7 +8491,7 @@
                 </a:solidFill>
                 <a:latin typeface="IPAPGothic"/>
               </a:rPr>
-              <a:t>地域・コミュニティ</a:t>
+              <a:t>教育者・研究者</a:t>
             </a:r>
           </a:p>
         </p:txBody>
@@ -8535,7 +8534,7 @@
                 </a:solidFill>
                 <a:latin typeface="IPAPGothic"/>
               </a:rPr>
-              <a:t>まちの精神、災害の教訓、創設の志──組織の軸を人の寿命から解放したい</a:t>
+              <a:t>知の系譜、発見の文脈、師弟の物語を永続的に記録</a:t>
             </a:r>
           </a:p>
         </p:txBody>
@@ -8811,7 +8810,7 @@
                 </a:solidFill>
                 <a:latin typeface="IPAPGothic"/>
               </a:rPr>
-              <a:t>対話から生まれ、三層に分散保管される具体的な成果物</a:t>
+              <a:t>対話から生まれる、3つの具体的な成果物。千年先まで届く「かたち」をお届けします。</a:t>
             </a:r>
           </a:p>
         </p:txBody>
@@ -9245,7 +9244,7 @@
                 </a:solidFill>
                 <a:latin typeface="IPAPGothic"/>
               </a:rPr>
-              <a:t>未来の自分からの言葉──ブレない軸の永続化</a:t>
+              <a:t>デジタルコンパニオン</a:t>
             </a:r>
           </a:p>
         </p:txBody>
@@ -9288,7 +9287,7 @@
                 </a:solidFill>
                 <a:latin typeface="IPAPGothic"/>
               </a:rPr>
-              <a:t>「千年残る」という重みが、未来の自分の臨場感を引き上げる。その未来の自分から今のあなたへ投げかけられた言葉を、三層に永続化する。消えないからこそ、ブレない軸になる。</a:t>
+              <a:t>QRコードを読み取ると表示されるデジタルページ。テキスト、写真、音声、映像を含む、存在証明のリッチな体験版。</a:t>
             </a:r>
           </a:p>
         </p:txBody>
@@ -9505,7 +9504,7 @@
                 </a:solidFill>
                 <a:latin typeface="IPAPGothic"/>
               </a:rPr>
-              <a:t>あなたの存在証明を、70以上の思想エッセイの文脈に位置づけたレポート。「なぜ残すのか」の知的な裏付けを提供します。</a:t>
+              <a:t>あなたの存在証明を、70以上の思想エッセイの文脈に位置づけたレポート。「なぜ残すのか」の知的な裏付け。</a:t>
             </a:r>
           </a:p>
         </p:txBody>
@@ -9781,7 +9780,7 @@
                 </a:solidFill>
                 <a:latin typeface="IPAPGothic"/>
               </a:rPr>
-              <a:t>未来の自分からの言葉を、どこまで深く刻むか</a:t>
+              <a:t>体験プラン5,000円から——あなたに合ったかたちで始められます</a:t>
             </a:r>
           </a:p>
         </p:txBody>
@@ -10041,7 +10040,7 @@
                 </a:solidFill>
                 <a:latin typeface="IPAPGothic"/>
               </a:rPr>
-              <a:t>「未来の自分は何を言うか」──その最初の一言を声で刻み、三層に格納する体験。A4ラミネート＋国立国会図書館納本＋GitHub。まだ軸が見えなくても、ここから始まります。</a:t>
+              <a:t>三層保管をA4ラミネートで体験。声のQRコード→ラミネート＋NDL納本＋GitHub格納。まずはここから。</a:t>
             </a:r>
           </a:p>
         </p:txBody>
@@ -10258,7 +10257,7 @@
                 </a:solidFill>
                 <a:latin typeface="IPAPGothic"/>
               </a:rPr>
-              <a:t>対話から生まれたブレない軸を、石英ガラスに刻む。千年残る不可逆の約束が、日常の中で軸として機能し続ける。年あたり50円の自己変容装置。</a:t>
+              <a:t>石英ガラスに刻印。年あたり50円の存在証明。1000年耐久（理論値）。</a:t>
             </a:r>
           </a:p>
         </p:txBody>
@@ -10475,7 +10474,7 @@
                 </a:solidFill>
                 <a:latin typeface="IPAPGothic"/>
               </a:rPr>
-              <a:t>三世代先の子孫から今の自分に投げかける言葉を刻む。その言葉を受け取った瞬間、未来世代への責任が自覚になる。お墓や仏壇は風化するが、軸は消えない。世代を超えて対話が続く。</a:t>
+              <a:t>家族3名分＋佐渡島での現地刻印体験。お墓・仏壇の代替として。最も選ばれるプラン。</a:t>
             </a:r>
           </a:p>
         </p:txBody>
@@ -10692,7 +10691,7 @@
                 </a:solidFill>
                 <a:latin typeface="IPAPGothic"/>
               </a:rPr>
-              <a:t>声そのものを千年先に届ける。音声復元技術を含む完全オーダーメイド。未来の子孫がQRコードを読み取ったとき、あなたの肉声が語りかける。</a:t>
+              <a:t>完全オーダーメイド。音声復元・専用デザイン・プレミアム体験のすべてを含む。</a:t>
             </a:r>
           </a:p>
         </p:txBody>
@@ -11663,7 +11662,7 @@
         <p:spPr>
           <a:xfrm>
             <a:off x="457200" y="3063240"/>
-            <a:ext cx="1371600" cy="402336"/>
+            <a:ext cx="1097280" cy="402336"/>
           </a:xfrm>
           <a:prstGeom prst="rect">
             <a:avLst/>
@@ -11708,7 +11707,7 @@
         <p:spPr>
           <a:xfrm>
             <a:off x="548640" y="3063240"/>
-            <a:ext cx="1188720" cy="402336"/>
+            <a:ext cx="914400" cy="402336"/>
           </a:xfrm>
           <a:prstGeom prst="rect">
             <a:avLst/>
@@ -11737,7 +11736,7 @@
                 </a:solidFill>
                 <a:latin typeface="IPAPGothic"/>
               </a:rPr>
-              <a:t>佐渡島移住予定（2026春）</a:t>
+              <a:t>佐渡島に拠点設置予定</a:t>
             </a:r>
           </a:p>
         </p:txBody>
@@ -11750,7 +11749,7 @@
         </p:nvSpPr>
         <p:spPr>
           <a:xfrm>
-            <a:off x="1938528" y="3063240"/>
+            <a:off x="1664208" y="3063240"/>
             <a:ext cx="1577339" cy="402336"/>
           </a:xfrm>
           <a:prstGeom prst="rect">
@@ -11795,7 +11794,7 @@
         </p:nvSpPr>
         <p:spPr>
           <a:xfrm>
-            <a:off x="2029968" y="3063240"/>
+            <a:off x="1755648" y="3063240"/>
             <a:ext cx="1394459" cy="402336"/>
           </a:xfrm>
           <a:prstGeom prst="rect">
@@ -11838,7 +11837,7 @@
         </p:nvSpPr>
         <p:spPr>
           <a:xfrm>
-            <a:off x="3625595" y="3063240"/>
+            <a:off x="3351275" y="3063240"/>
             <a:ext cx="1783080" cy="402336"/>
           </a:xfrm>
           <a:prstGeom prst="rect">
@@ -11883,7 +11882,7 @@
         </p:nvSpPr>
         <p:spPr>
           <a:xfrm>
-            <a:off x="3717035" y="3063240"/>
+            <a:off x="3442715" y="3063240"/>
             <a:ext cx="1600200" cy="402336"/>
           </a:xfrm>
           <a:prstGeom prst="rect">
@@ -12042,7 +12041,7 @@
                 </a:solidFill>
                 <a:latin typeface="IPAPGothic"/>
               </a:rPr>
-              <a:t>愛犬パールのお墓とともに、家族でパールハーバーを訪れました。平和を願う声を音声QRとして刻んだプレートを持って。そこで気がつきました——時を超えた願いは、愛や平和への想いに変容する。一人でも多くの方と分かち合いたい。TokiStorageをきっかけに、時を超えた変容をご一緒できれば幸いです。</a:t>
+              <a:t>愛犬パールのお墓とともに、家族でパールハーバーを訪れました。平和を願う声をTokiQRとして刻んだプレートを持って。そこで気がつきました——時を超えた願いは、愛や平和への想いに変容する。一人でも多くの方と分かち合いたい。TokiStorageをきっかけに、時を超えた変容をご一緒できれば幸いです。</a:t>
             </a:r>
           </a:p>
         </p:txBody>
@@ -12533,7 +12532,7 @@
                 </a:solidFill>
                 <a:latin typeface="IPAPGothic"/>
               </a:rPr>
-              <a:t>「未来の自分は今の自分に何を言うか」を一緒に探る、最初の90分</a:t>
+              <a:t>「100年後に何を残したいか」を一緒に考える、最初の90分</a:t>
             </a:r>
           </a:p>
         </p:txBody>
@@ -12662,7 +12661,7 @@
                 </a:solidFill>
                 <a:latin typeface="IPAPGothic"/>
               </a:rPr>
-              <a:t>ブレない軸の言語化</a:t>
+              <a:t>存在証明の設計ご提案</a:t>
             </a:r>
           </a:p>
         </p:txBody>
@@ -12705,7 +12704,7 @@
                 </a:solidFill>
                 <a:latin typeface="IPAPGothic"/>
               </a:rPr>
-              <a:t>未来の自分の視座から、今の自分への言葉を紡ぎます</a:t>
+              <a:t>対話をもとに、あなただけのプランをお作りします</a:t>
             </a:r>
           </a:p>
         </p:txBody>
@@ -12834,7 +12833,7 @@
                 </a:solidFill>
                 <a:latin typeface="IPAPGothic"/>
               </a:rPr>
-              <a:t>制作・三層分散保管</a:t>
+              <a:t>制作・刻印</a:t>
             </a:r>
           </a:p>
         </p:txBody>
@@ -12877,7 +12876,7 @@
                 </a:solidFill>
                 <a:latin typeface="IPAPGothic"/>
               </a:rPr>
-              <a:t>存在証明とブレない軸を、物理・国家・民間の三層に格納します</a:t>
+              <a:t>存在証明を制作し、石英ガラスに永久に刻みます</a:t>
             </a:r>
           </a:p>
         </p:txBody>
@@ -13006,7 +13005,7 @@
                 </a:solidFill>
                 <a:latin typeface="IPAPGothic"/>
               </a:rPr>
-              <a:t>納品</a:t>
+              <a:t>納品・キュレーション開始</a:t>
             </a:r>
           </a:p>
         </p:txBody>
@@ -13049,7 +13048,7 @@
                 </a:solidFill>
                 <a:latin typeface="IPAPGothic"/>
               </a:rPr>
-              <a:t>QRコードを読み取るたびに、未来の自分が語りかけます</a:t>
+              <a:t>お届けし、継続的なアップデートをサポートします</a:t>
             </a:r>
           </a:p>
         </p:txBody>

--- a/tokistorage-client-deck.pptx
+++ b/tokistorage-client-deck.pptx
@@ -9780,7 +9780,7 @@
                 </a:solidFill>
                 <a:latin typeface="IPAPGothic"/>
               </a:rPr>
-              <a:t>体験プラン5,000円から——あなたに合ったかたちで始められます</a:t>
+              <a:t>対話を通じて、より深い存在証明を。タイムレスコンサルティングの料金体系</a:t>
             </a:r>
           </a:p>
         </p:txBody>
@@ -9836,8 +9836,137 @@
         </p:nvSpPr>
         <p:spPr>
           <a:xfrm>
-            <a:off x="457200" y="1097280"/>
-            <a:ext cx="7863840" cy="804672"/>
+            <a:off x="457200" y="1051560"/>
+            <a:ext cx="7863840" cy="502920"/>
+          </a:xfrm>
+          <a:prstGeom prst="rect">
+            <a:avLst/>
+          </a:prstGeom>
+          <a:solidFill>
+            <a:srgbClr val="EFF6FF"/>
+          </a:solidFill>
+          <a:ln>
+            <a:noFill/>
+          </a:ln>
+        </p:spPr>
+        <p:style>
+          <a:lnRef idx="1">
+            <a:schemeClr val="accent1"/>
+          </a:lnRef>
+          <a:fillRef idx="3">
+            <a:schemeClr val="accent1"/>
+          </a:fillRef>
+          <a:effectRef idx="2">
+            <a:schemeClr val="accent1"/>
+          </a:effectRef>
+          <a:fontRef idx="minor">
+            <a:schemeClr val="lt1"/>
+          </a:fontRef>
+        </p:style>
+        <p:txBody>
+          <a:bodyPr rtlCol="0" anchor="ctr"/>
+          <a:lstStyle/>
+          <a:p>
+            <a:pPr algn="ctr"/>
+          </a:p>
+        </p:txBody>
+      </p:sp>
+      <p:sp>
+        <p:nvSpPr>
+          <p:cNvPr id="6" name="Rectangle 5"/>
+          <p:cNvSpPr/>
+          <p:nvPr/>
+        </p:nvSpPr>
+        <p:spPr>
+          <a:xfrm>
+            <a:off x="457200" y="1051560"/>
+            <a:ext cx="54864" cy="502920"/>
+          </a:xfrm>
+          <a:prstGeom prst="rect">
+            <a:avLst/>
+          </a:prstGeom>
+          <a:solidFill>
+            <a:srgbClr val="2563EB"/>
+          </a:solidFill>
+          <a:ln>
+            <a:noFill/>
+          </a:ln>
+        </p:spPr>
+        <p:style>
+          <a:lnRef idx="1">
+            <a:schemeClr val="accent1"/>
+          </a:lnRef>
+          <a:fillRef idx="3">
+            <a:schemeClr val="accent1"/>
+          </a:fillRef>
+          <a:effectRef idx="2">
+            <a:schemeClr val="accent1"/>
+          </a:effectRef>
+          <a:fontRef idx="minor">
+            <a:schemeClr val="lt1"/>
+          </a:fontRef>
+        </p:style>
+        <p:txBody>
+          <a:bodyPr rtlCol="0" anchor="ctr"/>
+          <a:lstStyle/>
+          <a:p>
+            <a:pPr algn="ctr"/>
+          </a:p>
+        </p:txBody>
+      </p:sp>
+      <p:sp>
+        <p:nvSpPr>
+          <p:cNvPr id="7" name="TextBox 6"/>
+          <p:cNvSpPr txBox="1"/>
+          <p:nvPr/>
+        </p:nvSpPr>
+        <p:spPr>
+          <a:xfrm>
+            <a:off x="685800" y="1097280"/>
+            <a:ext cx="7543800" cy="411480"/>
+          </a:xfrm>
+          <a:prstGeom prst="rect">
+            <a:avLst/>
+          </a:prstGeom>
+          <a:noFill/>
+        </p:spPr>
+        <p:txBody>
+          <a:bodyPr wrap="square" anchor="ctr"/>
+          <a:lstStyle/>
+          <a:p>
+            <a:pPr algn="l">
+              <a:lnSpc>
+                <a:spcPct val="135000"/>
+              </a:lnSpc>
+              <a:spcBef>
+                <a:spcPts val="0"/>
+              </a:spcBef>
+              <a:spcAft>
+                <a:spcPts val="0"/>
+              </a:spcAft>
+            </a:pPr>
+            <a:r>
+              <a:rPr sz="1000" b="0">
+                <a:solidFill>
+                  <a:srgbClr val="475569"/>
+                </a:solidFill>
+                <a:latin typeface="IPAPGothic"/>
+              </a:rPr>
+              <a:t>TokiQR（無料）・UVラミネートQR（¥5,000）・石英ガラス（¥50,000）はセルフサービスでもご利用いただけます。</a:t>
+            </a:r>
+          </a:p>
+        </p:txBody>
+      </p:sp>
+      <p:sp>
+        <p:nvSpPr>
+          <p:cNvPr id="8" name="Rectangle 7"/>
+          <p:cNvSpPr/>
+          <p:nvPr/>
+        </p:nvSpPr>
+        <p:spPr>
+          <a:xfrm>
+            <a:off x="457200" y="1691640"/>
+            <a:ext cx="7863840" cy="1005840"/>
           </a:xfrm>
           <a:prstGeom prst="rect">
             <a:avLst/>
@@ -9875,20 +10004,20 @@
       </p:sp>
       <p:sp>
         <p:nvSpPr>
-          <p:cNvPr id="6" name="Rectangle 5"/>
+          <p:cNvPr id="9" name="Rectangle 8"/>
           <p:cNvSpPr/>
           <p:nvPr/>
         </p:nvSpPr>
         <p:spPr>
           <a:xfrm>
-            <a:off x="594360" y="1234440"/>
+            <a:off x="594360" y="1828800"/>
             <a:ext cx="457200" cy="457200"/>
           </a:xfrm>
           <a:prstGeom prst="rect">
             <a:avLst/>
           </a:prstGeom>
           <a:solidFill>
-            <a:srgbClr val="EFF6FF"/>
+            <a:srgbClr val="FDF8E8"/>
           </a:solidFill>
           <a:ln>
             <a:noFill/>
@@ -9918,13 +10047,13 @@
       </p:sp>
       <p:sp>
         <p:nvSpPr>
-          <p:cNvPr id="7" name="TextBox 6"/>
-          <p:cNvSpPr txBox="1"/>
-          <p:nvPr/>
-        </p:nvSpPr>
-        <p:spPr>
-          <a:xfrm>
-            <a:off x="594360" y="1234440"/>
+          <p:cNvPr id="10" name="TextBox 9"/>
+          <p:cNvSpPr txBox="1"/>
+          <p:nvPr/>
+        </p:nvSpPr>
+        <p:spPr>
+          <a:xfrm>
+            <a:off x="594360" y="1828800"/>
             <a:ext cx="457200" cy="457200"/>
           </a:xfrm>
           <a:prstGeom prst="rect">
@@ -9954,20 +10083,20 @@
                 </a:solidFill>
                 <a:latin typeface="IPAPGothic"/>
               </a:rPr>
-              <a:t>T</a:t>
-            </a:r>
-          </a:p>
-        </p:txBody>
-      </p:sp>
-      <p:sp>
-        <p:nvSpPr>
-          <p:cNvPr id="8" name="TextBox 7"/>
-          <p:cNvSpPr txBox="1"/>
-          <p:nvPr/>
-        </p:nvSpPr>
-        <p:spPr>
-          <a:xfrm>
-            <a:off x="1188720" y="1207008"/>
+              <a:t>F</a:t>
+            </a:r>
+          </a:p>
+        </p:txBody>
+      </p:sp>
+      <p:sp>
+        <p:nvSpPr>
+          <p:cNvPr id="11" name="TextBox 10"/>
+          <p:cNvSpPr txBox="1"/>
+          <p:nvPr/>
+        </p:nvSpPr>
+        <p:spPr>
+          <a:xfrm>
+            <a:off x="1188720" y="1801368"/>
             <a:ext cx="6949440" cy="292608"/>
           </a:xfrm>
           <a:prstGeom prst="rect">
@@ -9997,21 +10126,21 @@
                 </a:solidFill>
                 <a:latin typeface="IPAPGothic"/>
               </a:rPr>
-              <a:t>体験プラン — ¥5,000（税込）</a:t>
-            </a:r>
-          </a:p>
-        </p:txBody>
-      </p:sp>
-      <p:sp>
-        <p:nvSpPr>
-          <p:cNvPr id="9" name="TextBox 8"/>
-          <p:cNvSpPr txBox="1"/>
-          <p:nvPr/>
-        </p:nvSpPr>
-        <p:spPr>
-          <a:xfrm>
-            <a:off x="1188720" y="1517904"/>
-            <a:ext cx="6949440" cy="274320"/>
+              <a:t>三世代プラン — ¥550,000（税込・推奨）</a:t>
+            </a:r>
+          </a:p>
+        </p:txBody>
+      </p:sp>
+      <p:sp>
+        <p:nvSpPr>
+          <p:cNvPr id="12" name="TextBox 11"/>
+          <p:cNvSpPr txBox="1"/>
+          <p:nvPr/>
+        </p:nvSpPr>
+        <p:spPr>
+          <a:xfrm>
+            <a:off x="1188720" y="2112264"/>
+            <a:ext cx="6949440" cy="475488"/>
           </a:xfrm>
           <a:prstGeom prst="rect">
             <a:avLst/>
@@ -10040,21 +10169,21 @@
                 </a:solidFill>
                 <a:latin typeface="IPAPGothic"/>
               </a:rPr>
-              <a:t>三層保管をA4ラミネートで体験。声のQRコード→ラミネート＋NDL納本＋GitHub格納。まずはここから。</a:t>
-            </a:r>
-          </a:p>
-        </p:txBody>
-      </p:sp>
-      <p:sp>
-        <p:nvSpPr>
-          <p:cNvPr id="10" name="Rectangle 9"/>
+              <a:t>家族3名分＋佐渡島での現地刻印体験。お墓・仏壇の代替として。最も選ばれるプラン。</a:t>
+            </a:r>
+          </a:p>
+        </p:txBody>
+      </p:sp>
+      <p:sp>
+        <p:nvSpPr>
+          <p:cNvPr id="13" name="Rectangle 12"/>
           <p:cNvSpPr/>
           <p:nvPr/>
         </p:nvSpPr>
         <p:spPr>
           <a:xfrm>
-            <a:off x="457200" y="1993392"/>
-            <a:ext cx="7863840" cy="804672"/>
+            <a:off x="457200" y="2834640"/>
+            <a:ext cx="7863840" cy="1005840"/>
           </a:xfrm>
           <a:prstGeom prst="rect">
             <a:avLst/>
@@ -10092,447 +10221,13 @@
       </p:sp>
       <p:sp>
         <p:nvSpPr>
-          <p:cNvPr id="11" name="Rectangle 10"/>
+          <p:cNvPr id="14" name="Rectangle 13"/>
           <p:cNvSpPr/>
           <p:nvPr/>
         </p:nvSpPr>
         <p:spPr>
           <a:xfrm>
-            <a:off x="594360" y="2130552"/>
-            <a:ext cx="457200" cy="457200"/>
-          </a:xfrm>
-          <a:prstGeom prst="rect">
-            <a:avLst/>
-          </a:prstGeom>
-          <a:solidFill>
-            <a:srgbClr val="EFF6FF"/>
-          </a:solidFill>
-          <a:ln>
-            <a:noFill/>
-          </a:ln>
-        </p:spPr>
-        <p:style>
-          <a:lnRef idx="1">
-            <a:schemeClr val="accent1"/>
-          </a:lnRef>
-          <a:fillRef idx="3">
-            <a:schemeClr val="accent1"/>
-          </a:fillRef>
-          <a:effectRef idx="2">
-            <a:schemeClr val="accent1"/>
-          </a:effectRef>
-          <a:fontRef idx="minor">
-            <a:schemeClr val="lt1"/>
-          </a:fontRef>
-        </p:style>
-        <p:txBody>
-          <a:bodyPr rtlCol="0" anchor="ctr"/>
-          <a:lstStyle/>
-          <a:p>
-            <a:pPr algn="ctr"/>
-          </a:p>
-        </p:txBody>
-      </p:sp>
-      <p:sp>
-        <p:nvSpPr>
-          <p:cNvPr id="12" name="TextBox 11"/>
-          <p:cNvSpPr txBox="1"/>
-          <p:nvPr/>
-        </p:nvSpPr>
-        <p:spPr>
-          <a:xfrm>
-            <a:off x="594360" y="2130552"/>
-            <a:ext cx="457200" cy="457200"/>
-          </a:xfrm>
-          <a:prstGeom prst="rect">
-            <a:avLst/>
-          </a:prstGeom>
-          <a:noFill/>
-        </p:spPr>
-        <p:txBody>
-          <a:bodyPr wrap="square" anchor="ctr"/>
-          <a:lstStyle/>
-          <a:p>
-            <a:pPr algn="ctr">
-              <a:lnSpc>
-                <a:spcPct val="135000"/>
-              </a:lnSpc>
-              <a:spcBef>
-                <a:spcPts val="0"/>
-              </a:spcBef>
-              <a:spcAft>
-                <a:spcPts val="0"/>
-              </a:spcAft>
-            </a:pPr>
-            <a:r>
-              <a:rPr sz="1400" b="1">
-                <a:solidFill>
-                  <a:srgbClr val="2563EB"/>
-                </a:solidFill>
-                <a:latin typeface="IPAPGothic"/>
-              </a:rPr>
-              <a:t>Q</a:t>
-            </a:r>
-          </a:p>
-        </p:txBody>
-      </p:sp>
-      <p:sp>
-        <p:nvSpPr>
-          <p:cNvPr id="13" name="TextBox 12"/>
-          <p:cNvSpPr txBox="1"/>
-          <p:nvPr/>
-        </p:nvSpPr>
-        <p:spPr>
-          <a:xfrm>
-            <a:off x="1188720" y="2103120"/>
-            <a:ext cx="6949440" cy="292608"/>
-          </a:xfrm>
-          <a:prstGeom prst="rect">
-            <a:avLst/>
-          </a:prstGeom>
-          <a:noFill/>
-        </p:spPr>
-        <p:txBody>
-          <a:bodyPr wrap="square"/>
-          <a:lstStyle/>
-          <a:p>
-            <a:pPr algn="l">
-              <a:lnSpc>
-                <a:spcPct val="135000"/>
-              </a:lnSpc>
-              <a:spcBef>
-                <a:spcPts val="0"/>
-              </a:spcBef>
-              <a:spcAft>
-                <a:spcPts val="0"/>
-              </a:spcAft>
-            </a:pPr>
-            <a:r>
-              <a:rPr sz="1100" b="1">
-                <a:solidFill>
-                  <a:srgbClr val="1E293B"/>
-                </a:solidFill>
-                <a:latin typeface="IPAPGothic"/>
-              </a:rPr>
-              <a:t>個人プラン — ¥50,000（税込）</a:t>
-            </a:r>
-          </a:p>
-        </p:txBody>
-      </p:sp>
-      <p:sp>
-        <p:nvSpPr>
-          <p:cNvPr id="14" name="TextBox 13"/>
-          <p:cNvSpPr txBox="1"/>
-          <p:nvPr/>
-        </p:nvSpPr>
-        <p:spPr>
-          <a:xfrm>
-            <a:off x="1188720" y="2414016"/>
-            <a:ext cx="6949440" cy="274320"/>
-          </a:xfrm>
-          <a:prstGeom prst="rect">
-            <a:avLst/>
-          </a:prstGeom>
-          <a:noFill/>
-        </p:spPr>
-        <p:txBody>
-          <a:bodyPr wrap="square"/>
-          <a:lstStyle/>
-          <a:p>
-            <a:pPr algn="l">
-              <a:lnSpc>
-                <a:spcPct val="135000"/>
-              </a:lnSpc>
-              <a:spcBef>
-                <a:spcPts val="0"/>
-              </a:spcBef>
-              <a:spcAft>
-                <a:spcPts val="0"/>
-              </a:spcAft>
-            </a:pPr>
-            <a:r>
-              <a:rPr sz="1000" b="0">
-                <a:solidFill>
-                  <a:srgbClr val="475569"/>
-                </a:solidFill>
-                <a:latin typeface="IPAPGothic"/>
-              </a:rPr>
-              <a:t>石英ガラスに刻印。年あたり50円の存在証明。1000年耐久（理論値）。</a:t>
-            </a:r>
-          </a:p>
-        </p:txBody>
-      </p:sp>
-      <p:sp>
-        <p:nvSpPr>
-          <p:cNvPr id="15" name="Rectangle 14"/>
-          <p:cNvSpPr/>
-          <p:nvPr/>
-        </p:nvSpPr>
-        <p:spPr>
-          <a:xfrm>
-            <a:off x="457200" y="2889504"/>
-            <a:ext cx="7863840" cy="804672"/>
-          </a:xfrm>
-          <a:prstGeom prst="rect">
-            <a:avLst/>
-          </a:prstGeom>
-          <a:solidFill>
-            <a:srgbClr val="FFFFFF"/>
-          </a:solidFill>
-          <a:ln w="9525">
-            <a:solidFill>
-              <a:srgbClr val="E2E8F0"/>
-            </a:solidFill>
-          </a:ln>
-        </p:spPr>
-        <p:style>
-          <a:lnRef idx="1">
-            <a:schemeClr val="accent1"/>
-          </a:lnRef>
-          <a:fillRef idx="3">
-            <a:schemeClr val="accent1"/>
-          </a:fillRef>
-          <a:effectRef idx="2">
-            <a:schemeClr val="accent1"/>
-          </a:effectRef>
-          <a:fontRef idx="minor">
-            <a:schemeClr val="lt1"/>
-          </a:fontRef>
-        </p:style>
-        <p:txBody>
-          <a:bodyPr rtlCol="0" anchor="ctr"/>
-          <a:lstStyle/>
-          <a:p>
-            <a:pPr algn="ctr"/>
-          </a:p>
-        </p:txBody>
-      </p:sp>
-      <p:sp>
-        <p:nvSpPr>
-          <p:cNvPr id="16" name="Rectangle 15"/>
-          <p:cNvSpPr/>
-          <p:nvPr/>
-        </p:nvSpPr>
-        <p:spPr>
-          <a:xfrm>
-            <a:off x="594360" y="3026664"/>
-            <a:ext cx="457200" cy="457200"/>
-          </a:xfrm>
-          <a:prstGeom prst="rect">
-            <a:avLst/>
-          </a:prstGeom>
-          <a:solidFill>
-            <a:srgbClr val="FDF8E8"/>
-          </a:solidFill>
-          <a:ln>
-            <a:noFill/>
-          </a:ln>
-        </p:spPr>
-        <p:style>
-          <a:lnRef idx="1">
-            <a:schemeClr val="accent1"/>
-          </a:lnRef>
-          <a:fillRef idx="3">
-            <a:schemeClr val="accent1"/>
-          </a:fillRef>
-          <a:effectRef idx="2">
-            <a:schemeClr val="accent1"/>
-          </a:effectRef>
-          <a:fontRef idx="minor">
-            <a:schemeClr val="lt1"/>
-          </a:fontRef>
-        </p:style>
-        <p:txBody>
-          <a:bodyPr rtlCol="0" anchor="ctr"/>
-          <a:lstStyle/>
-          <a:p>
-            <a:pPr algn="ctr"/>
-          </a:p>
-        </p:txBody>
-      </p:sp>
-      <p:sp>
-        <p:nvSpPr>
-          <p:cNvPr id="17" name="TextBox 16"/>
-          <p:cNvSpPr txBox="1"/>
-          <p:nvPr/>
-        </p:nvSpPr>
-        <p:spPr>
-          <a:xfrm>
-            <a:off x="594360" y="3026664"/>
-            <a:ext cx="457200" cy="457200"/>
-          </a:xfrm>
-          <a:prstGeom prst="rect">
-            <a:avLst/>
-          </a:prstGeom>
-          <a:noFill/>
-        </p:spPr>
-        <p:txBody>
-          <a:bodyPr wrap="square" anchor="ctr"/>
-          <a:lstStyle/>
-          <a:p>
-            <a:pPr algn="ctr">
-              <a:lnSpc>
-                <a:spcPct val="135000"/>
-              </a:lnSpc>
-              <a:spcBef>
-                <a:spcPts val="0"/>
-              </a:spcBef>
-              <a:spcAft>
-                <a:spcPts val="0"/>
-              </a:spcAft>
-            </a:pPr>
-            <a:r>
-              <a:rPr sz="1400" b="1">
-                <a:solidFill>
-                  <a:srgbClr val="2563EB"/>
-                </a:solidFill>
-                <a:latin typeface="IPAPGothic"/>
-              </a:rPr>
-              <a:t>F</a:t>
-            </a:r>
-          </a:p>
-        </p:txBody>
-      </p:sp>
-      <p:sp>
-        <p:nvSpPr>
-          <p:cNvPr id="18" name="TextBox 17"/>
-          <p:cNvSpPr txBox="1"/>
-          <p:nvPr/>
-        </p:nvSpPr>
-        <p:spPr>
-          <a:xfrm>
-            <a:off x="1188720" y="2999232"/>
-            <a:ext cx="6949440" cy="292608"/>
-          </a:xfrm>
-          <a:prstGeom prst="rect">
-            <a:avLst/>
-          </a:prstGeom>
-          <a:noFill/>
-        </p:spPr>
-        <p:txBody>
-          <a:bodyPr wrap="square"/>
-          <a:lstStyle/>
-          <a:p>
-            <a:pPr algn="l">
-              <a:lnSpc>
-                <a:spcPct val="135000"/>
-              </a:lnSpc>
-              <a:spcBef>
-                <a:spcPts val="0"/>
-              </a:spcBef>
-              <a:spcAft>
-                <a:spcPts val="0"/>
-              </a:spcAft>
-            </a:pPr>
-            <a:r>
-              <a:rPr sz="1100" b="1">
-                <a:solidFill>
-                  <a:srgbClr val="1E293B"/>
-                </a:solidFill>
-                <a:latin typeface="IPAPGothic"/>
-              </a:rPr>
-              <a:t>三世代プラン — ¥550,000（税込・推奨）</a:t>
-            </a:r>
-          </a:p>
-        </p:txBody>
-      </p:sp>
-      <p:sp>
-        <p:nvSpPr>
-          <p:cNvPr id="19" name="TextBox 18"/>
-          <p:cNvSpPr txBox="1"/>
-          <p:nvPr/>
-        </p:nvSpPr>
-        <p:spPr>
-          <a:xfrm>
-            <a:off x="1188720" y="3310128"/>
-            <a:ext cx="6949440" cy="274320"/>
-          </a:xfrm>
-          <a:prstGeom prst="rect">
-            <a:avLst/>
-          </a:prstGeom>
-          <a:noFill/>
-        </p:spPr>
-        <p:txBody>
-          <a:bodyPr wrap="square"/>
-          <a:lstStyle/>
-          <a:p>
-            <a:pPr algn="l">
-              <a:lnSpc>
-                <a:spcPct val="135000"/>
-              </a:lnSpc>
-              <a:spcBef>
-                <a:spcPts val="0"/>
-              </a:spcBef>
-              <a:spcAft>
-                <a:spcPts val="0"/>
-              </a:spcAft>
-            </a:pPr>
-            <a:r>
-              <a:rPr sz="1000" b="0">
-                <a:solidFill>
-                  <a:srgbClr val="475569"/>
-                </a:solidFill>
-                <a:latin typeface="IPAPGothic"/>
-              </a:rPr>
-              <a:t>家族3名分＋佐渡島での現地刻印体験。お墓・仏壇の代替として。最も選ばれるプラン。</a:t>
-            </a:r>
-          </a:p>
-        </p:txBody>
-      </p:sp>
-      <p:sp>
-        <p:nvSpPr>
-          <p:cNvPr id="20" name="Rectangle 19"/>
-          <p:cNvSpPr/>
-          <p:nvPr/>
-        </p:nvSpPr>
-        <p:spPr>
-          <a:xfrm>
-            <a:off x="457200" y="3785616"/>
-            <a:ext cx="7863840" cy="804672"/>
-          </a:xfrm>
-          <a:prstGeom prst="rect">
-            <a:avLst/>
-          </a:prstGeom>
-          <a:solidFill>
-            <a:srgbClr val="FFFFFF"/>
-          </a:solidFill>
-          <a:ln w="9525">
-            <a:solidFill>
-              <a:srgbClr val="E2E8F0"/>
-            </a:solidFill>
-          </a:ln>
-        </p:spPr>
-        <p:style>
-          <a:lnRef idx="1">
-            <a:schemeClr val="accent1"/>
-          </a:lnRef>
-          <a:fillRef idx="3">
-            <a:schemeClr val="accent1"/>
-          </a:fillRef>
-          <a:effectRef idx="2">
-            <a:schemeClr val="accent1"/>
-          </a:effectRef>
-          <a:fontRef idx="minor">
-            <a:schemeClr val="lt1"/>
-          </a:fontRef>
-        </p:style>
-        <p:txBody>
-          <a:bodyPr rtlCol="0" anchor="ctr"/>
-          <a:lstStyle/>
-          <a:p>
-            <a:pPr algn="ctr"/>
-          </a:p>
-        </p:txBody>
-      </p:sp>
-      <p:sp>
-        <p:nvSpPr>
-          <p:cNvPr id="21" name="Rectangle 20"/>
-          <p:cNvSpPr/>
-          <p:nvPr/>
-        </p:nvSpPr>
-        <p:spPr>
-          <a:xfrm>
-            <a:off x="594360" y="3922776"/>
+            <a:off x="594360" y="2971800"/>
             <a:ext cx="457200" cy="457200"/>
           </a:xfrm>
           <a:prstGeom prst="rect">
@@ -10569,13 +10264,13 @@
       </p:sp>
       <p:sp>
         <p:nvSpPr>
-          <p:cNvPr id="22" name="TextBox 21"/>
-          <p:cNvSpPr txBox="1"/>
-          <p:nvPr/>
-        </p:nvSpPr>
-        <p:spPr>
-          <a:xfrm>
-            <a:off x="594360" y="3922776"/>
+          <p:cNvPr id="15" name="TextBox 14"/>
+          <p:cNvSpPr txBox="1"/>
+          <p:nvPr/>
+        </p:nvSpPr>
+        <p:spPr>
+          <a:xfrm>
+            <a:off x="594360" y="2971800"/>
             <a:ext cx="457200" cy="457200"/>
           </a:xfrm>
           <a:prstGeom prst="rect">
@@ -10612,13 +10307,13 @@
       </p:sp>
       <p:sp>
         <p:nvSpPr>
-          <p:cNvPr id="23" name="TextBox 22"/>
-          <p:cNvSpPr txBox="1"/>
-          <p:nvPr/>
-        </p:nvSpPr>
-        <p:spPr>
-          <a:xfrm>
-            <a:off x="1188720" y="3895344"/>
+          <p:cNvPr id="16" name="TextBox 15"/>
+          <p:cNvSpPr txBox="1"/>
+          <p:nvPr/>
+        </p:nvSpPr>
+        <p:spPr>
+          <a:xfrm>
+            <a:off x="1188720" y="2944368"/>
             <a:ext cx="6949440" cy="292608"/>
           </a:xfrm>
           <a:prstGeom prst="rect">
@@ -10648,21 +10343,21 @@
                 </a:solidFill>
                 <a:latin typeface="IPAPGothic"/>
               </a:rPr>
-              <a:t>ボイスメモリアル — ¥5,550,000（税込）</a:t>
-            </a:r>
-          </a:p>
-        </p:txBody>
-      </p:sp>
-      <p:sp>
-        <p:nvSpPr>
-          <p:cNvPr id="24" name="TextBox 23"/>
-          <p:cNvSpPr txBox="1"/>
-          <p:nvPr/>
-        </p:nvSpPr>
-        <p:spPr>
-          <a:xfrm>
-            <a:off x="1188720" y="4206240"/>
-            <a:ext cx="6949440" cy="274320"/>
+              <a:t>タイムレス変容 — ¥5,550,000（税込）</a:t>
+            </a:r>
+          </a:p>
+        </p:txBody>
+      </p:sp>
+      <p:sp>
+        <p:nvSpPr>
+          <p:cNvPr id="17" name="TextBox 16"/>
+          <p:cNvSpPr txBox="1"/>
+          <p:nvPr/>
+        </p:nvSpPr>
+        <p:spPr>
+          <a:xfrm>
+            <a:off x="1188720" y="3255264"/>
+            <a:ext cx="6949440" cy="475488"/>
           </a:xfrm>
           <a:prstGeom prst="rect">
             <a:avLst/>
@@ -10698,7 +10393,7 @@
       </p:sp>
       <p:sp>
         <p:nvSpPr>
-          <p:cNvPr id="25" name="Rectangle 24"/>
+          <p:cNvPr id="18" name="Rectangle 17"/>
           <p:cNvSpPr/>
           <p:nvPr/>
         </p:nvSpPr>
@@ -10741,7 +10436,7 @@
       </p:sp>
       <p:sp>
         <p:nvSpPr>
-          <p:cNvPr id="26" name="TextBox 25"/>
+          <p:cNvPr id="19" name="TextBox 18"/>
           <p:cNvSpPr txBox="1"/>
           <p:nvPr/>
         </p:nvSpPr>
@@ -10784,7 +10479,7 @@
       </p:sp>
       <p:sp>
         <p:nvSpPr>
-          <p:cNvPr id="27" name="TextBox 26"/>
+          <p:cNvPr id="20" name="TextBox 19"/>
           <p:cNvSpPr txBox="1"/>
           <p:nvPr/>
         </p:nvSpPr>
@@ -10827,7 +10522,7 @@
       </p:sp>
       <p:sp>
         <p:nvSpPr>
-          <p:cNvPr id="28" name="TextBox 27"/>
+          <p:cNvPr id="21" name="TextBox 20"/>
           <p:cNvSpPr txBox="1"/>
           <p:nvPr/>
         </p:nvSpPr>

--- a/tokistorage-client-deck.pptx
+++ b/tokistorage-client-deck.pptx
@@ -9504,7 +9504,7 @@
                 </a:solidFill>
                 <a:latin typeface="IPAPGothic"/>
               </a:rPr>
-              <a:t>あなたの存在証明を、70以上の思想エッセイの文脈に位置づけたレポート。「なぜ残すのか」の知的な裏付け。</a:t>
+              <a:t>あなたの存在証明を、100以上の思想エッセイの文脈に位置づけたレポート。「なぜ残すのか」の知的な裏付け。</a:t>
             </a:r>
           </a:p>
         </p:txBody>
@@ -10815,7 +10815,7 @@
                 </a:solidFill>
                 <a:latin typeface="IPAPGothic"/>
               </a:rPr>
-              <a:t>大手コンサルティングファームでの経験を経て、半導体製造装置のエンジニアリング20年超。タイムレスタウン新浦安（250世帯）の自治会長として「ゆりかごから墓場まで」のコミュニティ運営を経験。SoulCarrier活動で「記憶が消える恐怖」を目の当たりにし、TokiStorageを着想。マウイ・山中湖でのオフグリッド実証を経て、制度に依存しない千年設計の技術を完成。70以上の思想エッセイを執筆し、9つの知的領域から存在証明の意味を探究し続けている。</a:t>
+              <a:t>大手コンサルティングファームでの経験を経て、半導体製造装置のエンジニアリング20年超。タイムレスタウン新浦安（250世帯）の自治会長として「ゆりかごから墓場まで」のコミュニティ運営を経験。SoulCarrier活動で「記憶が消える恐怖」を目の当たりにし、TokiStorageを着想。マウイ・山中湖でのオフグリッド実証を経て、制度に依存しない千年設計の技術を完成。100以上の思想エッセイを執筆し、9つの知的領域から存在証明の意味を探究し続けている。</a:t>
             </a:r>
           </a:p>
         </p:txBody>
@@ -11181,7 +11181,7 @@
         <p:spPr>
           <a:xfrm>
             <a:off x="5902452" y="2587752"/>
-            <a:ext cx="1165860" cy="402336"/>
+            <a:ext cx="1234439" cy="402336"/>
           </a:xfrm>
           <a:prstGeom prst="rect">
             <a:avLst/>
@@ -11226,7 +11226,7 @@
         <p:spPr>
           <a:xfrm>
             <a:off x="5993892" y="2587752"/>
-            <a:ext cx="982980" cy="402336"/>
+            <a:ext cx="1051559" cy="402336"/>
           </a:xfrm>
           <a:prstGeom prst="rect">
             <a:avLst/>
@@ -11255,7 +11255,7 @@
                 </a:solidFill>
                 <a:latin typeface="IPAPGothic"/>
               </a:rPr>
-              <a:t>70+思想エッセイ執筆</a:t>
+              <a:t>100+思想エッセイ執筆</a:t>
             </a:r>
           </a:p>
         </p:txBody>
@@ -11268,7 +11268,7 @@
         </p:nvSpPr>
         <p:spPr>
           <a:xfrm>
-            <a:off x="7178040" y="2587752"/>
+            <a:off x="7246619" y="2587752"/>
             <a:ext cx="1097280" cy="402336"/>
           </a:xfrm>
           <a:prstGeom prst="rect">
@@ -11313,7 +11313,7 @@
         </p:nvSpPr>
         <p:spPr>
           <a:xfrm>
-            <a:off x="7269480" y="2587752"/>
+            <a:off x="7338059" y="2587752"/>
             <a:ext cx="914400" cy="402336"/>
           </a:xfrm>
           <a:prstGeom prst="rect">
